--- a/presentation/presentation.pptx
+++ b/presentation/presentation.pptx
@@ -5,39 +5,40 @@
     <p:sldMasterId id="2147483672" r:id="rId1"/>
   </p:sldMasterIdLst>
   <p:notesMasterIdLst>
-    <p:notesMasterId r:id="rId32"/>
+    <p:notesMasterId r:id="rId33"/>
   </p:notesMasterIdLst>
   <p:sldIdLst>
     <p:sldId id="256" r:id="rId2"/>
     <p:sldId id="344" r:id="rId3"/>
     <p:sldId id="350" r:id="rId4"/>
     <p:sldId id="349" r:id="rId5"/>
-    <p:sldId id="348" r:id="rId6"/>
-    <p:sldId id="361" r:id="rId7"/>
-    <p:sldId id="360" r:id="rId8"/>
-    <p:sldId id="347" r:id="rId9"/>
-    <p:sldId id="346" r:id="rId10"/>
-    <p:sldId id="357" r:id="rId11"/>
-    <p:sldId id="353" r:id="rId12"/>
-    <p:sldId id="354" r:id="rId13"/>
-    <p:sldId id="352" r:id="rId14"/>
-    <p:sldId id="262" r:id="rId15"/>
-    <p:sldId id="324" r:id="rId16"/>
-    <p:sldId id="362" r:id="rId17"/>
-    <p:sldId id="363" r:id="rId18"/>
-    <p:sldId id="358" r:id="rId19"/>
-    <p:sldId id="356" r:id="rId20"/>
-    <p:sldId id="351" r:id="rId21"/>
-    <p:sldId id="345" r:id="rId22"/>
-    <p:sldId id="355" r:id="rId23"/>
-    <p:sldId id="340" r:id="rId24"/>
-    <p:sldId id="339" r:id="rId25"/>
-    <p:sldId id="343" r:id="rId26"/>
-    <p:sldId id="338" r:id="rId27"/>
-    <p:sldId id="341" r:id="rId28"/>
-    <p:sldId id="342" r:id="rId29"/>
-    <p:sldId id="334" r:id="rId30"/>
-    <p:sldId id="336" r:id="rId31"/>
+    <p:sldId id="361" r:id="rId6"/>
+    <p:sldId id="360" r:id="rId7"/>
+    <p:sldId id="357" r:id="rId8"/>
+    <p:sldId id="353" r:id="rId9"/>
+    <p:sldId id="354" r:id="rId10"/>
+    <p:sldId id="352" r:id="rId11"/>
+    <p:sldId id="364" r:id="rId12"/>
+    <p:sldId id="262" r:id="rId13"/>
+    <p:sldId id="348" r:id="rId14"/>
+    <p:sldId id="347" r:id="rId15"/>
+    <p:sldId id="346" r:id="rId16"/>
+    <p:sldId id="324" r:id="rId17"/>
+    <p:sldId id="362" r:id="rId18"/>
+    <p:sldId id="363" r:id="rId19"/>
+    <p:sldId id="358" r:id="rId20"/>
+    <p:sldId id="356" r:id="rId21"/>
+    <p:sldId id="351" r:id="rId22"/>
+    <p:sldId id="345" r:id="rId23"/>
+    <p:sldId id="355" r:id="rId24"/>
+    <p:sldId id="340" r:id="rId25"/>
+    <p:sldId id="339" r:id="rId26"/>
+    <p:sldId id="343" r:id="rId27"/>
+    <p:sldId id="338" r:id="rId28"/>
+    <p:sldId id="341" r:id="rId29"/>
+    <p:sldId id="342" r:id="rId30"/>
+    <p:sldId id="334" r:id="rId31"/>
+    <p:sldId id="336" r:id="rId32"/>
   </p:sldIdLst>
   <p:sldSz cx="12192000" cy="6858000"/>
   <p:notesSz cx="6858000" cy="9144000"/>
@@ -226,7 +227,7 @@
           <a:p>
             <a:fld id="{6DE9E842-1B71-4FDF-8546-7CFAC534C405}" type="datetimeFigureOut">
               <a:rPr lang="en-US" smtClean="0"/>
-              <a:t>7/14/2021</a:t>
+              <a:t>7/17/2021</a:t>
             </a:fld>
             <a:endParaRPr lang="en-US"/>
           </a:p>
@@ -651,9 +652,10 @@
           <a:bodyPr/>
           <a:lstStyle/>
           <a:p>
-            <a:r>
-              <a:rPr lang="en-US" dirty="0"/>
-              <a:t>Existing literature to counter algorithmic bias can be classified into 3 different stages :- data, model and prediction</a:t>
+            <a:pPr algn="ctr"/>
+            <a:r>
+              <a:rPr lang="en-US" sz="1200" b="1" dirty="0"/>
+              <a:t>We hope our work might inspire popular tools like MS Word, MS PowerPoint, etc. to add accessibility features for people who stutter.</a:t>
             </a:r>
           </a:p>
         </p:txBody>
@@ -684,7 +686,7 @@
     </p:spTree>
     <p:extLst>
       <p:ext uri="{BB962C8B-B14F-4D97-AF65-F5344CB8AC3E}">
-        <p14:creationId xmlns:p14="http://schemas.microsoft.com/office/powerpoint/2010/main" val="1233148754"/>
+        <p14:creationId xmlns:p14="http://schemas.microsoft.com/office/powerpoint/2010/main" val="560364245"/>
       </p:ext>
     </p:extLst>
   </p:cSld>
@@ -739,38 +741,9 @@
           <a:lstStyle/>
           <a:p>
             <a:r>
-              <a:rPr lang="en-US" sz="1200" dirty="0"/>
-              <a:t>So, each user struggles on a different set of words.</a:t>
-            </a:r>
-          </a:p>
-          <a:p>
-            <a:endParaRPr lang="en-US" sz="1200" dirty="0"/>
-          </a:p>
-          <a:p>
-            <a:pPr marL="0" marR="0" lvl="0" indent="0" algn="l" defTabSz="914400" rtl="0" eaLnBrk="1" fontAlgn="auto" latinLnBrk="0" hangingPunct="1">
-              <a:lnSpc>
-                <a:spcPct val="100000"/>
-              </a:lnSpc>
-              <a:spcBef>
-                <a:spcPts val="0"/>
-              </a:spcBef>
-              <a:spcAft>
-                <a:spcPts val="0"/>
-              </a:spcAft>
-              <a:buClrTx/>
-              <a:buSzTx/>
-              <a:buFontTx/>
-              <a:buNone/>
-              <a:tabLst/>
-              <a:defRPr/>
-            </a:pPr>
-            <a:r>
-              <a:rPr lang="en-US" sz="1200" dirty="0"/>
-              <a:t>We used 2467 TED talks transcripts which contains ~57k unique words to evaluate our tool. We split ~57k words into train and test dataset in the ration of 75:25.</a:t>
-            </a:r>
-          </a:p>
-          <a:p>
-            <a:endParaRPr lang="en-US" dirty="0"/>
+              <a:rPr lang="en-US" dirty="0"/>
+              <a:t>Existing literature to counter algorithmic bias can be classified into 3 different stages :- data, model and prediction</a:t>
+            </a:r>
           </a:p>
         </p:txBody>
       </p:sp>
@@ -800,7 +773,7 @@
     </p:spTree>
     <p:extLst>
       <p:ext uri="{BB962C8B-B14F-4D97-AF65-F5344CB8AC3E}">
-        <p14:creationId xmlns:p14="http://schemas.microsoft.com/office/powerpoint/2010/main" val="1803194857"/>
+        <p14:creationId xmlns:p14="http://schemas.microsoft.com/office/powerpoint/2010/main" val="4147244378"/>
       </p:ext>
     </p:extLst>
   </p:cSld>
@@ -854,32 +827,10 @@
           <a:bodyPr/>
           <a:lstStyle/>
           <a:p>
-            <a:pPr marL="457200" indent="-457200">
-              <a:buFont typeface="Wingdings" panose="05000000000000000000" pitchFamily="2" charset="2"/>
-              <a:buChar char="§"/>
-            </a:pPr>
-            <a:r>
-              <a:rPr lang="en-US" sz="1200" dirty="0"/>
-              <a:t>The above plots show the mean precision, accuracy and f1 score for 10 simulated users across 500 interactions.</a:t>
-            </a:r>
-          </a:p>
-          <a:p>
-            <a:pPr marL="457200" indent="-457200">
-              <a:buFont typeface="Wingdings" panose="05000000000000000000" pitchFamily="2" charset="2"/>
-              <a:buChar char="§"/>
-            </a:pPr>
-            <a:endParaRPr lang="en-US" sz="1200" dirty="0"/>
-          </a:p>
-          <a:p>
-            <a:pPr marL="457200" indent="-457200">
-              <a:buFont typeface="Wingdings" panose="05000000000000000000" pitchFamily="2" charset="2"/>
-              <a:buChar char="§"/>
-            </a:pPr>
-            <a:r>
-              <a:rPr lang="en-US" sz="1200" b="1" dirty="0"/>
-              <a:t>Explicit feedback helps learn faster </a:t>
-            </a:r>
-            <a:endParaRPr lang="en-US" sz="1200" dirty="0"/>
+            <a:r>
+              <a:rPr lang="en-US" dirty="0"/>
+              <a:t>Existing literature to counter algorithmic bias can be classified into 3 different stages :- data, model and prediction</a:t>
+            </a:r>
           </a:p>
         </p:txBody>
       </p:sp>
@@ -900,7 +851,7 @@
           <a:p>
             <a:fld id="{8CBD757D-DE5A-4CD1-82FB-678E1CF7B585}" type="slidenum">
               <a:rPr lang="en-US" smtClean="0"/>
-              <a:t>12</a:t>
+              <a:t>13</a:t>
             </a:fld>
             <a:endParaRPr lang="en-US"/>
           </a:p>
@@ -909,7 +860,7 @@
     </p:spTree>
     <p:extLst>
       <p:ext uri="{BB962C8B-B14F-4D97-AF65-F5344CB8AC3E}">
-        <p14:creationId xmlns:p14="http://schemas.microsoft.com/office/powerpoint/2010/main" val="884477245"/>
+        <p14:creationId xmlns:p14="http://schemas.microsoft.com/office/powerpoint/2010/main" val="4266289329"/>
       </p:ext>
     </p:extLst>
   </p:cSld>
@@ -963,10 +914,9 @@
           <a:bodyPr/>
           <a:lstStyle/>
           <a:p>
-            <a:pPr algn="ctr"/>
-            <a:r>
-              <a:rPr lang="en-US" sz="1200" b="1" dirty="0"/>
-              <a:t>We hope our work might inspire popular tools like MS Word, MS PowerPoint, etc. to add accessibility features for people who stutter.</a:t>
+            <a:r>
+              <a:rPr lang="en-US" dirty="0"/>
+              <a:t>Existing literature to counter algorithmic bias can be classified into 3 different stages :- data, model and prediction</a:t>
             </a:r>
           </a:p>
         </p:txBody>
@@ -988,7 +938,7 @@
           <a:p>
             <a:fld id="{8CBD757D-DE5A-4CD1-82FB-678E1CF7B585}" type="slidenum">
               <a:rPr lang="en-US" smtClean="0"/>
-              <a:t>13</a:t>
+              <a:t>14</a:t>
             </a:fld>
             <a:endParaRPr lang="en-US"/>
           </a:p>
@@ -997,7 +947,7 @@
     </p:spTree>
     <p:extLst>
       <p:ext uri="{BB962C8B-B14F-4D97-AF65-F5344CB8AC3E}">
-        <p14:creationId xmlns:p14="http://schemas.microsoft.com/office/powerpoint/2010/main" val="560364245"/>
+        <p14:creationId xmlns:p14="http://schemas.microsoft.com/office/powerpoint/2010/main" val="921254109"/>
       </p:ext>
     </p:extLst>
   </p:cSld>
@@ -1024,205 +974,7 @@
           <a:chExt cx="0" cy="0"/>
         </a:xfrm>
       </p:grpSpPr>
-      <p:sp>
-        <p:nvSpPr>
-          <p:cNvPr id="2" name="Slide Image Placeholder 1"/>
-          <p:cNvSpPr>
-            <a:spLocks noGrp="1" noRot="1" noChangeAspect="1"/>
-          </p:cNvSpPr>
-          <p:nvPr>
-            <p:ph type="sldImg"/>
-          </p:nvPr>
-        </p:nvSpPr>
-        <p:spPr/>
-      </p:sp>
-      <p:sp>
-        <p:nvSpPr>
-          <p:cNvPr id="3" name="Notes Placeholder 2"/>
-          <p:cNvSpPr>
-            <a:spLocks noGrp="1"/>
-          </p:cNvSpPr>
-          <p:nvPr>
-            <p:ph type="body" idx="1"/>
-          </p:nvPr>
-        </p:nvSpPr>
-        <p:spPr/>
-        <p:txBody>
-          <a:bodyPr/>
-          <a:lstStyle/>
-          <a:p>
-            <a:r>
-              <a:rPr lang="en-US" sz="1200" b="0" i="0" kern="1200" dirty="0">
-                <a:solidFill>
-                  <a:schemeClr val="tx1"/>
-                </a:solidFill>
-                <a:effectLst/>
-                <a:latin typeface="+mn-lt"/>
-                <a:ea typeface="+mn-ea"/>
-                <a:cs typeface="+mn-cs"/>
-              </a:rPr>
-              <a:t>AL achieves this by intelligently selecting/sampling a batch of instances iteratively from a pool of unlabeled instances and getting them labeled by an oracle (human annotator)</a:t>
-            </a:r>
-          </a:p>
-          <a:p>
-            <a:r>
-              <a:rPr lang="en-US" sz="1200" b="0" i="0" kern="1200" dirty="0">
-                <a:solidFill>
-                  <a:schemeClr val="tx1"/>
-                </a:solidFill>
-                <a:effectLst/>
-                <a:latin typeface="+mn-lt"/>
-                <a:ea typeface="+mn-ea"/>
-                <a:cs typeface="+mn-cs"/>
-              </a:rPr>
-              <a:t>This process goes on and the model keeps evolving.</a:t>
-            </a:r>
-          </a:p>
-          <a:p>
-            <a:endParaRPr lang="en-US" sz="1200" b="0" i="0" kern="1200" dirty="0">
-              <a:solidFill>
-                <a:schemeClr val="tx1"/>
-              </a:solidFill>
-              <a:effectLst/>
-              <a:latin typeface="+mn-lt"/>
-              <a:ea typeface="+mn-ea"/>
-              <a:cs typeface="+mn-cs"/>
-            </a:endParaRPr>
-          </a:p>
-          <a:p>
-            <a:r>
-              <a:rPr lang="en-US" sz="1200" b="0" i="0" kern="1200" dirty="0">
-                <a:solidFill>
-                  <a:schemeClr val="tx1"/>
-                </a:solidFill>
-                <a:effectLst/>
-                <a:latin typeface="+mn-lt"/>
-                <a:ea typeface="+mn-ea"/>
-                <a:cs typeface="+mn-cs"/>
-              </a:rPr>
-              <a:t>This kind of learning technique plays a key role when labeled data is </a:t>
-            </a:r>
-            <a:r>
-              <a:rPr lang="en-US" sz="1200" b="1" i="0" kern="1200" dirty="0">
-                <a:solidFill>
-                  <a:schemeClr val="tx1"/>
-                </a:solidFill>
-                <a:effectLst/>
-                <a:latin typeface="+mn-lt"/>
-                <a:ea typeface="+mn-ea"/>
-                <a:cs typeface="+mn-cs"/>
-              </a:rPr>
-              <a:t>scarce</a:t>
-            </a:r>
-            <a:r>
-              <a:rPr lang="en-US" sz="1200" b="0" i="0" kern="1200" dirty="0">
-                <a:solidFill>
-                  <a:schemeClr val="tx1"/>
-                </a:solidFill>
-                <a:effectLst/>
-                <a:latin typeface="+mn-lt"/>
-                <a:ea typeface="+mn-ea"/>
-                <a:cs typeface="+mn-cs"/>
-              </a:rPr>
-              <a:t> and obtaining new labels is </a:t>
-            </a:r>
-            <a:r>
-              <a:rPr lang="en-US" sz="1200" b="1" i="0" kern="1200" dirty="0">
-                <a:solidFill>
-                  <a:schemeClr val="tx1"/>
-                </a:solidFill>
-                <a:effectLst/>
-                <a:latin typeface="+mn-lt"/>
-                <a:ea typeface="+mn-ea"/>
-                <a:cs typeface="+mn-cs"/>
-              </a:rPr>
-              <a:t>expensive or difficult</a:t>
-            </a:r>
-            <a:r>
-              <a:rPr lang="en-US" sz="1200" b="0" i="0" kern="1200" dirty="0">
-                <a:solidFill>
-                  <a:schemeClr val="tx1"/>
-                </a:solidFill>
-                <a:effectLst/>
-                <a:latin typeface="+mn-lt"/>
-                <a:ea typeface="+mn-ea"/>
-                <a:cs typeface="+mn-cs"/>
-              </a:rPr>
-              <a:t>. </a:t>
-            </a:r>
-          </a:p>
-          <a:p>
-            <a:endParaRPr lang="en-US" sz="1200" b="0" i="0" kern="1200" dirty="0">
-              <a:solidFill>
-                <a:schemeClr val="tx1"/>
-              </a:solidFill>
-              <a:effectLst/>
-              <a:latin typeface="+mn-lt"/>
-              <a:ea typeface="+mn-ea"/>
-              <a:cs typeface="+mn-cs"/>
-            </a:endParaRPr>
-          </a:p>
-          <a:p>
-            <a:r>
-              <a:rPr lang="en-US" sz="1200" b="1" i="0" kern="1200" dirty="0">
-                <a:solidFill>
-                  <a:schemeClr val="tx1"/>
-                </a:solidFill>
-                <a:effectLst/>
-                <a:latin typeface="+mn-lt"/>
-                <a:ea typeface="+mn-ea"/>
-                <a:cs typeface="+mn-cs"/>
-              </a:rPr>
-              <a:t>Use cases</a:t>
-            </a:r>
-            <a:r>
-              <a:rPr lang="en-US" sz="1200" b="0" i="0" kern="1200" dirty="0">
-                <a:solidFill>
-                  <a:schemeClr val="tx1"/>
-                </a:solidFill>
-                <a:effectLst/>
-                <a:latin typeface="+mn-lt"/>
-                <a:ea typeface="+mn-ea"/>
-                <a:cs typeface="+mn-cs"/>
-              </a:rPr>
-              <a:t> include speech recognition, named entity recognition, text classification, etc.</a:t>
-            </a:r>
-            <a:r>
-              <a:rPr lang="en-US" dirty="0"/>
-              <a:t> </a:t>
-            </a:r>
-          </a:p>
-        </p:txBody>
-      </p:sp>
-      <p:sp>
-        <p:nvSpPr>
-          <p:cNvPr id="4" name="Slide Number Placeholder 3"/>
-          <p:cNvSpPr>
-            <a:spLocks noGrp="1"/>
-          </p:cNvSpPr>
-          <p:nvPr>
-            <p:ph type="sldNum" sz="quarter" idx="10"/>
-          </p:nvPr>
-        </p:nvSpPr>
-        <p:spPr/>
-        <p:txBody>
-          <a:bodyPr/>
-          <a:lstStyle/>
-          <a:p>
-            <a:fld id="{8CBD757D-DE5A-4CD1-82FB-678E1CF7B585}" type="slidenum">
-              <a:rPr lang="en-US" smtClean="0"/>
-              <a:t>15</a:t>
-            </a:fld>
-            <a:endParaRPr lang="en-US"/>
-          </a:p>
-        </p:txBody>
-      </p:sp>
     </p:spTree>
-    <p:extLst>
-      <p:ext uri="{BB962C8B-B14F-4D97-AF65-F5344CB8AC3E}">
-        <p14:creationId xmlns:p14="http://schemas.microsoft.com/office/powerpoint/2010/main" val="1993935609"/>
-      </p:ext>
-    </p:extLst>
   </p:cSld>
   <p:clrMapOvr>
     <a:masterClrMapping/>
@@ -1275,8 +1027,144 @@
           <a:lstStyle/>
           <a:p>
             <a:r>
+              <a:rPr lang="en-US" sz="1200" b="0" i="0" kern="1200" dirty="0">
+                <a:solidFill>
+                  <a:schemeClr val="tx1"/>
+                </a:solidFill>
+                <a:effectLst/>
+                <a:latin typeface="+mn-lt"/>
+                <a:ea typeface="+mn-ea"/>
+                <a:cs typeface="+mn-cs"/>
+              </a:rPr>
+              <a:t>AL achieves this by intelligently selecting/sampling a batch of instances iteratively from a pool of unlabeled instances and getting them labeled by an oracle (human annotator)</a:t>
+            </a:r>
+          </a:p>
+          <a:p>
+            <a:r>
+              <a:rPr lang="en-US" sz="1200" b="0" i="0" kern="1200" dirty="0">
+                <a:solidFill>
+                  <a:schemeClr val="tx1"/>
+                </a:solidFill>
+                <a:effectLst/>
+                <a:latin typeface="+mn-lt"/>
+                <a:ea typeface="+mn-ea"/>
+                <a:cs typeface="+mn-cs"/>
+              </a:rPr>
+              <a:t>This process goes on and the model keeps evolving.</a:t>
+            </a:r>
+          </a:p>
+          <a:p>
+            <a:endParaRPr lang="en-US" sz="1200" b="0" i="0" kern="1200" dirty="0">
+              <a:solidFill>
+                <a:schemeClr val="tx1"/>
+              </a:solidFill>
+              <a:effectLst/>
+              <a:latin typeface="+mn-lt"/>
+              <a:ea typeface="+mn-ea"/>
+              <a:cs typeface="+mn-cs"/>
+            </a:endParaRPr>
+          </a:p>
+          <a:p>
+            <a:r>
+              <a:rPr lang="en-US" sz="1200" b="0" i="0" kern="1200" dirty="0">
+                <a:solidFill>
+                  <a:schemeClr val="tx1"/>
+                </a:solidFill>
+                <a:effectLst/>
+                <a:latin typeface="+mn-lt"/>
+                <a:ea typeface="+mn-ea"/>
+                <a:cs typeface="+mn-cs"/>
+              </a:rPr>
+              <a:t>This kind of learning technique plays a key role when labeled data is </a:t>
+            </a:r>
+            <a:r>
+              <a:rPr lang="en-US" sz="1200" b="1" i="0" kern="1200" dirty="0">
+                <a:solidFill>
+                  <a:schemeClr val="tx1"/>
+                </a:solidFill>
+                <a:effectLst/>
+                <a:latin typeface="+mn-lt"/>
+                <a:ea typeface="+mn-ea"/>
+                <a:cs typeface="+mn-cs"/>
+              </a:rPr>
+              <a:t>scarce</a:t>
+            </a:r>
+            <a:r>
+              <a:rPr lang="en-US" sz="1200" b="0" i="0" kern="1200" dirty="0">
+                <a:solidFill>
+                  <a:schemeClr val="tx1"/>
+                </a:solidFill>
+                <a:effectLst/>
+                <a:latin typeface="+mn-lt"/>
+                <a:ea typeface="+mn-ea"/>
+                <a:cs typeface="+mn-cs"/>
+              </a:rPr>
+              <a:t> and obtaining new labels is </a:t>
+            </a:r>
+            <a:r>
+              <a:rPr lang="en-US" sz="1200" b="1" i="0" kern="1200" dirty="0">
+                <a:solidFill>
+                  <a:schemeClr val="tx1"/>
+                </a:solidFill>
+                <a:effectLst/>
+                <a:latin typeface="+mn-lt"/>
+                <a:ea typeface="+mn-ea"/>
+                <a:cs typeface="+mn-cs"/>
+              </a:rPr>
+              <a:t>expensive or difficult</a:t>
+            </a:r>
+            <a:r>
+              <a:rPr lang="en-US" sz="1200" b="0" i="0" kern="1200" dirty="0">
+                <a:solidFill>
+                  <a:schemeClr val="tx1"/>
+                </a:solidFill>
+                <a:effectLst/>
+                <a:latin typeface="+mn-lt"/>
+                <a:ea typeface="+mn-ea"/>
+                <a:cs typeface="+mn-cs"/>
+              </a:rPr>
+              <a:t>. </a:t>
+            </a:r>
+          </a:p>
+          <a:p>
+            <a:endParaRPr lang="en-US" sz="1200" b="0" i="0" kern="1200" dirty="0">
+              <a:solidFill>
+                <a:schemeClr val="tx1"/>
+              </a:solidFill>
+              <a:effectLst/>
+              <a:latin typeface="+mn-lt"/>
+              <a:ea typeface="+mn-ea"/>
+              <a:cs typeface="+mn-cs"/>
+            </a:endParaRPr>
+          </a:p>
+          <a:p>
+            <a:r>
+              <a:rPr lang="en-US" sz="1200" b="1" i="0" kern="1200" dirty="0">
+                <a:solidFill>
+                  <a:schemeClr val="tx1"/>
+                </a:solidFill>
+                <a:effectLst/>
+                <a:latin typeface="+mn-lt"/>
+                <a:ea typeface="+mn-ea"/>
+                <a:cs typeface="+mn-cs"/>
+              </a:rPr>
+              <a:t>Use cases</a:t>
+            </a:r>
+            <a:r>
+              <a:rPr lang="en-US" sz="1200" b="0" i="0" kern="1200" dirty="0">
+                <a:solidFill>
+                  <a:schemeClr val="tx1"/>
+                </a:solidFill>
+                <a:effectLst/>
+                <a:latin typeface="+mn-lt"/>
+                <a:ea typeface="+mn-ea"/>
+                <a:cs typeface="+mn-cs"/>
+              </a:rPr>
+              <a:t> include speech recognition, named entity recognition, text classification, etc.</a:t>
+            </a:r>
+            <a:r>
               <a:rPr lang="en-US" dirty="0"/>
-              <a:t>Existing literature to counter algorithmic bias can be classified into 3 different stages :- data, model and prediction</a:t>
+              <a:t> </a:t>
             </a:r>
           </a:p>
         </p:txBody>
@@ -1307,7 +1195,7 @@
     </p:spTree>
     <p:extLst>
       <p:ext uri="{BB962C8B-B14F-4D97-AF65-F5344CB8AC3E}">
-        <p14:creationId xmlns:p14="http://schemas.microsoft.com/office/powerpoint/2010/main" val="3025722137"/>
+        <p14:creationId xmlns:p14="http://schemas.microsoft.com/office/powerpoint/2010/main" val="1993935609"/>
       </p:ext>
     </p:extLst>
   </p:cSld>
@@ -1394,7 +1282,7 @@
     </p:spTree>
     <p:extLst>
       <p:ext uri="{BB962C8B-B14F-4D97-AF65-F5344CB8AC3E}">
-        <p14:creationId xmlns:p14="http://schemas.microsoft.com/office/powerpoint/2010/main" val="3120036253"/>
+        <p14:creationId xmlns:p14="http://schemas.microsoft.com/office/powerpoint/2010/main" val="3025722137"/>
       </p:ext>
     </p:extLst>
   </p:cSld>
@@ -1481,7 +1369,7 @@
     </p:spTree>
     <p:extLst>
       <p:ext uri="{BB962C8B-B14F-4D97-AF65-F5344CB8AC3E}">
-        <p14:creationId xmlns:p14="http://schemas.microsoft.com/office/powerpoint/2010/main" val="670434128"/>
+        <p14:creationId xmlns:p14="http://schemas.microsoft.com/office/powerpoint/2010/main" val="3120036253"/>
       </p:ext>
     </p:extLst>
   </p:cSld>
@@ -1559,7 +1447,7 @@
           <a:p>
             <a:fld id="{8CBD757D-DE5A-4CD1-82FB-678E1CF7B585}" type="slidenum">
               <a:rPr lang="en-US" smtClean="0"/>
-              <a:t>20</a:t>
+              <a:t>19</a:t>
             </a:fld>
             <a:endParaRPr lang="en-US"/>
           </a:p>
@@ -1568,7 +1456,7 @@
     </p:spTree>
     <p:extLst>
       <p:ext uri="{BB962C8B-B14F-4D97-AF65-F5344CB8AC3E}">
-        <p14:creationId xmlns:p14="http://schemas.microsoft.com/office/powerpoint/2010/main" val="2823344191"/>
+        <p14:creationId xmlns:p14="http://schemas.microsoft.com/office/powerpoint/2010/main" val="670434128"/>
       </p:ext>
     </p:extLst>
   </p:cSld>
@@ -1655,7 +1543,7 @@
     </p:spTree>
     <p:extLst>
       <p:ext uri="{BB962C8B-B14F-4D97-AF65-F5344CB8AC3E}">
-        <p14:creationId xmlns:p14="http://schemas.microsoft.com/office/powerpoint/2010/main" val="3972126557"/>
+        <p14:creationId xmlns:p14="http://schemas.microsoft.com/office/powerpoint/2010/main" val="2823344191"/>
       </p:ext>
     </p:extLst>
   </p:cSld>
@@ -1830,7 +1718,7 @@
     </p:spTree>
     <p:extLst>
       <p:ext uri="{BB962C8B-B14F-4D97-AF65-F5344CB8AC3E}">
-        <p14:creationId xmlns:p14="http://schemas.microsoft.com/office/powerpoint/2010/main" val="2480879080"/>
+        <p14:creationId xmlns:p14="http://schemas.microsoft.com/office/powerpoint/2010/main" val="3972126557"/>
       </p:ext>
     </p:extLst>
   </p:cSld>
@@ -1917,7 +1805,7 @@
     </p:spTree>
     <p:extLst>
       <p:ext uri="{BB962C8B-B14F-4D97-AF65-F5344CB8AC3E}">
-        <p14:creationId xmlns:p14="http://schemas.microsoft.com/office/powerpoint/2010/main" val="3720847408"/>
+        <p14:creationId xmlns:p14="http://schemas.microsoft.com/office/powerpoint/2010/main" val="2480879080"/>
       </p:ext>
     </p:extLst>
   </p:cSld>
@@ -1973,93 +1861,7 @@
           <a:p>
             <a:r>
               <a:rPr lang="en-US" dirty="0"/>
-              <a:t>This work is motivated from our previous work on Explainable active learning or XAL.</a:t>
-            </a:r>
-          </a:p>
-          <a:p>
-            <a:endParaRPr lang="en-US" dirty="0"/>
-          </a:p>
-          <a:p>
-            <a:r>
-              <a:rPr lang="en-US" sz="1200" dirty="0"/>
-              <a:t>we conducted a user study to understand the impact of adding local explanations with every query in the Active learning pipeline.</a:t>
-            </a:r>
-          </a:p>
-          <a:p>
-            <a:pPr marL="0" marR="0" lvl="0" indent="0" algn="l" defTabSz="914400" rtl="0" eaLnBrk="1" fontAlgn="auto" latinLnBrk="0" hangingPunct="1">
-              <a:lnSpc>
-                <a:spcPct val="100000"/>
-              </a:lnSpc>
-              <a:spcBef>
-                <a:spcPts val="0"/>
-              </a:spcBef>
-              <a:spcAft>
-                <a:spcPts val="0"/>
-              </a:spcAft>
-              <a:buClrTx/>
-              <a:buSzTx/>
-              <a:buFontTx/>
-              <a:buNone/>
-              <a:tabLst/>
-              <a:defRPr/>
-            </a:pPr>
-            <a:r>
-              <a:rPr lang="en-US" dirty="0"/>
-              <a:t>One of the key takeaways from the this work is that </a:t>
-            </a:r>
-          </a:p>
-          <a:p>
-            <a:pPr marL="0" marR="0" lvl="0" indent="0" algn="l" defTabSz="914400" rtl="0" eaLnBrk="1" fontAlgn="auto" latinLnBrk="0" hangingPunct="1">
-              <a:lnSpc>
-                <a:spcPct val="100000"/>
-              </a:lnSpc>
-              <a:spcBef>
-                <a:spcPts val="0"/>
-              </a:spcBef>
-              <a:spcAft>
-                <a:spcPts val="0"/>
-              </a:spcAft>
-              <a:buClrTx/>
-              <a:buSzTx/>
-              <a:buFontTx/>
-              <a:buNone/>
-              <a:tabLst/>
-              <a:defRPr/>
-            </a:pPr>
-            <a:r>
-              <a:rPr lang="en-US" dirty="0"/>
-              <a:t>A common way to justify their label is by indicating the most important features</a:t>
-            </a:r>
-          </a:p>
-          <a:p>
-            <a:r>
-              <a:rPr lang="en-US" sz="1200" dirty="0"/>
-              <a:t> </a:t>
-            </a:r>
-            <a:endParaRPr lang="en-US" dirty="0"/>
-          </a:p>
-          <a:p>
-            <a:r>
-              <a:rPr lang="en-US" sz="1200" dirty="0"/>
-              <a:t>where an annotator is presented with a query, model’s prediction and its local explanation </a:t>
-            </a:r>
-          </a:p>
-          <a:p>
-            <a:endParaRPr lang="en-US" sz="1200" dirty="0"/>
-          </a:p>
-          <a:p>
-            <a:r>
-              <a:rPr lang="en-US" dirty="0"/>
-              <a:t>Last summer, we were working on a different project where we  </a:t>
-            </a:r>
-          </a:p>
-          <a:p>
-            <a:endParaRPr lang="en-US" dirty="0"/>
-          </a:p>
-          <a:p>
-            <a:r>
-              <a:rPr lang="en-US" dirty="0"/>
-              <a:t>To know more about XAL, please refer </a:t>
+              <a:t>Existing literature to counter algorithmic bias can be classified into 3 different stages :- data, model and prediction</a:t>
             </a:r>
           </a:p>
         </p:txBody>
@@ -2090,7 +1892,7 @@
     </p:spTree>
     <p:extLst>
       <p:ext uri="{BB962C8B-B14F-4D97-AF65-F5344CB8AC3E}">
-        <p14:creationId xmlns:p14="http://schemas.microsoft.com/office/powerpoint/2010/main" val="3375990655"/>
+        <p14:creationId xmlns:p14="http://schemas.microsoft.com/office/powerpoint/2010/main" val="3720847408"/>
       </p:ext>
     </p:extLst>
   </p:cSld>
@@ -2146,40 +1948,93 @@
           <a:p>
             <a:r>
               <a:rPr lang="en-US" dirty="0"/>
-              <a:t>Let’s first see how a typical QBC sampling strategy works.</a:t>
-            </a:r>
-          </a:p>
-          <a:p>
+              <a:t>This work is motivated from our previous work on Explainable active learning or XAL.</a:t>
+            </a:r>
+          </a:p>
+          <a:p>
+            <a:endParaRPr lang="en-US" dirty="0"/>
+          </a:p>
+          <a:p>
+            <a:r>
+              <a:rPr lang="en-US" sz="1200" dirty="0"/>
+              <a:t>we conducted a user study to understand the impact of adding local explanations with every query in the Active learning pipeline.</a:t>
+            </a:r>
+          </a:p>
+          <a:p>
+            <a:pPr marL="0" marR="0" lvl="0" indent="0" algn="l" defTabSz="914400" rtl="0" eaLnBrk="1" fontAlgn="auto" latinLnBrk="0" hangingPunct="1">
+              <a:lnSpc>
+                <a:spcPct val="100000"/>
+              </a:lnSpc>
+              <a:spcBef>
+                <a:spcPts val="0"/>
+              </a:spcBef>
+              <a:spcAft>
+                <a:spcPts val="0"/>
+              </a:spcAft>
+              <a:buClrTx/>
+              <a:buSzTx/>
+              <a:buFontTx/>
+              <a:buNone/>
+              <a:tabLst/>
+              <a:defRPr/>
+            </a:pPr>
             <a:r>
               <a:rPr lang="en-US" dirty="0"/>
-              <a:t>Given a pool of labeled data, we train a set of models by randomly selecting instances. These models form the committee of classifiers</a:t>
-            </a:r>
-          </a:p>
-          <a:p>
+              <a:t>One of the key takeaways from the this work is that </a:t>
+            </a:r>
+          </a:p>
+          <a:p>
+            <a:pPr marL="0" marR="0" lvl="0" indent="0" algn="l" defTabSz="914400" rtl="0" eaLnBrk="1" fontAlgn="auto" latinLnBrk="0" hangingPunct="1">
+              <a:lnSpc>
+                <a:spcPct val="100000"/>
+              </a:lnSpc>
+              <a:spcBef>
+                <a:spcPts val="0"/>
+              </a:spcBef>
+              <a:spcAft>
+                <a:spcPts val="0"/>
+              </a:spcAft>
+              <a:buClrTx/>
+              <a:buSzTx/>
+              <a:buFontTx/>
+              <a:buNone/>
+              <a:tabLst/>
+              <a:defRPr/>
+            </a:pPr>
             <a:r>
               <a:rPr lang="en-US" dirty="0"/>
-              <a:t>Thereafter, each model is used to generate predictions for the unlabeled data. The unlabeled instance on which the committee disagrees the most is selected to be queried.</a:t>
-            </a:r>
+              <a:t>A common way to justify their label is by indicating the most important features</a:t>
+            </a:r>
+          </a:p>
+          <a:p>
+            <a:r>
+              <a:rPr lang="en-US" sz="1200" dirty="0"/>
+              <a:t> </a:t>
+            </a:r>
+            <a:endParaRPr lang="en-US" dirty="0"/>
+          </a:p>
+          <a:p>
+            <a:r>
+              <a:rPr lang="en-US" sz="1200" dirty="0"/>
+              <a:t>where an annotator is presented with a query, model’s prediction and its local explanation </a:t>
+            </a:r>
+          </a:p>
+          <a:p>
+            <a:endParaRPr lang="en-US" sz="1200" dirty="0"/>
           </a:p>
           <a:p>
             <a:r>
               <a:rPr lang="en-US" dirty="0"/>
-              <a:t>In this current system, each model in the committee has equal say.  </a:t>
-            </a:r>
+              <a:t>Last summer, we were working on a different project where we  </a:t>
+            </a:r>
+          </a:p>
+          <a:p>
+            <a:endParaRPr lang="en-US" dirty="0"/>
           </a:p>
           <a:p>
             <a:r>
               <a:rPr lang="en-US" dirty="0"/>
-              <a:t>However for AL++, we have modified this strategy such the each model is assigned a weight wi. If a model’s rationale is pretty similar to the annotator’s rationale, its assigned a higher weight.   </a:t>
-            </a:r>
-          </a:p>
-          <a:p>
-            <a:endParaRPr lang="en-US" dirty="0"/>
-          </a:p>
-          <a:p>
-            <a:r>
-              <a:rPr lang="en-US" dirty="0"/>
-              <a:t>Model agnostic</a:t>
+              <a:t>To know more about XAL, please refer </a:t>
             </a:r>
           </a:p>
         </p:txBody>
@@ -2210,7 +2065,7 @@
     </p:spTree>
     <p:extLst>
       <p:ext uri="{BB962C8B-B14F-4D97-AF65-F5344CB8AC3E}">
-        <p14:creationId xmlns:p14="http://schemas.microsoft.com/office/powerpoint/2010/main" val="886881953"/>
+        <p14:creationId xmlns:p14="http://schemas.microsoft.com/office/powerpoint/2010/main" val="3375990655"/>
       </p:ext>
     </p:extLst>
   </p:cSld>
@@ -2266,13 +2121,40 @@
           <a:p>
             <a:r>
               <a:rPr lang="en-US" dirty="0"/>
-              <a:t>To address this challenges, we present a new AL framework called Active Learning++</a:t>
+              <a:t>Let’s first see how a typical QBC sampling strategy works.</a:t>
             </a:r>
           </a:p>
           <a:p>
             <a:r>
               <a:rPr lang="en-US" dirty="0"/>
-              <a:t>Rationale is the additional feedback which provides the reasoning behind the label</a:t>
+              <a:t>Given a pool of labeled data, we train a set of models by randomly selecting instances. These models form the committee of classifiers</a:t>
+            </a:r>
+          </a:p>
+          <a:p>
+            <a:r>
+              <a:rPr lang="en-US" dirty="0"/>
+              <a:t>Thereafter, each model is used to generate predictions for the unlabeled data. The unlabeled instance on which the committee disagrees the most is selected to be queried.</a:t>
+            </a:r>
+          </a:p>
+          <a:p>
+            <a:r>
+              <a:rPr lang="en-US" dirty="0"/>
+              <a:t>In this current system, each model in the committee has equal say.  </a:t>
+            </a:r>
+          </a:p>
+          <a:p>
+            <a:r>
+              <a:rPr lang="en-US" dirty="0"/>
+              <a:t>However for AL++, we have modified this strategy such the each model is assigned a weight wi. If a model’s rationale is pretty similar to the annotator’s rationale, its assigned a higher weight.   </a:t>
+            </a:r>
+          </a:p>
+          <a:p>
+            <a:endParaRPr lang="en-US" dirty="0"/>
+          </a:p>
+          <a:p>
+            <a:r>
+              <a:rPr lang="en-US" dirty="0"/>
+              <a:t>Model agnostic</a:t>
             </a:r>
           </a:p>
         </p:txBody>
@@ -2303,7 +2185,7 @@
     </p:spTree>
     <p:extLst>
       <p:ext uri="{BB962C8B-B14F-4D97-AF65-F5344CB8AC3E}">
-        <p14:creationId xmlns:p14="http://schemas.microsoft.com/office/powerpoint/2010/main" val="1866115805"/>
+        <p14:creationId xmlns:p14="http://schemas.microsoft.com/office/powerpoint/2010/main" val="886881953"/>
       </p:ext>
     </p:extLst>
   </p:cSld>
@@ -2359,13 +2241,13 @@
           <a:p>
             <a:r>
               <a:rPr lang="en-US" dirty="0"/>
-              <a:t>This is line with our XAL study</a:t>
+              <a:t>To address this challenges, we present a new AL framework called Active Learning++</a:t>
             </a:r>
           </a:p>
           <a:p>
             <a:r>
               <a:rPr lang="en-US" dirty="0"/>
-              <a:t>Where we saw that annotator’s feedback is imprecise. </a:t>
+              <a:t>Rationale is the additional feedback which provides the reasoning behind the label</a:t>
             </a:r>
           </a:p>
         </p:txBody>
@@ -2396,7 +2278,7 @@
     </p:spTree>
     <p:extLst>
       <p:ext uri="{BB962C8B-B14F-4D97-AF65-F5344CB8AC3E}">
-        <p14:creationId xmlns:p14="http://schemas.microsoft.com/office/powerpoint/2010/main" val="1244047263"/>
+        <p14:creationId xmlns:p14="http://schemas.microsoft.com/office/powerpoint/2010/main" val="1866115805"/>
       </p:ext>
     </p:extLst>
   </p:cSld>
@@ -2452,40 +2334,13 @@
           <a:p>
             <a:r>
               <a:rPr lang="en-US" dirty="0"/>
-              <a:t>Let’s first see how a typical QBC sampling strategy works.</a:t>
+              <a:t>This is line with our XAL study</a:t>
             </a:r>
           </a:p>
           <a:p>
             <a:r>
               <a:rPr lang="en-US" dirty="0"/>
-              <a:t>Given a pool of labeled data, we train a set of models by randomly selecting instances. These models form the committee of classifiers</a:t>
-            </a:r>
-          </a:p>
-          <a:p>
-            <a:r>
-              <a:rPr lang="en-US" dirty="0"/>
-              <a:t>Thereafter, each model is used to generate predictions for the unlabeled data. The unlabeled instance on which the committee disagrees the most is selected to be queried.</a:t>
-            </a:r>
-          </a:p>
-          <a:p>
-            <a:r>
-              <a:rPr lang="en-US" dirty="0"/>
-              <a:t>In this current system, each model in the committee has equal say.  </a:t>
-            </a:r>
-          </a:p>
-          <a:p>
-            <a:r>
-              <a:rPr lang="en-US" dirty="0"/>
-              <a:t>However for AL++, we have modified this strategy such the each model is assigned a weight wi. If a model’s rationale is pretty similar to the annotator’s rationale, its assigned a higher weight.   </a:t>
-            </a:r>
-          </a:p>
-          <a:p>
-            <a:endParaRPr lang="en-US" dirty="0"/>
-          </a:p>
-          <a:p>
-            <a:r>
-              <a:rPr lang="en-US" dirty="0"/>
-              <a:t>Model agnostic</a:t>
+              <a:t>Where we saw that annotator’s feedback is imprecise. </a:t>
             </a:r>
           </a:p>
         </p:txBody>
@@ -2516,7 +2371,7 @@
     </p:spTree>
     <p:extLst>
       <p:ext uri="{BB962C8B-B14F-4D97-AF65-F5344CB8AC3E}">
-        <p14:creationId xmlns:p14="http://schemas.microsoft.com/office/powerpoint/2010/main" val="3665275022"/>
+        <p14:creationId xmlns:p14="http://schemas.microsoft.com/office/powerpoint/2010/main" val="1244047263"/>
       </p:ext>
     </p:extLst>
   </p:cSld>
@@ -2572,15 +2427,31 @@
           <a:p>
             <a:r>
               <a:rPr lang="en-US" dirty="0"/>
-              <a:t>AL++ maintains a </a:t>
-            </a:r>
-            <a:r>
-              <a:rPr lang="en-US" dirty="0" err="1"/>
-              <a:t>contant</a:t>
-            </a:r>
+              <a:t>Let’s first see how a typical QBC sampling strategy works.</a:t>
+            </a:r>
+          </a:p>
+          <a:p>
             <a:r>
               <a:rPr lang="en-US" dirty="0"/>
-              <a:t> lead over others right from the beginning</a:t>
+              <a:t>Given a pool of labeled data, we train a set of models by randomly selecting instances. These models form the committee of classifiers</a:t>
+            </a:r>
+          </a:p>
+          <a:p>
+            <a:r>
+              <a:rPr lang="en-US" dirty="0"/>
+              <a:t>Thereafter, each model is used to generate predictions for the unlabeled data. The unlabeled instance on which the committee disagrees the most is selected to be queried.</a:t>
+            </a:r>
+          </a:p>
+          <a:p>
+            <a:r>
+              <a:rPr lang="en-US" dirty="0"/>
+              <a:t>In this current system, each model in the committee has equal say.  </a:t>
+            </a:r>
+          </a:p>
+          <a:p>
+            <a:r>
+              <a:rPr lang="en-US" dirty="0"/>
+              <a:t>However for AL++, we have modified this strategy such the each model is assigned a weight wi. If a model’s rationale is pretty similar to the annotator’s rationale, its assigned a higher weight.   </a:t>
             </a:r>
           </a:p>
           <a:p>
@@ -2589,7 +2460,7 @@
           <a:p>
             <a:r>
               <a:rPr lang="en-US" dirty="0"/>
-              <a:t>This simulation based on Adult Income dataset show that AL++ helps train ………………..</a:t>
+              <a:t>Model agnostic</a:t>
             </a:r>
           </a:p>
         </p:txBody>
@@ -2620,7 +2491,7 @@
     </p:spTree>
     <p:extLst>
       <p:ext uri="{BB962C8B-B14F-4D97-AF65-F5344CB8AC3E}">
-        <p14:creationId xmlns:p14="http://schemas.microsoft.com/office/powerpoint/2010/main" val="3509166380"/>
+        <p14:creationId xmlns:p14="http://schemas.microsoft.com/office/powerpoint/2010/main" val="3665275022"/>
       </p:ext>
     </p:extLst>
   </p:cSld>
@@ -2676,7 +2547,15 @@
           <a:p>
             <a:r>
               <a:rPr lang="en-US" dirty="0"/>
-              <a:t>For k=1, annotator only needs to provide the most important feature for a given query.</a:t>
+              <a:t>AL++ maintains a </a:t>
+            </a:r>
+            <a:r>
+              <a:rPr lang="en-US" dirty="0" err="1"/>
+              <a:t>contant</a:t>
+            </a:r>
+            <a:r>
+              <a:rPr lang="en-US" dirty="0"/>
+              <a:t> lead over others right from the beginning</a:t>
             </a:r>
           </a:p>
           <a:p>
@@ -2685,16 +2564,7 @@
           <a:p>
             <a:r>
               <a:rPr lang="en-US" dirty="0"/>
-              <a:t>For comparing with vanilla AL, we can also account for the cost of providing the additional feedback.</a:t>
-            </a:r>
-          </a:p>
-          <a:p>
-            <a:endParaRPr lang="en-US" dirty="0"/>
-          </a:p>
-          <a:p>
-            <a:r>
-              <a:rPr lang="en-US" dirty="0"/>
-              <a:t>With that, I thank you for your attention. Looking forward to any questions, suggestions, feedback!</a:t>
+              <a:t>This simulation based on Adult Income dataset show that AL++ helps train ………………..</a:t>
             </a:r>
           </a:p>
         </p:txBody>
@@ -2717,6 +2587,111 @@
             <a:fld id="{8CBD757D-DE5A-4CD1-82FB-678E1CF7B585}" type="slidenum">
               <a:rPr lang="en-US" smtClean="0"/>
               <a:t>30</a:t>
+            </a:fld>
+            <a:endParaRPr lang="en-US"/>
+          </a:p>
+        </p:txBody>
+      </p:sp>
+    </p:spTree>
+    <p:extLst>
+      <p:ext uri="{BB962C8B-B14F-4D97-AF65-F5344CB8AC3E}">
+        <p14:creationId xmlns:p14="http://schemas.microsoft.com/office/powerpoint/2010/main" val="3509166380"/>
+      </p:ext>
+    </p:extLst>
+  </p:cSld>
+  <p:clrMapOvr>
+    <a:masterClrMapping/>
+  </p:clrMapOvr>
+</p:notes>
+</file>
+
+<file path=ppt/notesSlides/notesSlide29.xml><?xml version="1.0" encoding="utf-8"?>
+<p:notes xmlns:a="http://schemas.openxmlformats.org/drawingml/2006/main" xmlns:r="http://schemas.openxmlformats.org/officeDocument/2006/relationships" xmlns:p="http://schemas.openxmlformats.org/presentationml/2006/main">
+  <p:cSld>
+    <p:spTree>
+      <p:nvGrpSpPr>
+        <p:cNvPr id="1" name=""/>
+        <p:cNvGrpSpPr/>
+        <p:nvPr/>
+      </p:nvGrpSpPr>
+      <p:grpSpPr>
+        <a:xfrm>
+          <a:off x="0" y="0"/>
+          <a:ext cx="0" cy="0"/>
+          <a:chOff x="0" y="0"/>
+          <a:chExt cx="0" cy="0"/>
+        </a:xfrm>
+      </p:grpSpPr>
+      <p:sp>
+        <p:nvSpPr>
+          <p:cNvPr id="2" name="Slide Image Placeholder 1"/>
+          <p:cNvSpPr>
+            <a:spLocks noGrp="1" noRot="1" noChangeAspect="1"/>
+          </p:cNvSpPr>
+          <p:nvPr>
+            <p:ph type="sldImg"/>
+          </p:nvPr>
+        </p:nvSpPr>
+        <p:spPr/>
+      </p:sp>
+      <p:sp>
+        <p:nvSpPr>
+          <p:cNvPr id="3" name="Notes Placeholder 2"/>
+          <p:cNvSpPr>
+            <a:spLocks noGrp="1"/>
+          </p:cNvSpPr>
+          <p:nvPr>
+            <p:ph type="body" idx="1"/>
+          </p:nvPr>
+        </p:nvSpPr>
+        <p:spPr/>
+        <p:txBody>
+          <a:bodyPr/>
+          <a:lstStyle/>
+          <a:p>
+            <a:r>
+              <a:rPr lang="en-US" dirty="0"/>
+              <a:t>For k=1, annotator only needs to provide the most important feature for a given query.</a:t>
+            </a:r>
+          </a:p>
+          <a:p>
+            <a:endParaRPr lang="en-US" dirty="0"/>
+          </a:p>
+          <a:p>
+            <a:r>
+              <a:rPr lang="en-US" dirty="0"/>
+              <a:t>For comparing with vanilla AL, we can also account for the cost of providing the additional feedback.</a:t>
+            </a:r>
+          </a:p>
+          <a:p>
+            <a:endParaRPr lang="en-US" dirty="0"/>
+          </a:p>
+          <a:p>
+            <a:r>
+              <a:rPr lang="en-US" dirty="0"/>
+              <a:t>With that, I thank you for your attention. Looking forward to any questions, suggestions, feedback!</a:t>
+            </a:r>
+          </a:p>
+        </p:txBody>
+      </p:sp>
+      <p:sp>
+        <p:nvSpPr>
+          <p:cNvPr id="4" name="Slide Number Placeholder 3"/>
+          <p:cNvSpPr>
+            <a:spLocks noGrp="1"/>
+          </p:cNvSpPr>
+          <p:nvPr>
+            <p:ph type="sldNum" sz="quarter" idx="10"/>
+          </p:nvPr>
+        </p:nvSpPr>
+        <p:spPr/>
+        <p:txBody>
+          <a:bodyPr/>
+          <a:lstStyle/>
+          <a:p>
+            <a:fld id="{8CBD757D-DE5A-4CD1-82FB-678E1CF7B585}" type="slidenum">
+              <a:rPr lang="en-US" smtClean="0"/>
+              <a:t>31</a:t>
             </a:fld>
             <a:endParaRPr lang="en-US"/>
           </a:p>
@@ -2986,7 +2961,7 @@
     </p:spTree>
     <p:extLst>
       <p:ext uri="{BB962C8B-B14F-4D97-AF65-F5344CB8AC3E}">
-        <p14:creationId xmlns:p14="http://schemas.microsoft.com/office/powerpoint/2010/main" val="4266289329"/>
+        <p14:creationId xmlns:p14="http://schemas.microsoft.com/office/powerpoint/2010/main" val="1494290571"/>
       </p:ext>
     </p:extLst>
   </p:cSld>
@@ -3073,7 +3048,7 @@
     </p:spTree>
     <p:extLst>
       <p:ext uri="{BB962C8B-B14F-4D97-AF65-F5344CB8AC3E}">
-        <p14:creationId xmlns:p14="http://schemas.microsoft.com/office/powerpoint/2010/main" val="1494290571"/>
+        <p14:creationId xmlns:p14="http://schemas.microsoft.com/office/powerpoint/2010/main" val="3999152406"/>
       </p:ext>
     </p:extLst>
   </p:cSld>
@@ -3160,7 +3135,7 @@
     </p:spTree>
     <p:extLst>
       <p:ext uri="{BB962C8B-B14F-4D97-AF65-F5344CB8AC3E}">
-        <p14:creationId xmlns:p14="http://schemas.microsoft.com/office/powerpoint/2010/main" val="3999152406"/>
+        <p14:creationId xmlns:p14="http://schemas.microsoft.com/office/powerpoint/2010/main" val="1233148754"/>
       </p:ext>
     </p:extLst>
   </p:cSld>
@@ -3215,9 +3190,38 @@
           <a:lstStyle/>
           <a:p>
             <a:r>
-              <a:rPr lang="en-US" dirty="0"/>
-              <a:t>Existing literature to counter algorithmic bias can be classified into 3 different stages :- data, model and prediction</a:t>
-            </a:r>
+              <a:rPr lang="en-US" sz="1200" dirty="0"/>
+              <a:t>So, each user struggles on a different set of words.</a:t>
+            </a:r>
+          </a:p>
+          <a:p>
+            <a:endParaRPr lang="en-US" sz="1200" dirty="0"/>
+          </a:p>
+          <a:p>
+            <a:pPr marL="0" marR="0" lvl="0" indent="0" algn="l" defTabSz="914400" rtl="0" eaLnBrk="1" fontAlgn="auto" latinLnBrk="0" hangingPunct="1">
+              <a:lnSpc>
+                <a:spcPct val="100000"/>
+              </a:lnSpc>
+              <a:spcBef>
+                <a:spcPts val="0"/>
+              </a:spcBef>
+              <a:spcAft>
+                <a:spcPts val="0"/>
+              </a:spcAft>
+              <a:buClrTx/>
+              <a:buSzTx/>
+              <a:buFontTx/>
+              <a:buNone/>
+              <a:tabLst/>
+              <a:defRPr/>
+            </a:pPr>
+            <a:r>
+              <a:rPr lang="en-US" sz="1200" dirty="0"/>
+              <a:t>We used 2467 TED talks transcripts which contains ~57k unique words to evaluate our tool. We split ~57k words into train and test dataset in the ration of 75:25.</a:t>
+            </a:r>
+          </a:p>
+          <a:p>
+            <a:endParaRPr lang="en-US" dirty="0"/>
           </a:p>
         </p:txBody>
       </p:sp>
@@ -3247,7 +3251,7 @@
     </p:spTree>
     <p:extLst>
       <p:ext uri="{BB962C8B-B14F-4D97-AF65-F5344CB8AC3E}">
-        <p14:creationId xmlns:p14="http://schemas.microsoft.com/office/powerpoint/2010/main" val="921254109"/>
+        <p14:creationId xmlns:p14="http://schemas.microsoft.com/office/powerpoint/2010/main" val="1803194857"/>
       </p:ext>
     </p:extLst>
   </p:cSld>
@@ -3274,7 +3278,91 @@
           <a:chExt cx="0" cy="0"/>
         </a:xfrm>
       </p:grpSpPr>
+      <p:sp>
+        <p:nvSpPr>
+          <p:cNvPr id="2" name="Slide Image Placeholder 1"/>
+          <p:cNvSpPr>
+            <a:spLocks noGrp="1" noRot="1" noChangeAspect="1"/>
+          </p:cNvSpPr>
+          <p:nvPr>
+            <p:ph type="sldImg"/>
+          </p:nvPr>
+        </p:nvSpPr>
+        <p:spPr/>
+      </p:sp>
+      <p:sp>
+        <p:nvSpPr>
+          <p:cNvPr id="3" name="Notes Placeholder 2"/>
+          <p:cNvSpPr>
+            <a:spLocks noGrp="1"/>
+          </p:cNvSpPr>
+          <p:nvPr>
+            <p:ph type="body" idx="1"/>
+          </p:nvPr>
+        </p:nvSpPr>
+        <p:spPr/>
+        <p:txBody>
+          <a:bodyPr/>
+          <a:lstStyle/>
+          <a:p>
+            <a:pPr marL="457200" indent="-457200">
+              <a:buFont typeface="Wingdings" panose="05000000000000000000" pitchFamily="2" charset="2"/>
+              <a:buChar char="§"/>
+            </a:pPr>
+            <a:r>
+              <a:rPr lang="en-US" sz="1200" dirty="0"/>
+              <a:t>The above plots show the mean precision, accuracy and f1 score for 10 simulated users across 500 interactions.</a:t>
+            </a:r>
+          </a:p>
+          <a:p>
+            <a:pPr marL="457200" indent="-457200">
+              <a:buFont typeface="Wingdings" panose="05000000000000000000" pitchFamily="2" charset="2"/>
+              <a:buChar char="§"/>
+            </a:pPr>
+            <a:endParaRPr lang="en-US" sz="1200" dirty="0"/>
+          </a:p>
+          <a:p>
+            <a:pPr marL="457200" indent="-457200">
+              <a:buFont typeface="Wingdings" panose="05000000000000000000" pitchFamily="2" charset="2"/>
+              <a:buChar char="§"/>
+            </a:pPr>
+            <a:r>
+              <a:rPr lang="en-US" sz="1200" b="1" dirty="0"/>
+              <a:t>Explicit feedback helps learn faster </a:t>
+            </a:r>
+            <a:endParaRPr lang="en-US" sz="1200" dirty="0"/>
+          </a:p>
+        </p:txBody>
+      </p:sp>
+      <p:sp>
+        <p:nvSpPr>
+          <p:cNvPr id="4" name="Slide Number Placeholder 3"/>
+          <p:cNvSpPr>
+            <a:spLocks noGrp="1"/>
+          </p:cNvSpPr>
+          <p:nvPr>
+            <p:ph type="sldNum" sz="quarter" idx="10"/>
+          </p:nvPr>
+        </p:nvSpPr>
+        <p:spPr/>
+        <p:txBody>
+          <a:bodyPr/>
+          <a:lstStyle/>
+          <a:p>
+            <a:fld id="{8CBD757D-DE5A-4CD1-82FB-678E1CF7B585}" type="slidenum">
+              <a:rPr lang="en-US" smtClean="0"/>
+              <a:t>9</a:t>
+            </a:fld>
+            <a:endParaRPr lang="en-US"/>
+          </a:p>
+        </p:txBody>
+      </p:sp>
     </p:spTree>
+    <p:extLst>
+      <p:ext uri="{BB962C8B-B14F-4D97-AF65-F5344CB8AC3E}">
+        <p14:creationId xmlns:p14="http://schemas.microsoft.com/office/powerpoint/2010/main" val="884477245"/>
+      </p:ext>
+    </p:extLst>
   </p:cSld>
   <p:clrMapOvr>
     <a:masterClrMapping/>
@@ -3429,7 +3517,7 @@
           <a:p>
             <a:fld id="{CDEEAA9E-B205-4E3D-B322-3F4BE24D9928}" type="datetimeFigureOut">
               <a:rPr lang="en-US" smtClean="0"/>
-              <a:t>7/14/2021</a:t>
+              <a:t>7/17/2021</a:t>
             </a:fld>
             <a:endParaRPr lang="en-US"/>
           </a:p>
@@ -3627,7 +3715,7 @@
           <a:p>
             <a:fld id="{CDEEAA9E-B205-4E3D-B322-3F4BE24D9928}" type="datetimeFigureOut">
               <a:rPr lang="en-US" smtClean="0"/>
-              <a:t>7/14/2021</a:t>
+              <a:t>7/17/2021</a:t>
             </a:fld>
             <a:endParaRPr lang="en-US"/>
           </a:p>
@@ -3835,7 +3923,7 @@
           <a:p>
             <a:fld id="{CDEEAA9E-B205-4E3D-B322-3F4BE24D9928}" type="datetimeFigureOut">
               <a:rPr lang="en-US" smtClean="0"/>
-              <a:t>7/14/2021</a:t>
+              <a:t>7/17/2021</a:t>
             </a:fld>
             <a:endParaRPr lang="en-US"/>
           </a:p>
@@ -4033,7 +4121,7 @@
           <a:p>
             <a:fld id="{CDEEAA9E-B205-4E3D-B322-3F4BE24D9928}" type="datetimeFigureOut">
               <a:rPr lang="en-US" smtClean="0"/>
-              <a:t>7/14/2021</a:t>
+              <a:t>7/17/2021</a:t>
             </a:fld>
             <a:endParaRPr lang="en-US"/>
           </a:p>
@@ -4308,7 +4396,7 @@
           <a:p>
             <a:fld id="{CDEEAA9E-B205-4E3D-B322-3F4BE24D9928}" type="datetimeFigureOut">
               <a:rPr lang="en-US" smtClean="0"/>
-              <a:t>7/14/2021</a:t>
+              <a:t>7/17/2021</a:t>
             </a:fld>
             <a:endParaRPr lang="en-US"/>
           </a:p>
@@ -4573,7 +4661,7 @@
           <a:p>
             <a:fld id="{CDEEAA9E-B205-4E3D-B322-3F4BE24D9928}" type="datetimeFigureOut">
               <a:rPr lang="en-US" smtClean="0"/>
-              <a:t>7/14/2021</a:t>
+              <a:t>7/17/2021</a:t>
             </a:fld>
             <a:endParaRPr lang="en-US"/>
           </a:p>
@@ -4985,7 +5073,7 @@
           <a:p>
             <a:fld id="{CDEEAA9E-B205-4E3D-B322-3F4BE24D9928}" type="datetimeFigureOut">
               <a:rPr lang="en-US" smtClean="0"/>
-              <a:t>7/14/2021</a:t>
+              <a:t>7/17/2021</a:t>
             </a:fld>
             <a:endParaRPr lang="en-US"/>
           </a:p>
@@ -5126,7 +5214,7 @@
           <a:p>
             <a:fld id="{CDEEAA9E-B205-4E3D-B322-3F4BE24D9928}" type="datetimeFigureOut">
               <a:rPr lang="en-US" smtClean="0"/>
-              <a:t>7/14/2021</a:t>
+              <a:t>7/17/2021</a:t>
             </a:fld>
             <a:endParaRPr lang="en-US"/>
           </a:p>
@@ -5239,7 +5327,7 @@
           <a:p>
             <a:fld id="{CDEEAA9E-B205-4E3D-B322-3F4BE24D9928}" type="datetimeFigureOut">
               <a:rPr lang="en-US" smtClean="0"/>
-              <a:t>7/14/2021</a:t>
+              <a:t>7/17/2021</a:t>
             </a:fld>
             <a:endParaRPr lang="en-US"/>
           </a:p>
@@ -5550,7 +5638,7 @@
           <a:p>
             <a:fld id="{CDEEAA9E-B205-4E3D-B322-3F4BE24D9928}" type="datetimeFigureOut">
               <a:rPr lang="en-US" smtClean="0"/>
-              <a:t>7/14/2021</a:t>
+              <a:t>7/17/2021</a:t>
             </a:fld>
             <a:endParaRPr lang="en-US"/>
           </a:p>
@@ -5838,7 +5926,7 @@
           <a:p>
             <a:fld id="{CDEEAA9E-B205-4E3D-B322-3F4BE24D9928}" type="datetimeFigureOut">
               <a:rPr lang="en-US" smtClean="0"/>
-              <a:t>7/14/2021</a:t>
+              <a:t>7/17/2021</a:t>
             </a:fld>
             <a:endParaRPr lang="en-US"/>
           </a:p>
@@ -6079,7 +6167,7 @@
           <a:p>
             <a:fld id="{CDEEAA9E-B205-4E3D-B322-3F4BE24D9928}" type="datetimeFigureOut">
               <a:rPr lang="en-US" smtClean="0"/>
-              <a:t>7/14/2021</a:t>
+              <a:t>7/17/2021</a:t>
             </a:fld>
             <a:endParaRPr lang="en-US"/>
           </a:p>
@@ -6905,1498 +6993,6 @@
 <file path=ppt/slides/slide10.xml><?xml version="1.0" encoding="utf-8"?>
 <p:sld xmlns:a="http://schemas.openxmlformats.org/drawingml/2006/main" xmlns:r="http://schemas.openxmlformats.org/officeDocument/2006/relationships" xmlns:p="http://schemas.openxmlformats.org/presentationml/2006/main">
   <p:cSld>
-    <p:bg>
-      <p:bgPr>
-        <a:solidFill>
-          <a:srgbClr val="002060"/>
-        </a:solidFill>
-        <a:effectLst/>
-      </p:bgPr>
-    </p:bg>
-    <p:spTree>
-      <p:nvGrpSpPr>
-        <p:cNvPr id="1" name=""/>
-        <p:cNvGrpSpPr/>
-        <p:nvPr/>
-      </p:nvGrpSpPr>
-      <p:grpSpPr>
-        <a:xfrm>
-          <a:off x="0" y="0"/>
-          <a:ext cx="0" cy="0"/>
-          <a:chOff x="0" y="0"/>
-          <a:chExt cx="0" cy="0"/>
-        </a:xfrm>
-      </p:grpSpPr>
-      <p:sp>
-        <p:nvSpPr>
-          <p:cNvPr id="5" name="Title 1">
-            <a:extLst>
-              <a:ext uri="{FF2B5EF4-FFF2-40B4-BE49-F238E27FC236}">
-                <a16:creationId xmlns:a16="http://schemas.microsoft.com/office/drawing/2014/main" id="{D196CACA-ED51-4DD2-AD01-280E0879F999}"/>
-              </a:ext>
-            </a:extLst>
-          </p:cNvPr>
-          <p:cNvSpPr txBox="1">
-            <a:spLocks/>
-          </p:cNvSpPr>
-          <p:nvPr/>
-        </p:nvSpPr>
-        <p:spPr>
-          <a:xfrm>
-            <a:off x="709612" y="2948361"/>
-            <a:ext cx="10772775" cy="961277"/>
-          </a:xfrm>
-          <a:prstGeom prst="rect">
-            <a:avLst/>
-          </a:prstGeom>
-        </p:spPr>
-        <p:txBody>
-          <a:bodyPr vert="horz" lIns="91440" tIns="45720" rIns="91440" bIns="45720" rtlCol="0" anchor="ctr">
-            <a:normAutofit/>
-          </a:bodyPr>
-          <a:lstStyle>
-            <a:lvl1pPr algn="l" defTabSz="914400" rtl="0" eaLnBrk="1" latinLnBrk="0" hangingPunct="1">
-              <a:lnSpc>
-                <a:spcPct val="90000"/>
-              </a:lnSpc>
-              <a:spcBef>
-                <a:spcPct val="0"/>
-              </a:spcBef>
-              <a:buNone/>
-              <a:defRPr sz="4400" kern="1200">
-                <a:solidFill>
-                  <a:schemeClr val="tx1"/>
-                </a:solidFill>
-                <a:latin typeface="+mj-lt"/>
-                <a:ea typeface="+mj-ea"/>
-                <a:cs typeface="+mj-cs"/>
-              </a:defRPr>
-            </a:lvl1pPr>
-          </a:lstStyle>
-          <a:p>
-            <a:pPr algn="ctr"/>
-            <a:r>
-              <a:rPr lang="en-US" sz="6000" b="1" dirty="0">
-                <a:solidFill>
-                  <a:schemeClr val="bg1"/>
-                </a:solidFill>
-                <a:latin typeface="+mn-lt"/>
-              </a:rPr>
-              <a:t>DEMO</a:t>
-            </a:r>
-          </a:p>
-        </p:txBody>
-      </p:sp>
-    </p:spTree>
-    <p:extLst>
-      <p:ext uri="{BB962C8B-B14F-4D97-AF65-F5344CB8AC3E}">
-        <p14:creationId xmlns:p14="http://schemas.microsoft.com/office/powerpoint/2010/main" val="934841102"/>
-      </p:ext>
-    </p:extLst>
-  </p:cSld>
-  <p:clrMapOvr>
-    <a:masterClrMapping/>
-  </p:clrMapOvr>
-</p:sld>
-</file>
-
-<file path=ppt/slides/slide11.xml><?xml version="1.0" encoding="utf-8"?>
-<p:sld xmlns:a="http://schemas.openxmlformats.org/drawingml/2006/main" xmlns:r="http://schemas.openxmlformats.org/officeDocument/2006/relationships" xmlns:p="http://schemas.openxmlformats.org/presentationml/2006/main">
-  <p:cSld>
-    <p:spTree>
-      <p:nvGrpSpPr>
-        <p:cNvPr id="1" name=""/>
-        <p:cNvGrpSpPr/>
-        <p:nvPr/>
-      </p:nvGrpSpPr>
-      <p:grpSpPr>
-        <a:xfrm>
-          <a:off x="0" y="0"/>
-          <a:ext cx="0" cy="0"/>
-          <a:chOff x="0" y="0"/>
-          <a:chExt cx="0" cy="0"/>
-        </a:xfrm>
-      </p:grpSpPr>
-      <p:pic>
-        <p:nvPicPr>
-          <p:cNvPr id="20" name="Picture 19" descr="A picture containing object&#10;&#10;Description generated with very high confidence">
-            <a:extLst>
-              <a:ext uri="{FF2B5EF4-FFF2-40B4-BE49-F238E27FC236}">
-                <a16:creationId xmlns:a16="http://schemas.microsoft.com/office/drawing/2014/main" id="{BFA8EE74-C4C5-4B64-A157-B93B22BF494E}"/>
-              </a:ext>
-            </a:extLst>
-          </p:cNvPr>
-          <p:cNvPicPr>
-            <a:picLocks noChangeAspect="1"/>
-          </p:cNvPicPr>
-          <p:nvPr/>
-        </p:nvPicPr>
-        <p:blipFill>
-          <a:blip r:embed="rId3">
-            <a:extLst>
-              <a:ext uri="{28A0092B-C50C-407E-A947-70E740481C1C}">
-                <a14:useLocalDpi xmlns:a14="http://schemas.microsoft.com/office/drawing/2010/main" val="0"/>
-              </a:ext>
-            </a:extLst>
-          </a:blip>
-          <a:stretch>
-            <a:fillRect/>
-          </a:stretch>
-        </p:blipFill>
-        <p:spPr>
-          <a:xfrm>
-            <a:off x="9835376" y="6328400"/>
-            <a:ext cx="2223771" cy="428280"/>
-          </a:xfrm>
-          <a:prstGeom prst="rect">
-            <a:avLst/>
-          </a:prstGeom>
-        </p:spPr>
-      </p:pic>
-      <p:sp>
-        <p:nvSpPr>
-          <p:cNvPr id="6" name="TextBox 5">
-            <a:extLst>
-              <a:ext uri="{FF2B5EF4-FFF2-40B4-BE49-F238E27FC236}">
-                <a16:creationId xmlns:a16="http://schemas.microsoft.com/office/drawing/2014/main" id="{74D658F0-641F-4B92-BDB3-3845C185EDF3}"/>
-              </a:ext>
-            </a:extLst>
-          </p:cNvPr>
-          <p:cNvSpPr txBox="1"/>
-          <p:nvPr/>
-        </p:nvSpPr>
-        <p:spPr>
-          <a:xfrm>
-            <a:off x="677877" y="783254"/>
-            <a:ext cx="11031392" cy="4893647"/>
-          </a:xfrm>
-          <a:prstGeom prst="rect">
-            <a:avLst/>
-          </a:prstGeom>
-          <a:noFill/>
-        </p:spPr>
-        <p:txBody>
-          <a:bodyPr wrap="square" rtlCol="0">
-            <a:spAutoFit/>
-          </a:bodyPr>
-          <a:lstStyle/>
-          <a:p>
-            <a:pPr marL="342900" indent="-342900">
-              <a:buFont typeface="Wingdings" panose="05000000000000000000" pitchFamily="2" charset="2"/>
-              <a:buChar char="§"/>
-            </a:pPr>
-            <a:r>
-              <a:rPr lang="en-US" sz="2400" dirty="0"/>
-              <a:t>We modeled 10 different users based on self reported data from stuttering communities on </a:t>
-            </a:r>
-            <a:r>
-              <a:rPr lang="en-US" sz="2400" dirty="0" err="1"/>
-              <a:t>facebook</a:t>
-            </a:r>
-            <a:r>
-              <a:rPr lang="en-US" sz="2400" dirty="0"/>
-              <a:t> and reddit.</a:t>
-            </a:r>
-          </a:p>
-          <a:p>
-            <a:pPr marL="342900" indent="-342900">
-              <a:buFont typeface="Wingdings" panose="05000000000000000000" pitchFamily="2" charset="2"/>
-              <a:buChar char="§"/>
-            </a:pPr>
-            <a:endParaRPr lang="en-US" sz="2400" dirty="0"/>
-          </a:p>
-          <a:p>
-            <a:pPr marL="342900" indent="-342900">
-              <a:buFont typeface="Wingdings" panose="05000000000000000000" pitchFamily="2" charset="2"/>
-              <a:buChar char="§"/>
-            </a:pPr>
-            <a:r>
-              <a:rPr lang="en-US" sz="2400" dirty="0"/>
-              <a:t>Each simulated user is characterized by a phonological pattern that they struggle pronouncing e.g., words beginning with ‘</a:t>
-            </a:r>
-            <a:r>
-              <a:rPr lang="en-US" sz="2400" dirty="0" err="1"/>
-              <a:t>st</a:t>
-            </a:r>
-            <a:r>
-              <a:rPr lang="en-US" sz="2400" dirty="0"/>
-              <a:t>’ or ‘</a:t>
-            </a:r>
-            <a:r>
-              <a:rPr lang="en-US" sz="2400" dirty="0" err="1"/>
-              <a:t>fl</a:t>
-            </a:r>
-            <a:r>
-              <a:rPr lang="en-US" sz="2400" dirty="0"/>
-              <a:t>’. </a:t>
-            </a:r>
-          </a:p>
-          <a:p>
-            <a:pPr marL="342900" indent="-342900">
-              <a:buFont typeface="Wingdings" panose="05000000000000000000" pitchFamily="2" charset="2"/>
-              <a:buChar char="§"/>
-            </a:pPr>
-            <a:endParaRPr lang="en-US" sz="2400" dirty="0"/>
-          </a:p>
-          <a:p>
-            <a:pPr marL="342900" indent="-342900">
-              <a:buFont typeface="Wingdings" panose="05000000000000000000" pitchFamily="2" charset="2"/>
-              <a:buChar char="§"/>
-            </a:pPr>
-            <a:r>
-              <a:rPr lang="en-US" sz="2400" dirty="0"/>
-              <a:t>We used 2467 TED talks transcripts to test our tool for 10 simulated users. </a:t>
-            </a:r>
-          </a:p>
-          <a:p>
-            <a:pPr marL="342900" indent="-342900">
-              <a:buFont typeface="Wingdings" panose="05000000000000000000" pitchFamily="2" charset="2"/>
-              <a:buChar char="§"/>
-            </a:pPr>
-            <a:endParaRPr lang="en-US" sz="2400" dirty="0"/>
-          </a:p>
-          <a:p>
-            <a:pPr marL="342900" indent="-342900">
-              <a:buFont typeface="Wingdings" panose="05000000000000000000" pitchFamily="2" charset="2"/>
-              <a:buChar char="§"/>
-            </a:pPr>
-            <a:r>
-              <a:rPr lang="en-US" sz="2400" dirty="0"/>
-              <a:t>We simulated two scenarios i.e., when a user provides solely Implicit &amp; solely Explicit feedback. </a:t>
-            </a:r>
-          </a:p>
-          <a:p>
-            <a:pPr marL="342900" indent="-342900">
-              <a:buFont typeface="Wingdings" panose="05000000000000000000" pitchFamily="2" charset="2"/>
-              <a:buChar char="§"/>
-            </a:pPr>
-            <a:endParaRPr lang="en-US" sz="2400" dirty="0"/>
-          </a:p>
-          <a:p>
-            <a:pPr marL="342900" indent="-342900">
-              <a:buFont typeface="Wingdings" panose="05000000000000000000" pitchFamily="2" charset="2"/>
-              <a:buChar char="§"/>
-            </a:pPr>
-            <a:r>
-              <a:rPr lang="en-US" sz="2400" dirty="0"/>
-              <a:t>For each feedback, we compute and record metrics like Accuracy, F1 score and Precision after each interaction.   </a:t>
-            </a:r>
-          </a:p>
-        </p:txBody>
-      </p:sp>
-      <p:sp>
-        <p:nvSpPr>
-          <p:cNvPr id="9" name="Rectangle 8">
-            <a:extLst>
-              <a:ext uri="{FF2B5EF4-FFF2-40B4-BE49-F238E27FC236}">
-                <a16:creationId xmlns:a16="http://schemas.microsoft.com/office/drawing/2014/main" id="{67B4A426-6614-45C9-B76B-D7F7D2B52563}"/>
-              </a:ext>
-            </a:extLst>
-          </p:cNvPr>
-          <p:cNvSpPr/>
-          <p:nvPr/>
-        </p:nvSpPr>
-        <p:spPr>
-          <a:xfrm>
-            <a:off x="0" y="5676901"/>
-            <a:ext cx="12192000" cy="524260"/>
-          </a:xfrm>
-          <a:prstGeom prst="rect">
-            <a:avLst/>
-          </a:prstGeom>
-          <a:solidFill>
-            <a:schemeClr val="accent1">
-              <a:lumMod val="75000"/>
-            </a:schemeClr>
-          </a:solidFill>
-        </p:spPr>
-        <p:style>
-          <a:lnRef idx="2">
-            <a:schemeClr val="accent1">
-              <a:shade val="50000"/>
-            </a:schemeClr>
-          </a:lnRef>
-          <a:fillRef idx="1">
-            <a:schemeClr val="accent1"/>
-          </a:fillRef>
-          <a:effectRef idx="0">
-            <a:schemeClr val="accent1"/>
-          </a:effectRef>
-          <a:fontRef idx="minor">
-            <a:schemeClr val="lt1"/>
-          </a:fontRef>
-        </p:style>
-        <p:txBody>
-          <a:bodyPr rtlCol="0" anchor="ctr"/>
-          <a:lstStyle/>
-          <a:p>
-            <a:pPr algn="ctr"/>
-            <a:r>
-              <a:rPr lang="en-US" sz="2800" b="1" dirty="0"/>
-              <a:t>Our objective is to evaluate if our approach can adopt to different user needs </a:t>
-            </a:r>
-          </a:p>
-        </p:txBody>
-      </p:sp>
-      <p:sp>
-        <p:nvSpPr>
-          <p:cNvPr id="7" name="TextBox 6">
-            <a:extLst>
-              <a:ext uri="{FF2B5EF4-FFF2-40B4-BE49-F238E27FC236}">
-                <a16:creationId xmlns:a16="http://schemas.microsoft.com/office/drawing/2014/main" id="{8311858F-E86C-4595-9367-EC4E624A1D74}"/>
-              </a:ext>
-            </a:extLst>
-          </p:cNvPr>
-          <p:cNvSpPr txBox="1"/>
-          <p:nvPr/>
-        </p:nvSpPr>
-        <p:spPr>
-          <a:xfrm>
-            <a:off x="429224" y="6419429"/>
-            <a:ext cx="4536819" cy="246221"/>
-          </a:xfrm>
-          <a:prstGeom prst="rect">
-            <a:avLst/>
-          </a:prstGeom>
-          <a:noFill/>
-        </p:spPr>
-        <p:txBody>
-          <a:bodyPr wrap="none" rtlCol="0">
-            <a:spAutoFit/>
-          </a:bodyPr>
-          <a:lstStyle/>
-          <a:p>
-            <a:r>
-              <a:rPr lang="en-US" sz="1000" dirty="0"/>
-              <a:t>Dataset link: https://www.kaggle.com/rounakbanik/ted-talks?select=transcripts.csv</a:t>
-            </a:r>
-          </a:p>
-        </p:txBody>
-      </p:sp>
-      <p:sp>
-        <p:nvSpPr>
-          <p:cNvPr id="10" name="Title 1">
-            <a:extLst>
-              <a:ext uri="{FF2B5EF4-FFF2-40B4-BE49-F238E27FC236}">
-                <a16:creationId xmlns:a16="http://schemas.microsoft.com/office/drawing/2014/main" id="{57448E17-5C28-455F-86A3-1DFDB9FFCC65}"/>
-              </a:ext>
-            </a:extLst>
-          </p:cNvPr>
-          <p:cNvSpPr txBox="1">
-            <a:spLocks/>
-          </p:cNvSpPr>
-          <p:nvPr/>
-        </p:nvSpPr>
-        <p:spPr>
-          <a:xfrm>
-            <a:off x="807186" y="51115"/>
-            <a:ext cx="10772775" cy="961277"/>
-          </a:xfrm>
-          <a:prstGeom prst="rect">
-            <a:avLst/>
-          </a:prstGeom>
-        </p:spPr>
-        <p:txBody>
-          <a:bodyPr vert="horz" lIns="91440" tIns="45720" rIns="91440" bIns="45720" rtlCol="0" anchor="ctr">
-            <a:normAutofit/>
-          </a:bodyPr>
-          <a:lstStyle>
-            <a:lvl1pPr algn="l" defTabSz="914400" rtl="0" eaLnBrk="1" latinLnBrk="0" hangingPunct="1">
-              <a:lnSpc>
-                <a:spcPct val="90000"/>
-              </a:lnSpc>
-              <a:spcBef>
-                <a:spcPct val="0"/>
-              </a:spcBef>
-              <a:buNone/>
-              <a:defRPr sz="4400" kern="1200">
-                <a:solidFill>
-                  <a:schemeClr val="tx1"/>
-                </a:solidFill>
-                <a:latin typeface="+mj-lt"/>
-                <a:ea typeface="+mj-ea"/>
-                <a:cs typeface="+mj-cs"/>
-              </a:defRPr>
-            </a:lvl1pPr>
-          </a:lstStyle>
-          <a:p>
-            <a:pPr algn="ctr"/>
-            <a:r>
-              <a:rPr lang="en-US" b="1" dirty="0">
-                <a:solidFill>
-                  <a:schemeClr val="accent1">
-                    <a:lumMod val="75000"/>
-                  </a:schemeClr>
-                </a:solidFill>
-                <a:latin typeface="+mn-lt"/>
-              </a:rPr>
-              <a:t>Evaluation Setup</a:t>
-            </a:r>
-          </a:p>
-        </p:txBody>
-      </p:sp>
-    </p:spTree>
-    <p:extLst>
-      <p:ext uri="{BB962C8B-B14F-4D97-AF65-F5344CB8AC3E}">
-        <p14:creationId xmlns:p14="http://schemas.microsoft.com/office/powerpoint/2010/main" val="2147391407"/>
-      </p:ext>
-    </p:extLst>
-  </p:cSld>
-  <p:clrMapOvr>
-    <a:masterClrMapping/>
-  </p:clrMapOvr>
-  <p:timing>
-    <p:tnLst>
-      <p:par>
-        <p:cTn id="1" dur="indefinite" restart="never" nodeType="tmRoot">
-          <p:childTnLst>
-            <p:seq concurrent="1" nextAc="seek">
-              <p:cTn id="2" dur="indefinite" nodeType="mainSeq">
-                <p:childTnLst>
-                  <p:par>
-                    <p:cTn id="3" fill="hold">
-                      <p:stCondLst>
-                        <p:cond delay="indefinite"/>
-                      </p:stCondLst>
-                      <p:childTnLst>
-                        <p:par>
-                          <p:cTn id="4" fill="hold">
-                            <p:stCondLst>
-                              <p:cond delay="0"/>
-                            </p:stCondLst>
-                            <p:childTnLst>
-                              <p:par>
-                                <p:cTn id="5" presetID="1" presetClass="entr" presetSubtype="0" fill="hold" nodeType="clickEffect">
-                                  <p:stCondLst>
-                                    <p:cond delay="0"/>
-                                  </p:stCondLst>
-                                  <p:childTnLst>
-                                    <p:set>
-                                      <p:cBhvr>
-                                        <p:cTn id="6" dur="1" fill="hold">
-                                          <p:stCondLst>
-                                            <p:cond delay="0"/>
-                                          </p:stCondLst>
-                                        </p:cTn>
-                                        <p:tgtEl>
-                                          <p:spTgt spid="6">
-                                            <p:txEl>
-                                              <p:pRg st="0" end="0"/>
-                                            </p:txEl>
-                                          </p:spTgt>
-                                        </p:tgtEl>
-                                        <p:attrNameLst>
-                                          <p:attrName>style.visibility</p:attrName>
-                                        </p:attrNameLst>
-                                      </p:cBhvr>
-                                      <p:to>
-                                        <p:strVal val="visible"/>
-                                      </p:to>
-                                    </p:set>
-                                  </p:childTnLst>
-                                </p:cTn>
-                              </p:par>
-                            </p:childTnLst>
-                          </p:cTn>
-                        </p:par>
-                      </p:childTnLst>
-                    </p:cTn>
-                  </p:par>
-                  <p:par>
-                    <p:cTn id="7" fill="hold">
-                      <p:stCondLst>
-                        <p:cond delay="indefinite"/>
-                      </p:stCondLst>
-                      <p:childTnLst>
-                        <p:par>
-                          <p:cTn id="8" fill="hold">
-                            <p:stCondLst>
-                              <p:cond delay="0"/>
-                            </p:stCondLst>
-                            <p:childTnLst>
-                              <p:par>
-                                <p:cTn id="9" presetID="1" presetClass="entr" presetSubtype="0" fill="hold" nodeType="clickEffect">
-                                  <p:stCondLst>
-                                    <p:cond delay="0"/>
-                                  </p:stCondLst>
-                                  <p:childTnLst>
-                                    <p:set>
-                                      <p:cBhvr>
-                                        <p:cTn id="10" dur="1" fill="hold">
-                                          <p:stCondLst>
-                                            <p:cond delay="0"/>
-                                          </p:stCondLst>
-                                        </p:cTn>
-                                        <p:tgtEl>
-                                          <p:spTgt spid="6">
-                                            <p:txEl>
-                                              <p:pRg st="2" end="2"/>
-                                            </p:txEl>
-                                          </p:spTgt>
-                                        </p:tgtEl>
-                                        <p:attrNameLst>
-                                          <p:attrName>style.visibility</p:attrName>
-                                        </p:attrNameLst>
-                                      </p:cBhvr>
-                                      <p:to>
-                                        <p:strVal val="visible"/>
-                                      </p:to>
-                                    </p:set>
-                                  </p:childTnLst>
-                                </p:cTn>
-                              </p:par>
-                            </p:childTnLst>
-                          </p:cTn>
-                        </p:par>
-                      </p:childTnLst>
-                    </p:cTn>
-                  </p:par>
-                  <p:par>
-                    <p:cTn id="11" fill="hold">
-                      <p:stCondLst>
-                        <p:cond delay="indefinite"/>
-                      </p:stCondLst>
-                      <p:childTnLst>
-                        <p:par>
-                          <p:cTn id="12" fill="hold">
-                            <p:stCondLst>
-                              <p:cond delay="0"/>
-                            </p:stCondLst>
-                            <p:childTnLst>
-                              <p:par>
-                                <p:cTn id="13" presetID="1" presetClass="entr" presetSubtype="0" fill="hold" nodeType="clickEffect">
-                                  <p:stCondLst>
-                                    <p:cond delay="0"/>
-                                  </p:stCondLst>
-                                  <p:childTnLst>
-                                    <p:set>
-                                      <p:cBhvr>
-                                        <p:cTn id="14" dur="1" fill="hold">
-                                          <p:stCondLst>
-                                            <p:cond delay="0"/>
-                                          </p:stCondLst>
-                                        </p:cTn>
-                                        <p:tgtEl>
-                                          <p:spTgt spid="6">
-                                            <p:txEl>
-                                              <p:pRg st="4" end="4"/>
-                                            </p:txEl>
-                                          </p:spTgt>
-                                        </p:tgtEl>
-                                        <p:attrNameLst>
-                                          <p:attrName>style.visibility</p:attrName>
-                                        </p:attrNameLst>
-                                      </p:cBhvr>
-                                      <p:to>
-                                        <p:strVal val="visible"/>
-                                      </p:to>
-                                    </p:set>
-                                  </p:childTnLst>
-                                </p:cTn>
-                              </p:par>
-                            </p:childTnLst>
-                          </p:cTn>
-                        </p:par>
-                      </p:childTnLst>
-                    </p:cTn>
-                  </p:par>
-                  <p:par>
-                    <p:cTn id="15" fill="hold">
-                      <p:stCondLst>
-                        <p:cond delay="indefinite"/>
-                      </p:stCondLst>
-                      <p:childTnLst>
-                        <p:par>
-                          <p:cTn id="16" fill="hold">
-                            <p:stCondLst>
-                              <p:cond delay="0"/>
-                            </p:stCondLst>
-                            <p:childTnLst>
-                              <p:par>
-                                <p:cTn id="17" presetID="1" presetClass="entr" presetSubtype="0" fill="hold" nodeType="clickEffect">
-                                  <p:stCondLst>
-                                    <p:cond delay="0"/>
-                                  </p:stCondLst>
-                                  <p:childTnLst>
-                                    <p:set>
-                                      <p:cBhvr>
-                                        <p:cTn id="18" dur="1" fill="hold">
-                                          <p:stCondLst>
-                                            <p:cond delay="0"/>
-                                          </p:stCondLst>
-                                        </p:cTn>
-                                        <p:tgtEl>
-                                          <p:spTgt spid="6">
-                                            <p:txEl>
-                                              <p:pRg st="6" end="6"/>
-                                            </p:txEl>
-                                          </p:spTgt>
-                                        </p:tgtEl>
-                                        <p:attrNameLst>
-                                          <p:attrName>style.visibility</p:attrName>
-                                        </p:attrNameLst>
-                                      </p:cBhvr>
-                                      <p:to>
-                                        <p:strVal val="visible"/>
-                                      </p:to>
-                                    </p:set>
-                                  </p:childTnLst>
-                                </p:cTn>
-                              </p:par>
-                            </p:childTnLst>
-                          </p:cTn>
-                        </p:par>
-                      </p:childTnLst>
-                    </p:cTn>
-                  </p:par>
-                  <p:par>
-                    <p:cTn id="19" fill="hold">
-                      <p:stCondLst>
-                        <p:cond delay="indefinite"/>
-                      </p:stCondLst>
-                      <p:childTnLst>
-                        <p:par>
-                          <p:cTn id="20" fill="hold">
-                            <p:stCondLst>
-                              <p:cond delay="0"/>
-                            </p:stCondLst>
-                            <p:childTnLst>
-                              <p:par>
-                                <p:cTn id="21" presetID="1" presetClass="entr" presetSubtype="0" fill="hold" nodeType="clickEffect">
-                                  <p:stCondLst>
-                                    <p:cond delay="0"/>
-                                  </p:stCondLst>
-                                  <p:childTnLst>
-                                    <p:set>
-                                      <p:cBhvr>
-                                        <p:cTn id="22" dur="1" fill="hold">
-                                          <p:stCondLst>
-                                            <p:cond delay="0"/>
-                                          </p:stCondLst>
-                                        </p:cTn>
-                                        <p:tgtEl>
-                                          <p:spTgt spid="6">
-                                            <p:txEl>
-                                              <p:pRg st="8" end="8"/>
-                                            </p:txEl>
-                                          </p:spTgt>
-                                        </p:tgtEl>
-                                        <p:attrNameLst>
-                                          <p:attrName>style.visibility</p:attrName>
-                                        </p:attrNameLst>
-                                      </p:cBhvr>
-                                      <p:to>
-                                        <p:strVal val="visible"/>
-                                      </p:to>
-                                    </p:set>
-                                  </p:childTnLst>
-                                </p:cTn>
-                              </p:par>
-                            </p:childTnLst>
-                          </p:cTn>
-                        </p:par>
-                      </p:childTnLst>
-                    </p:cTn>
-                  </p:par>
-                  <p:par>
-                    <p:cTn id="23" fill="hold">
-                      <p:stCondLst>
-                        <p:cond delay="indefinite"/>
-                      </p:stCondLst>
-                      <p:childTnLst>
-                        <p:par>
-                          <p:cTn id="24" fill="hold">
-                            <p:stCondLst>
-                              <p:cond delay="0"/>
-                            </p:stCondLst>
-                            <p:childTnLst>
-                              <p:par>
-                                <p:cTn id="25" presetID="1" presetClass="entr" presetSubtype="0" fill="hold" grpId="0" nodeType="clickEffect">
-                                  <p:stCondLst>
-                                    <p:cond delay="0"/>
-                                  </p:stCondLst>
-                                  <p:childTnLst>
-                                    <p:set>
-                                      <p:cBhvr>
-                                        <p:cTn id="26" dur="1" fill="hold">
-                                          <p:stCondLst>
-                                            <p:cond delay="0"/>
-                                          </p:stCondLst>
-                                        </p:cTn>
-                                        <p:tgtEl>
-                                          <p:spTgt spid="9"/>
-                                        </p:tgtEl>
-                                        <p:attrNameLst>
-                                          <p:attrName>style.visibility</p:attrName>
-                                        </p:attrNameLst>
-                                      </p:cBhvr>
-                                      <p:to>
-                                        <p:strVal val="visible"/>
-                                      </p:to>
-                                    </p:set>
-                                  </p:childTnLst>
-                                </p:cTn>
-                              </p:par>
-                            </p:childTnLst>
-                          </p:cTn>
-                        </p:par>
-                      </p:childTnLst>
-                    </p:cTn>
-                  </p:par>
-                </p:childTnLst>
-              </p:cTn>
-              <p:prevCondLst>
-                <p:cond evt="onPrev" delay="0">
-                  <p:tgtEl>
-                    <p:sldTgt/>
-                  </p:tgtEl>
-                </p:cond>
-              </p:prevCondLst>
-              <p:nextCondLst>
-                <p:cond evt="onNext" delay="0">
-                  <p:tgtEl>
-                    <p:sldTgt/>
-                  </p:tgtEl>
-                </p:cond>
-              </p:nextCondLst>
-            </p:seq>
-          </p:childTnLst>
-        </p:cTn>
-      </p:par>
-    </p:tnLst>
-    <p:bldLst>
-      <p:bldP spid="9" grpId="0" animBg="1"/>
-    </p:bldLst>
-  </p:timing>
-</p:sld>
-</file>
-
-<file path=ppt/slides/slide12.xml><?xml version="1.0" encoding="utf-8"?>
-<p:sld xmlns:a="http://schemas.openxmlformats.org/drawingml/2006/main" xmlns:r="http://schemas.openxmlformats.org/officeDocument/2006/relationships" xmlns:p="http://schemas.openxmlformats.org/presentationml/2006/main">
-  <p:cSld>
-    <p:spTree>
-      <p:nvGrpSpPr>
-        <p:cNvPr id="1" name=""/>
-        <p:cNvGrpSpPr/>
-        <p:nvPr/>
-      </p:nvGrpSpPr>
-      <p:grpSpPr>
-        <a:xfrm>
-          <a:off x="0" y="0"/>
-          <a:ext cx="0" cy="0"/>
-          <a:chOff x="0" y="0"/>
-          <a:chExt cx="0" cy="0"/>
-        </a:xfrm>
-      </p:grpSpPr>
-      <p:pic>
-        <p:nvPicPr>
-          <p:cNvPr id="20" name="Picture 19" descr="A picture containing object&#10;&#10;Description generated with very high confidence">
-            <a:extLst>
-              <a:ext uri="{FF2B5EF4-FFF2-40B4-BE49-F238E27FC236}">
-                <a16:creationId xmlns:a16="http://schemas.microsoft.com/office/drawing/2014/main" id="{BFA8EE74-C4C5-4B64-A157-B93B22BF494E}"/>
-              </a:ext>
-            </a:extLst>
-          </p:cNvPr>
-          <p:cNvPicPr>
-            <a:picLocks noChangeAspect="1"/>
-          </p:cNvPicPr>
-          <p:nvPr/>
-        </p:nvPicPr>
-        <p:blipFill>
-          <a:blip r:embed="rId3">
-            <a:extLst>
-              <a:ext uri="{28A0092B-C50C-407E-A947-70E740481C1C}">
-                <a14:useLocalDpi xmlns:a14="http://schemas.microsoft.com/office/drawing/2010/main" val="0"/>
-              </a:ext>
-            </a:extLst>
-          </a:blip>
-          <a:stretch>
-            <a:fillRect/>
-          </a:stretch>
-        </p:blipFill>
-        <p:spPr>
-          <a:xfrm>
-            <a:off x="9835376" y="6328400"/>
-            <a:ext cx="2223771" cy="428280"/>
-          </a:xfrm>
-          <a:prstGeom prst="rect">
-            <a:avLst/>
-          </a:prstGeom>
-        </p:spPr>
-      </p:pic>
-      <p:sp>
-        <p:nvSpPr>
-          <p:cNvPr id="6" name="TextBox 5">
-            <a:extLst>
-              <a:ext uri="{FF2B5EF4-FFF2-40B4-BE49-F238E27FC236}">
-                <a16:creationId xmlns:a16="http://schemas.microsoft.com/office/drawing/2014/main" id="{74D658F0-641F-4B92-BDB3-3845C185EDF3}"/>
-              </a:ext>
-            </a:extLst>
-          </p:cNvPr>
-          <p:cNvSpPr txBox="1"/>
-          <p:nvPr/>
-        </p:nvSpPr>
-        <p:spPr>
-          <a:xfrm>
-            <a:off x="694326" y="3413374"/>
-            <a:ext cx="11478844" cy="2246769"/>
-          </a:xfrm>
-          <a:prstGeom prst="rect">
-            <a:avLst/>
-          </a:prstGeom>
-          <a:noFill/>
-        </p:spPr>
-        <p:txBody>
-          <a:bodyPr wrap="square" rtlCol="0">
-            <a:spAutoFit/>
-          </a:bodyPr>
-          <a:lstStyle/>
-          <a:p>
-            <a:pPr marL="457200" indent="-457200">
-              <a:buFont typeface="Wingdings" panose="05000000000000000000" pitchFamily="2" charset="2"/>
-              <a:buChar char="§"/>
-            </a:pPr>
-            <a:r>
-              <a:rPr lang="en-US" sz="2000" dirty="0"/>
-              <a:t>We can observe an overall positive trend for both forms of feedback across different metrics. </a:t>
-            </a:r>
-          </a:p>
-          <a:p>
-            <a:pPr marL="457200" indent="-457200">
-              <a:buFont typeface="Wingdings" panose="05000000000000000000" pitchFamily="2" charset="2"/>
-              <a:buChar char="§"/>
-            </a:pPr>
-            <a:endParaRPr lang="en-US" sz="2000" dirty="0"/>
-          </a:p>
-          <a:p>
-            <a:pPr marL="457200" indent="-457200">
-              <a:buFont typeface="Wingdings" panose="05000000000000000000" pitchFamily="2" charset="2"/>
-              <a:buChar char="§"/>
-            </a:pPr>
-            <a:r>
-              <a:rPr lang="en-US" sz="2000" dirty="0"/>
-              <a:t>In under 20 interactions, the classifier reached a mean accuracy of over 80% for both forms of feedback (random classifier will yield 50%).</a:t>
-            </a:r>
-          </a:p>
-          <a:p>
-            <a:pPr marL="457200" indent="-457200">
-              <a:buFont typeface="Wingdings" panose="05000000000000000000" pitchFamily="2" charset="2"/>
-              <a:buChar char="§"/>
-            </a:pPr>
-            <a:endParaRPr lang="en-US" sz="2000" dirty="0"/>
-          </a:p>
-          <a:p>
-            <a:pPr marL="457200" indent="-457200">
-              <a:buFont typeface="Wingdings" panose="05000000000000000000" pitchFamily="2" charset="2"/>
-              <a:buChar char="§"/>
-            </a:pPr>
-            <a:r>
-              <a:rPr lang="en-US" sz="2000" dirty="0"/>
-              <a:t>It is also interesting to observe that Explicit feedback is more effective than Implicit feedback and random sampling across different metrics. </a:t>
-            </a:r>
-          </a:p>
-        </p:txBody>
-      </p:sp>
-      <p:sp>
-        <p:nvSpPr>
-          <p:cNvPr id="7" name="Rectangle 6">
-            <a:extLst>
-              <a:ext uri="{FF2B5EF4-FFF2-40B4-BE49-F238E27FC236}">
-                <a16:creationId xmlns:a16="http://schemas.microsoft.com/office/drawing/2014/main" id="{B5253E6E-1D78-44D6-8781-333A8FB7836B}"/>
-              </a:ext>
-            </a:extLst>
-          </p:cNvPr>
-          <p:cNvSpPr/>
-          <p:nvPr/>
-        </p:nvSpPr>
-        <p:spPr>
-          <a:xfrm>
-            <a:off x="0" y="5676901"/>
-            <a:ext cx="12192000" cy="524260"/>
-          </a:xfrm>
-          <a:prstGeom prst="rect">
-            <a:avLst/>
-          </a:prstGeom>
-          <a:solidFill>
-            <a:schemeClr val="accent1">
-              <a:lumMod val="75000"/>
-            </a:schemeClr>
-          </a:solidFill>
-        </p:spPr>
-        <p:style>
-          <a:lnRef idx="2">
-            <a:schemeClr val="accent1">
-              <a:shade val="50000"/>
-            </a:schemeClr>
-          </a:lnRef>
-          <a:fillRef idx="1">
-            <a:schemeClr val="accent1"/>
-          </a:fillRef>
-          <a:effectRef idx="0">
-            <a:schemeClr val="accent1"/>
-          </a:effectRef>
-          <a:fontRef idx="minor">
-            <a:schemeClr val="lt1"/>
-          </a:fontRef>
-        </p:style>
-        <p:txBody>
-          <a:bodyPr rtlCol="0" anchor="ctr"/>
-          <a:lstStyle/>
-          <a:p>
-            <a:pPr algn="ctr"/>
-            <a:r>
-              <a:rPr lang="en-US" sz="2800" b="1" dirty="0"/>
-              <a:t>These results validate the theoretical capability of Fluent to learn user’s needs.</a:t>
-            </a:r>
-          </a:p>
-        </p:txBody>
-      </p:sp>
-      <p:sp>
-        <p:nvSpPr>
-          <p:cNvPr id="9" name="Title 1">
-            <a:extLst>
-              <a:ext uri="{FF2B5EF4-FFF2-40B4-BE49-F238E27FC236}">
-                <a16:creationId xmlns:a16="http://schemas.microsoft.com/office/drawing/2014/main" id="{5F8CA74D-F0DC-495B-93D3-65D161B831DF}"/>
-              </a:ext>
-            </a:extLst>
-          </p:cNvPr>
-          <p:cNvSpPr txBox="1">
-            <a:spLocks/>
-          </p:cNvSpPr>
-          <p:nvPr/>
-        </p:nvSpPr>
-        <p:spPr>
-          <a:xfrm>
-            <a:off x="709612" y="50240"/>
-            <a:ext cx="10772775" cy="961277"/>
-          </a:xfrm>
-          <a:prstGeom prst="rect">
-            <a:avLst/>
-          </a:prstGeom>
-        </p:spPr>
-        <p:txBody>
-          <a:bodyPr vert="horz" lIns="91440" tIns="45720" rIns="91440" bIns="45720" rtlCol="0" anchor="ctr">
-            <a:normAutofit/>
-          </a:bodyPr>
-          <a:lstStyle>
-            <a:lvl1pPr algn="l" defTabSz="914400" rtl="0" eaLnBrk="1" latinLnBrk="0" hangingPunct="1">
-              <a:lnSpc>
-                <a:spcPct val="90000"/>
-              </a:lnSpc>
-              <a:spcBef>
-                <a:spcPct val="0"/>
-              </a:spcBef>
-              <a:buNone/>
-              <a:defRPr sz="4400" kern="1200">
-                <a:solidFill>
-                  <a:schemeClr val="tx1"/>
-                </a:solidFill>
-                <a:latin typeface="+mj-lt"/>
-                <a:ea typeface="+mj-ea"/>
-                <a:cs typeface="+mj-cs"/>
-              </a:defRPr>
-            </a:lvl1pPr>
-          </a:lstStyle>
-          <a:p>
-            <a:pPr algn="ctr"/>
-            <a:r>
-              <a:rPr lang="en-US" b="1" dirty="0">
-                <a:solidFill>
-                  <a:schemeClr val="accent1">
-                    <a:lumMod val="75000"/>
-                  </a:schemeClr>
-                </a:solidFill>
-                <a:latin typeface="+mn-lt"/>
-              </a:rPr>
-              <a:t>Results</a:t>
-            </a:r>
-          </a:p>
-        </p:txBody>
-      </p:sp>
-      <p:pic>
-        <p:nvPicPr>
-          <p:cNvPr id="8" name="Picture 7" descr="A picture containing chart&#10;&#10;Description automatically generated">
-            <a:extLst>
-              <a:ext uri="{FF2B5EF4-FFF2-40B4-BE49-F238E27FC236}">
-                <a16:creationId xmlns:a16="http://schemas.microsoft.com/office/drawing/2014/main" id="{4FA4B25A-4454-4823-AF67-823FFC943248}"/>
-              </a:ext>
-            </a:extLst>
-          </p:cNvPr>
-          <p:cNvPicPr>
-            <a:picLocks noChangeAspect="1"/>
-          </p:cNvPicPr>
-          <p:nvPr/>
-        </p:nvPicPr>
-        <p:blipFill>
-          <a:blip r:embed="rId4">
-            <a:extLst>
-              <a:ext uri="{28A0092B-C50C-407E-A947-70E740481C1C}">
-                <a14:useLocalDpi xmlns:a14="http://schemas.microsoft.com/office/drawing/2010/main" val="0"/>
-              </a:ext>
-            </a:extLst>
-          </a:blip>
-          <a:stretch>
-            <a:fillRect/>
-          </a:stretch>
-        </p:blipFill>
-        <p:spPr>
-          <a:xfrm>
-            <a:off x="474169" y="928372"/>
-            <a:ext cx="3514794" cy="2426397"/>
-          </a:xfrm>
-          <a:prstGeom prst="rect">
-            <a:avLst/>
-          </a:prstGeom>
-        </p:spPr>
-      </p:pic>
-      <p:pic>
-        <p:nvPicPr>
-          <p:cNvPr id="11" name="Picture 10" descr="A picture containing graphical user interface&#10;&#10;Description automatically generated">
-            <a:extLst>
-              <a:ext uri="{FF2B5EF4-FFF2-40B4-BE49-F238E27FC236}">
-                <a16:creationId xmlns:a16="http://schemas.microsoft.com/office/drawing/2014/main" id="{E04EF6E7-BEB3-46AF-807F-99EA463A077B}"/>
-              </a:ext>
-            </a:extLst>
-          </p:cNvPr>
-          <p:cNvPicPr>
-            <a:picLocks noChangeAspect="1"/>
-          </p:cNvPicPr>
-          <p:nvPr/>
-        </p:nvPicPr>
-        <p:blipFill>
-          <a:blip r:embed="rId5">
-            <a:extLst>
-              <a:ext uri="{28A0092B-C50C-407E-A947-70E740481C1C}">
-                <a14:useLocalDpi xmlns:a14="http://schemas.microsoft.com/office/drawing/2010/main" val="0"/>
-              </a:ext>
-            </a:extLst>
-          </a:blip>
-          <a:stretch>
-            <a:fillRect/>
-          </a:stretch>
-        </p:blipFill>
-        <p:spPr>
-          <a:xfrm>
-            <a:off x="4281593" y="969674"/>
-            <a:ext cx="3514794" cy="2426397"/>
-          </a:xfrm>
-          <a:prstGeom prst="rect">
-            <a:avLst/>
-          </a:prstGeom>
-        </p:spPr>
-      </p:pic>
-      <p:pic>
-        <p:nvPicPr>
-          <p:cNvPr id="13" name="Picture 12" descr="Chart&#10;&#10;Description automatically generated">
-            <a:extLst>
-              <a:ext uri="{FF2B5EF4-FFF2-40B4-BE49-F238E27FC236}">
-                <a16:creationId xmlns:a16="http://schemas.microsoft.com/office/drawing/2014/main" id="{BF3D5EB2-F0A5-40CE-AD41-291807AC7C7B}"/>
-              </a:ext>
-            </a:extLst>
-          </p:cNvPr>
-          <p:cNvPicPr>
-            <a:picLocks noChangeAspect="1"/>
-          </p:cNvPicPr>
-          <p:nvPr/>
-        </p:nvPicPr>
-        <p:blipFill>
-          <a:blip r:embed="rId6">
-            <a:extLst>
-              <a:ext uri="{28A0092B-C50C-407E-A947-70E740481C1C}">
-                <a14:useLocalDpi xmlns:a14="http://schemas.microsoft.com/office/drawing/2010/main" val="0"/>
-              </a:ext>
-            </a:extLst>
-          </a:blip>
-          <a:stretch>
-            <a:fillRect/>
-          </a:stretch>
-        </p:blipFill>
-        <p:spPr>
-          <a:xfrm>
-            <a:off x="7986378" y="969674"/>
-            <a:ext cx="3511296" cy="2472140"/>
-          </a:xfrm>
-          <a:prstGeom prst="rect">
-            <a:avLst/>
-          </a:prstGeom>
-        </p:spPr>
-      </p:pic>
-    </p:spTree>
-    <p:extLst>
-      <p:ext uri="{BB962C8B-B14F-4D97-AF65-F5344CB8AC3E}">
-        <p14:creationId xmlns:p14="http://schemas.microsoft.com/office/powerpoint/2010/main" val="2205763302"/>
-      </p:ext>
-    </p:extLst>
-  </p:cSld>
-  <p:clrMapOvr>
-    <a:masterClrMapping/>
-  </p:clrMapOvr>
-  <p:timing>
-    <p:tnLst>
-      <p:par>
-        <p:cTn id="1" dur="indefinite" restart="never" nodeType="tmRoot">
-          <p:childTnLst>
-            <p:seq concurrent="1" nextAc="seek">
-              <p:cTn id="2" dur="indefinite" nodeType="mainSeq">
-                <p:childTnLst>
-                  <p:par>
-                    <p:cTn id="3" fill="hold">
-                      <p:stCondLst>
-                        <p:cond delay="indefinite"/>
-                      </p:stCondLst>
-                      <p:childTnLst>
-                        <p:par>
-                          <p:cTn id="4" fill="hold">
-                            <p:stCondLst>
-                              <p:cond delay="0"/>
-                            </p:stCondLst>
-                            <p:childTnLst>
-                              <p:par>
-                                <p:cTn id="5" presetID="1" presetClass="entr" presetSubtype="0" fill="hold" nodeType="clickEffect">
-                                  <p:stCondLst>
-                                    <p:cond delay="0"/>
-                                  </p:stCondLst>
-                                  <p:childTnLst>
-                                    <p:set>
-                                      <p:cBhvr>
-                                        <p:cTn id="6" dur="1" fill="hold">
-                                          <p:stCondLst>
-                                            <p:cond delay="0"/>
-                                          </p:stCondLst>
-                                        </p:cTn>
-                                        <p:tgtEl>
-                                          <p:spTgt spid="8"/>
-                                        </p:tgtEl>
-                                        <p:attrNameLst>
-                                          <p:attrName>style.visibility</p:attrName>
-                                        </p:attrNameLst>
-                                      </p:cBhvr>
-                                      <p:to>
-                                        <p:strVal val="visible"/>
-                                      </p:to>
-                                    </p:set>
-                                  </p:childTnLst>
-                                </p:cTn>
-                              </p:par>
-                            </p:childTnLst>
-                          </p:cTn>
-                        </p:par>
-                      </p:childTnLst>
-                    </p:cTn>
-                  </p:par>
-                  <p:par>
-                    <p:cTn id="7" fill="hold">
-                      <p:stCondLst>
-                        <p:cond delay="indefinite"/>
-                      </p:stCondLst>
-                      <p:childTnLst>
-                        <p:par>
-                          <p:cTn id="8" fill="hold">
-                            <p:stCondLst>
-                              <p:cond delay="0"/>
-                            </p:stCondLst>
-                            <p:childTnLst>
-                              <p:par>
-                                <p:cTn id="9" presetID="1" presetClass="entr" presetSubtype="0" fill="hold" nodeType="clickEffect">
-                                  <p:stCondLst>
-                                    <p:cond delay="0"/>
-                                  </p:stCondLst>
-                                  <p:childTnLst>
-                                    <p:set>
-                                      <p:cBhvr>
-                                        <p:cTn id="10" dur="1" fill="hold">
-                                          <p:stCondLst>
-                                            <p:cond delay="0"/>
-                                          </p:stCondLst>
-                                        </p:cTn>
-                                        <p:tgtEl>
-                                          <p:spTgt spid="11"/>
-                                        </p:tgtEl>
-                                        <p:attrNameLst>
-                                          <p:attrName>style.visibility</p:attrName>
-                                        </p:attrNameLst>
-                                      </p:cBhvr>
-                                      <p:to>
-                                        <p:strVal val="visible"/>
-                                      </p:to>
-                                    </p:set>
-                                  </p:childTnLst>
-                                </p:cTn>
-                              </p:par>
-                            </p:childTnLst>
-                          </p:cTn>
-                        </p:par>
-                      </p:childTnLst>
-                    </p:cTn>
-                  </p:par>
-                  <p:par>
-                    <p:cTn id="11" fill="hold">
-                      <p:stCondLst>
-                        <p:cond delay="indefinite"/>
-                      </p:stCondLst>
-                      <p:childTnLst>
-                        <p:par>
-                          <p:cTn id="12" fill="hold">
-                            <p:stCondLst>
-                              <p:cond delay="0"/>
-                            </p:stCondLst>
-                            <p:childTnLst>
-                              <p:par>
-                                <p:cTn id="13" presetID="1" presetClass="entr" presetSubtype="0" fill="hold" nodeType="clickEffect">
-                                  <p:stCondLst>
-                                    <p:cond delay="0"/>
-                                  </p:stCondLst>
-                                  <p:childTnLst>
-                                    <p:set>
-                                      <p:cBhvr>
-                                        <p:cTn id="14" dur="1" fill="hold">
-                                          <p:stCondLst>
-                                            <p:cond delay="0"/>
-                                          </p:stCondLst>
-                                        </p:cTn>
-                                        <p:tgtEl>
-                                          <p:spTgt spid="13"/>
-                                        </p:tgtEl>
-                                        <p:attrNameLst>
-                                          <p:attrName>style.visibility</p:attrName>
-                                        </p:attrNameLst>
-                                      </p:cBhvr>
-                                      <p:to>
-                                        <p:strVal val="visible"/>
-                                      </p:to>
-                                    </p:set>
-                                  </p:childTnLst>
-                                </p:cTn>
-                              </p:par>
-                            </p:childTnLst>
-                          </p:cTn>
-                        </p:par>
-                      </p:childTnLst>
-                    </p:cTn>
-                  </p:par>
-                  <p:par>
-                    <p:cTn id="15" fill="hold">
-                      <p:stCondLst>
-                        <p:cond delay="indefinite"/>
-                      </p:stCondLst>
-                      <p:childTnLst>
-                        <p:par>
-                          <p:cTn id="16" fill="hold">
-                            <p:stCondLst>
-                              <p:cond delay="0"/>
-                            </p:stCondLst>
-                            <p:childTnLst>
-                              <p:par>
-                                <p:cTn id="17" presetID="1" presetClass="entr" presetSubtype="0" fill="hold" nodeType="clickEffect">
-                                  <p:stCondLst>
-                                    <p:cond delay="0"/>
-                                  </p:stCondLst>
-                                  <p:childTnLst>
-                                    <p:set>
-                                      <p:cBhvr>
-                                        <p:cTn id="18" dur="1" fill="hold">
-                                          <p:stCondLst>
-                                            <p:cond delay="0"/>
-                                          </p:stCondLst>
-                                        </p:cTn>
-                                        <p:tgtEl>
-                                          <p:spTgt spid="6">
-                                            <p:txEl>
-                                              <p:pRg st="0" end="0"/>
-                                            </p:txEl>
-                                          </p:spTgt>
-                                        </p:tgtEl>
-                                        <p:attrNameLst>
-                                          <p:attrName>style.visibility</p:attrName>
-                                        </p:attrNameLst>
-                                      </p:cBhvr>
-                                      <p:to>
-                                        <p:strVal val="visible"/>
-                                      </p:to>
-                                    </p:set>
-                                  </p:childTnLst>
-                                </p:cTn>
-                              </p:par>
-                            </p:childTnLst>
-                          </p:cTn>
-                        </p:par>
-                      </p:childTnLst>
-                    </p:cTn>
-                  </p:par>
-                  <p:par>
-                    <p:cTn id="19" fill="hold">
-                      <p:stCondLst>
-                        <p:cond delay="indefinite"/>
-                      </p:stCondLst>
-                      <p:childTnLst>
-                        <p:par>
-                          <p:cTn id="20" fill="hold">
-                            <p:stCondLst>
-                              <p:cond delay="0"/>
-                            </p:stCondLst>
-                            <p:childTnLst>
-                              <p:par>
-                                <p:cTn id="21" presetID="1" presetClass="entr" presetSubtype="0" fill="hold" nodeType="clickEffect">
-                                  <p:stCondLst>
-                                    <p:cond delay="0"/>
-                                  </p:stCondLst>
-                                  <p:childTnLst>
-                                    <p:set>
-                                      <p:cBhvr>
-                                        <p:cTn id="22" dur="1" fill="hold">
-                                          <p:stCondLst>
-                                            <p:cond delay="0"/>
-                                          </p:stCondLst>
-                                        </p:cTn>
-                                        <p:tgtEl>
-                                          <p:spTgt spid="6">
-                                            <p:txEl>
-                                              <p:pRg st="2" end="2"/>
-                                            </p:txEl>
-                                          </p:spTgt>
-                                        </p:tgtEl>
-                                        <p:attrNameLst>
-                                          <p:attrName>style.visibility</p:attrName>
-                                        </p:attrNameLst>
-                                      </p:cBhvr>
-                                      <p:to>
-                                        <p:strVal val="visible"/>
-                                      </p:to>
-                                    </p:set>
-                                  </p:childTnLst>
-                                </p:cTn>
-                              </p:par>
-                            </p:childTnLst>
-                          </p:cTn>
-                        </p:par>
-                      </p:childTnLst>
-                    </p:cTn>
-                  </p:par>
-                  <p:par>
-                    <p:cTn id="23" fill="hold">
-                      <p:stCondLst>
-                        <p:cond delay="indefinite"/>
-                      </p:stCondLst>
-                      <p:childTnLst>
-                        <p:par>
-                          <p:cTn id="24" fill="hold">
-                            <p:stCondLst>
-                              <p:cond delay="0"/>
-                            </p:stCondLst>
-                            <p:childTnLst>
-                              <p:par>
-                                <p:cTn id="25" presetID="1" presetClass="entr" presetSubtype="0" fill="hold" nodeType="clickEffect">
-                                  <p:stCondLst>
-                                    <p:cond delay="0"/>
-                                  </p:stCondLst>
-                                  <p:childTnLst>
-                                    <p:set>
-                                      <p:cBhvr>
-                                        <p:cTn id="26" dur="1" fill="hold">
-                                          <p:stCondLst>
-                                            <p:cond delay="0"/>
-                                          </p:stCondLst>
-                                        </p:cTn>
-                                        <p:tgtEl>
-                                          <p:spTgt spid="6">
-                                            <p:txEl>
-                                              <p:pRg st="4" end="4"/>
-                                            </p:txEl>
-                                          </p:spTgt>
-                                        </p:tgtEl>
-                                        <p:attrNameLst>
-                                          <p:attrName>style.visibility</p:attrName>
-                                        </p:attrNameLst>
-                                      </p:cBhvr>
-                                      <p:to>
-                                        <p:strVal val="visible"/>
-                                      </p:to>
-                                    </p:set>
-                                  </p:childTnLst>
-                                </p:cTn>
-                              </p:par>
-                            </p:childTnLst>
-                          </p:cTn>
-                        </p:par>
-                      </p:childTnLst>
-                    </p:cTn>
-                  </p:par>
-                  <p:par>
-                    <p:cTn id="27" fill="hold">
-                      <p:stCondLst>
-                        <p:cond delay="indefinite"/>
-                      </p:stCondLst>
-                      <p:childTnLst>
-                        <p:par>
-                          <p:cTn id="28" fill="hold">
-                            <p:stCondLst>
-                              <p:cond delay="0"/>
-                            </p:stCondLst>
-                            <p:childTnLst>
-                              <p:par>
-                                <p:cTn id="29" presetID="1" presetClass="entr" presetSubtype="0" fill="hold" grpId="0" nodeType="clickEffect">
-                                  <p:stCondLst>
-                                    <p:cond delay="0"/>
-                                  </p:stCondLst>
-                                  <p:childTnLst>
-                                    <p:set>
-                                      <p:cBhvr>
-                                        <p:cTn id="30" dur="1" fill="hold">
-                                          <p:stCondLst>
-                                            <p:cond delay="0"/>
-                                          </p:stCondLst>
-                                        </p:cTn>
-                                        <p:tgtEl>
-                                          <p:spTgt spid="7"/>
-                                        </p:tgtEl>
-                                        <p:attrNameLst>
-                                          <p:attrName>style.visibility</p:attrName>
-                                        </p:attrNameLst>
-                                      </p:cBhvr>
-                                      <p:to>
-                                        <p:strVal val="visible"/>
-                                      </p:to>
-                                    </p:set>
-                                  </p:childTnLst>
-                                </p:cTn>
-                              </p:par>
-                            </p:childTnLst>
-                          </p:cTn>
-                        </p:par>
-                      </p:childTnLst>
-                    </p:cTn>
-                  </p:par>
-                </p:childTnLst>
-              </p:cTn>
-              <p:prevCondLst>
-                <p:cond evt="onPrev" delay="0">
-                  <p:tgtEl>
-                    <p:sldTgt/>
-                  </p:tgtEl>
-                </p:cond>
-              </p:prevCondLst>
-              <p:nextCondLst>
-                <p:cond evt="onNext" delay="0">
-                  <p:tgtEl>
-                    <p:sldTgt/>
-                  </p:tgtEl>
-                </p:cond>
-              </p:nextCondLst>
-            </p:seq>
-          </p:childTnLst>
-        </p:cTn>
-      </p:par>
-    </p:tnLst>
-    <p:bldLst>
-      <p:bldP spid="7" grpId="0" animBg="1"/>
-    </p:bldLst>
-  </p:timing>
-</p:sld>
-</file>
-
-<file path=ppt/slides/slide13.xml><?xml version="1.0" encoding="utf-8"?>
-<p:sld xmlns:a="http://schemas.openxmlformats.org/drawingml/2006/main" xmlns:r="http://schemas.openxmlformats.org/officeDocument/2006/relationships" xmlns:p="http://schemas.openxmlformats.org/presentationml/2006/main">
-  <p:cSld>
     <p:spTree>
       <p:nvGrpSpPr>
         <p:cNvPr id="1" name=""/>
@@ -8611,7 +7207,7 @@
             </a:pPr>
             <a:r>
               <a:rPr lang="en-US" sz="2400" dirty="0"/>
-              <a:t>It will also be interesting to devise design guidelines to inform the development of such tools in the future. </a:t>
+              <a:t>Future work might also devise design guidelines to inform the development of such tools in the future. </a:t>
             </a:r>
           </a:p>
         </p:txBody>
@@ -9014,7 +7610,105 @@
 </p:sld>
 </file>
 
-<file path=ppt/slides/slide14.xml><?xml version="1.0" encoding="utf-8"?>
+<file path=ppt/slides/slide11.xml><?xml version="1.0" encoding="utf-8"?>
+<p:sld xmlns:a="http://schemas.openxmlformats.org/drawingml/2006/main" xmlns:r="http://schemas.openxmlformats.org/officeDocument/2006/relationships" xmlns:p="http://schemas.openxmlformats.org/presentationml/2006/main">
+  <p:cSld>
+    <p:bg>
+      <p:bgPr>
+        <a:solidFill>
+          <a:srgbClr val="002060"/>
+        </a:solidFill>
+        <a:effectLst/>
+      </p:bgPr>
+    </p:bg>
+    <p:spTree>
+      <p:nvGrpSpPr>
+        <p:cNvPr id="1" name=""/>
+        <p:cNvGrpSpPr/>
+        <p:nvPr/>
+      </p:nvGrpSpPr>
+      <p:grpSpPr>
+        <a:xfrm>
+          <a:off x="0" y="0"/>
+          <a:ext cx="0" cy="0"/>
+          <a:chOff x="0" y="0"/>
+          <a:chExt cx="0" cy="0"/>
+        </a:xfrm>
+      </p:grpSpPr>
+      <p:sp>
+        <p:nvSpPr>
+          <p:cNvPr id="5" name="Title 1">
+            <a:extLst>
+              <a:ext uri="{FF2B5EF4-FFF2-40B4-BE49-F238E27FC236}">
+                <a16:creationId xmlns:a16="http://schemas.microsoft.com/office/drawing/2014/main" id="{D196CACA-ED51-4DD2-AD01-280E0879F999}"/>
+              </a:ext>
+            </a:extLst>
+          </p:cNvPr>
+          <p:cNvSpPr txBox="1">
+            <a:spLocks/>
+          </p:cNvSpPr>
+          <p:nvPr/>
+        </p:nvSpPr>
+        <p:spPr>
+          <a:xfrm>
+            <a:off x="709612" y="2948361"/>
+            <a:ext cx="10772775" cy="961277"/>
+          </a:xfrm>
+          <a:prstGeom prst="rect">
+            <a:avLst/>
+          </a:prstGeom>
+        </p:spPr>
+        <p:txBody>
+          <a:bodyPr vert="horz" lIns="91440" tIns="45720" rIns="91440" bIns="45720" rtlCol="0" anchor="ctr">
+            <a:normAutofit/>
+          </a:bodyPr>
+          <a:lstStyle>
+            <a:lvl1pPr algn="l" defTabSz="914400" rtl="0" eaLnBrk="1" latinLnBrk="0" hangingPunct="1">
+              <a:lnSpc>
+                <a:spcPct val="90000"/>
+              </a:lnSpc>
+              <a:spcBef>
+                <a:spcPct val="0"/>
+              </a:spcBef>
+              <a:buNone/>
+              <a:defRPr sz="4400" kern="1200">
+                <a:solidFill>
+                  <a:schemeClr val="tx1"/>
+                </a:solidFill>
+                <a:latin typeface="+mj-lt"/>
+                <a:ea typeface="+mj-ea"/>
+                <a:cs typeface="+mj-cs"/>
+              </a:defRPr>
+            </a:lvl1pPr>
+          </a:lstStyle>
+          <a:p>
+            <a:pPr algn="ctr"/>
+            <a:r>
+              <a:rPr lang="en-US" sz="6000" b="1" dirty="0">
+                <a:solidFill>
+                  <a:schemeClr val="bg1"/>
+                </a:solidFill>
+                <a:latin typeface="+mn-lt"/>
+              </a:rPr>
+              <a:t>Thanks for Watching !</a:t>
+            </a:r>
+          </a:p>
+        </p:txBody>
+      </p:sp>
+    </p:spTree>
+    <p:extLst>
+      <p:ext uri="{BB962C8B-B14F-4D97-AF65-F5344CB8AC3E}">
+        <p14:creationId xmlns:p14="http://schemas.microsoft.com/office/powerpoint/2010/main" val="2794600006"/>
+      </p:ext>
+    </p:extLst>
+  </p:cSld>
+  <p:clrMapOvr>
+    <a:masterClrMapping/>
+  </p:clrMapOvr>
+</p:sld>
+</file>
+
+<file path=ppt/slides/slide12.xml><?xml version="1.0" encoding="utf-8"?>
 <p:sld xmlns:a="http://schemas.openxmlformats.org/drawingml/2006/main" xmlns:r="http://schemas.openxmlformats.org/officeDocument/2006/relationships" xmlns:p="http://schemas.openxmlformats.org/presentationml/2006/main">
   <p:cSld>
     <p:spTree>
@@ -9311,7 +8005,2024 @@
 </p:sld>
 </file>
 
+<file path=ppt/slides/slide13.xml><?xml version="1.0" encoding="utf-8"?>
+<p:sld xmlns:a="http://schemas.openxmlformats.org/drawingml/2006/main" xmlns:r="http://schemas.openxmlformats.org/officeDocument/2006/relationships" xmlns:p="http://schemas.openxmlformats.org/presentationml/2006/main">
+  <p:cSld>
+    <p:spTree>
+      <p:nvGrpSpPr>
+        <p:cNvPr id="1" name=""/>
+        <p:cNvGrpSpPr/>
+        <p:nvPr/>
+      </p:nvGrpSpPr>
+      <p:grpSpPr>
+        <a:xfrm>
+          <a:off x="0" y="0"/>
+          <a:ext cx="0" cy="0"/>
+          <a:chOff x="0" y="0"/>
+          <a:chExt cx="0" cy="0"/>
+        </a:xfrm>
+      </p:grpSpPr>
+      <p:sp>
+        <p:nvSpPr>
+          <p:cNvPr id="19" name="Title 1">
+            <a:extLst>
+              <a:ext uri="{FF2B5EF4-FFF2-40B4-BE49-F238E27FC236}">
+                <a16:creationId xmlns:a16="http://schemas.microsoft.com/office/drawing/2014/main" id="{1145B1FC-8B5F-4A10-B215-C60705EDF134}"/>
+              </a:ext>
+            </a:extLst>
+          </p:cNvPr>
+          <p:cNvSpPr txBox="1">
+            <a:spLocks/>
+          </p:cNvSpPr>
+          <p:nvPr/>
+        </p:nvSpPr>
+        <p:spPr>
+          <a:xfrm>
+            <a:off x="807186" y="45839"/>
+            <a:ext cx="10772775" cy="961277"/>
+          </a:xfrm>
+          <a:prstGeom prst="rect">
+            <a:avLst/>
+          </a:prstGeom>
+        </p:spPr>
+        <p:txBody>
+          <a:bodyPr vert="horz" lIns="91440" tIns="45720" rIns="91440" bIns="45720" rtlCol="0" anchor="ctr">
+            <a:normAutofit/>
+          </a:bodyPr>
+          <a:lstStyle>
+            <a:lvl1pPr algn="l" defTabSz="914400" rtl="0" eaLnBrk="1" latinLnBrk="0" hangingPunct="1">
+              <a:lnSpc>
+                <a:spcPct val="90000"/>
+              </a:lnSpc>
+              <a:spcBef>
+                <a:spcPct val="0"/>
+              </a:spcBef>
+              <a:buNone/>
+              <a:defRPr sz="4400" kern="1200">
+                <a:solidFill>
+                  <a:schemeClr val="tx1"/>
+                </a:solidFill>
+                <a:latin typeface="+mj-lt"/>
+                <a:ea typeface="+mj-ea"/>
+                <a:cs typeface="+mj-cs"/>
+              </a:defRPr>
+            </a:lvl1pPr>
+          </a:lstStyle>
+          <a:p>
+            <a:pPr algn="ctr"/>
+            <a:r>
+              <a:rPr lang="en-US" b="1" dirty="0">
+                <a:solidFill>
+                  <a:schemeClr val="accent1">
+                    <a:lumMod val="75000"/>
+                  </a:schemeClr>
+                </a:solidFill>
+                <a:latin typeface="+mn-lt"/>
+              </a:rPr>
+              <a:t>Visual Interface</a:t>
+            </a:r>
+          </a:p>
+        </p:txBody>
+      </p:sp>
+      <p:pic>
+        <p:nvPicPr>
+          <p:cNvPr id="20" name="Picture 19" descr="A picture containing object&#10;&#10;Description generated with very high confidence">
+            <a:extLst>
+              <a:ext uri="{FF2B5EF4-FFF2-40B4-BE49-F238E27FC236}">
+                <a16:creationId xmlns:a16="http://schemas.microsoft.com/office/drawing/2014/main" id="{BFA8EE74-C4C5-4B64-A157-B93B22BF494E}"/>
+              </a:ext>
+            </a:extLst>
+          </p:cNvPr>
+          <p:cNvPicPr>
+            <a:picLocks noChangeAspect="1"/>
+          </p:cNvPicPr>
+          <p:nvPr/>
+        </p:nvPicPr>
+        <p:blipFill>
+          <a:blip r:embed="rId3">
+            <a:extLst>
+              <a:ext uri="{28A0092B-C50C-407E-A947-70E740481C1C}">
+                <a14:useLocalDpi xmlns:a14="http://schemas.microsoft.com/office/drawing/2010/main" val="0"/>
+              </a:ext>
+            </a:extLst>
+          </a:blip>
+          <a:stretch>
+            <a:fillRect/>
+          </a:stretch>
+        </p:blipFill>
+        <p:spPr>
+          <a:xfrm>
+            <a:off x="9835376" y="6328400"/>
+            <a:ext cx="2223771" cy="428280"/>
+          </a:xfrm>
+          <a:prstGeom prst="rect">
+            <a:avLst/>
+          </a:prstGeom>
+        </p:spPr>
+      </p:pic>
+      <p:pic>
+        <p:nvPicPr>
+          <p:cNvPr id="4" name="Picture 3" descr="Text&#10;&#10;Description automatically generated">
+            <a:extLst>
+              <a:ext uri="{FF2B5EF4-FFF2-40B4-BE49-F238E27FC236}">
+                <a16:creationId xmlns:a16="http://schemas.microsoft.com/office/drawing/2014/main" id="{C11F4A81-6AFA-4ADB-8DE1-3B4330BD12F2}"/>
+              </a:ext>
+            </a:extLst>
+          </p:cNvPr>
+          <p:cNvPicPr>
+            <a:picLocks noChangeAspect="1"/>
+          </p:cNvPicPr>
+          <p:nvPr/>
+        </p:nvPicPr>
+        <p:blipFill>
+          <a:blip r:embed="rId4">
+            <a:extLst>
+              <a:ext uri="{28A0092B-C50C-407E-A947-70E740481C1C}">
+                <a14:useLocalDpi xmlns:a14="http://schemas.microsoft.com/office/drawing/2010/main" val="0"/>
+              </a:ext>
+            </a:extLst>
+          </a:blip>
+          <a:stretch>
+            <a:fillRect/>
+          </a:stretch>
+        </p:blipFill>
+        <p:spPr>
+          <a:xfrm>
+            <a:off x="231139" y="878779"/>
+            <a:ext cx="11729721" cy="4615072"/>
+          </a:xfrm>
+          <a:prstGeom prst="rect">
+            <a:avLst/>
+          </a:prstGeom>
+        </p:spPr>
+      </p:pic>
+      <p:sp>
+        <p:nvSpPr>
+          <p:cNvPr id="8" name="Rectangle 7">
+            <a:extLst>
+              <a:ext uri="{FF2B5EF4-FFF2-40B4-BE49-F238E27FC236}">
+                <a16:creationId xmlns:a16="http://schemas.microsoft.com/office/drawing/2014/main" id="{768BDC41-8315-4989-84E1-694E907E759E}"/>
+              </a:ext>
+            </a:extLst>
+          </p:cNvPr>
+          <p:cNvSpPr/>
+          <p:nvPr/>
+        </p:nvSpPr>
+        <p:spPr>
+          <a:xfrm>
+            <a:off x="0" y="5676901"/>
+            <a:ext cx="12192000" cy="524260"/>
+          </a:xfrm>
+          <a:prstGeom prst="rect">
+            <a:avLst/>
+          </a:prstGeom>
+          <a:solidFill>
+            <a:schemeClr val="accent1">
+              <a:lumMod val="75000"/>
+            </a:schemeClr>
+          </a:solidFill>
+        </p:spPr>
+        <p:style>
+          <a:lnRef idx="2">
+            <a:schemeClr val="accent1">
+              <a:shade val="50000"/>
+            </a:schemeClr>
+          </a:lnRef>
+          <a:fillRef idx="1">
+            <a:schemeClr val="accent1"/>
+          </a:fillRef>
+          <a:effectRef idx="0">
+            <a:schemeClr val="accent1"/>
+          </a:effectRef>
+          <a:fontRef idx="minor">
+            <a:schemeClr val="lt1"/>
+          </a:fontRef>
+        </p:style>
+        <p:txBody>
+          <a:bodyPr rtlCol="0" anchor="ctr"/>
+          <a:lstStyle/>
+          <a:p>
+            <a:pPr algn="ctr"/>
+            <a:r>
+              <a:rPr lang="en-US" sz="2800" b="1" dirty="0"/>
+              <a:t>The Interface is designed to be Intuitive, Accessible and Minimalist</a:t>
+            </a:r>
+          </a:p>
+        </p:txBody>
+      </p:sp>
+    </p:spTree>
+    <p:extLst>
+      <p:ext uri="{BB962C8B-B14F-4D97-AF65-F5344CB8AC3E}">
+        <p14:creationId xmlns:p14="http://schemas.microsoft.com/office/powerpoint/2010/main" val="4034023474"/>
+      </p:ext>
+    </p:extLst>
+  </p:cSld>
+  <p:clrMapOvr>
+    <a:masterClrMapping/>
+  </p:clrMapOvr>
+  <p:timing>
+    <p:tnLst>
+      <p:par>
+        <p:cTn id="1" dur="indefinite" restart="never" nodeType="tmRoot">
+          <p:childTnLst>
+            <p:seq concurrent="1" nextAc="seek">
+              <p:cTn id="2" dur="indefinite" nodeType="mainSeq">
+                <p:childTnLst>
+                  <p:par>
+                    <p:cTn id="3" fill="hold">
+                      <p:stCondLst>
+                        <p:cond delay="indefinite"/>
+                      </p:stCondLst>
+                      <p:childTnLst>
+                        <p:par>
+                          <p:cTn id="4" fill="hold">
+                            <p:stCondLst>
+                              <p:cond delay="0"/>
+                            </p:stCondLst>
+                            <p:childTnLst>
+                              <p:par>
+                                <p:cTn id="5" presetID="1" presetClass="entr" presetSubtype="0" fill="hold" nodeType="clickEffect">
+                                  <p:stCondLst>
+                                    <p:cond delay="0"/>
+                                  </p:stCondLst>
+                                  <p:childTnLst>
+                                    <p:set>
+                                      <p:cBhvr>
+                                        <p:cTn id="6" dur="1" fill="hold">
+                                          <p:stCondLst>
+                                            <p:cond delay="0"/>
+                                          </p:stCondLst>
+                                        </p:cTn>
+                                        <p:tgtEl>
+                                          <p:spTgt spid="4"/>
+                                        </p:tgtEl>
+                                        <p:attrNameLst>
+                                          <p:attrName>style.visibility</p:attrName>
+                                        </p:attrNameLst>
+                                      </p:cBhvr>
+                                      <p:to>
+                                        <p:strVal val="visible"/>
+                                      </p:to>
+                                    </p:set>
+                                  </p:childTnLst>
+                                </p:cTn>
+                              </p:par>
+                            </p:childTnLst>
+                          </p:cTn>
+                        </p:par>
+                      </p:childTnLst>
+                    </p:cTn>
+                  </p:par>
+                  <p:par>
+                    <p:cTn id="7" fill="hold">
+                      <p:stCondLst>
+                        <p:cond delay="indefinite"/>
+                      </p:stCondLst>
+                      <p:childTnLst>
+                        <p:par>
+                          <p:cTn id="8" fill="hold">
+                            <p:stCondLst>
+                              <p:cond delay="0"/>
+                            </p:stCondLst>
+                            <p:childTnLst>
+                              <p:par>
+                                <p:cTn id="9" presetID="1" presetClass="entr" presetSubtype="0" fill="hold" grpId="0" nodeType="clickEffect">
+                                  <p:stCondLst>
+                                    <p:cond delay="0"/>
+                                  </p:stCondLst>
+                                  <p:childTnLst>
+                                    <p:set>
+                                      <p:cBhvr>
+                                        <p:cTn id="10" dur="1" fill="hold">
+                                          <p:stCondLst>
+                                            <p:cond delay="0"/>
+                                          </p:stCondLst>
+                                        </p:cTn>
+                                        <p:tgtEl>
+                                          <p:spTgt spid="8"/>
+                                        </p:tgtEl>
+                                        <p:attrNameLst>
+                                          <p:attrName>style.visibility</p:attrName>
+                                        </p:attrNameLst>
+                                      </p:cBhvr>
+                                      <p:to>
+                                        <p:strVal val="visible"/>
+                                      </p:to>
+                                    </p:set>
+                                  </p:childTnLst>
+                                </p:cTn>
+                              </p:par>
+                            </p:childTnLst>
+                          </p:cTn>
+                        </p:par>
+                      </p:childTnLst>
+                    </p:cTn>
+                  </p:par>
+                </p:childTnLst>
+              </p:cTn>
+              <p:prevCondLst>
+                <p:cond evt="onPrev" delay="0">
+                  <p:tgtEl>
+                    <p:sldTgt/>
+                  </p:tgtEl>
+                </p:cond>
+              </p:prevCondLst>
+              <p:nextCondLst>
+                <p:cond evt="onNext" delay="0">
+                  <p:tgtEl>
+                    <p:sldTgt/>
+                  </p:tgtEl>
+                </p:cond>
+              </p:nextCondLst>
+            </p:seq>
+          </p:childTnLst>
+        </p:cTn>
+      </p:par>
+    </p:tnLst>
+    <p:bldLst>
+      <p:bldP spid="8" grpId="0" animBg="1"/>
+    </p:bldLst>
+  </p:timing>
+</p:sld>
+</file>
+
+<file path=ppt/slides/slide14.xml><?xml version="1.0" encoding="utf-8"?>
+<p:sld xmlns:a="http://schemas.openxmlformats.org/drawingml/2006/main" xmlns:r="http://schemas.openxmlformats.org/officeDocument/2006/relationships" xmlns:p="http://schemas.openxmlformats.org/presentationml/2006/main">
+  <p:cSld>
+    <p:spTree>
+      <p:nvGrpSpPr>
+        <p:cNvPr id="1" name=""/>
+        <p:cNvGrpSpPr/>
+        <p:nvPr/>
+      </p:nvGrpSpPr>
+      <p:grpSpPr>
+        <a:xfrm>
+          <a:off x="0" y="0"/>
+          <a:ext cx="0" cy="0"/>
+          <a:chOff x="0" y="0"/>
+          <a:chExt cx="0" cy="0"/>
+        </a:xfrm>
+      </p:grpSpPr>
+      <p:pic>
+        <p:nvPicPr>
+          <p:cNvPr id="20" name="Picture 19" descr="A picture containing object&#10;&#10;Description generated with very high confidence">
+            <a:extLst>
+              <a:ext uri="{FF2B5EF4-FFF2-40B4-BE49-F238E27FC236}">
+                <a16:creationId xmlns:a16="http://schemas.microsoft.com/office/drawing/2014/main" id="{BFA8EE74-C4C5-4B64-A157-B93B22BF494E}"/>
+              </a:ext>
+            </a:extLst>
+          </p:cNvPr>
+          <p:cNvPicPr>
+            <a:picLocks noChangeAspect="1"/>
+          </p:cNvPicPr>
+          <p:nvPr/>
+        </p:nvPicPr>
+        <p:blipFill>
+          <a:blip r:embed="rId3">
+            <a:extLst>
+              <a:ext uri="{28A0092B-C50C-407E-A947-70E740481C1C}">
+                <a14:useLocalDpi xmlns:a14="http://schemas.microsoft.com/office/drawing/2010/main" val="0"/>
+              </a:ext>
+            </a:extLst>
+          </a:blip>
+          <a:stretch>
+            <a:fillRect/>
+          </a:stretch>
+        </p:blipFill>
+        <p:spPr>
+          <a:xfrm>
+            <a:off x="9835376" y="6328400"/>
+            <a:ext cx="2223771" cy="428280"/>
+          </a:xfrm>
+          <a:prstGeom prst="rect">
+            <a:avLst/>
+          </a:prstGeom>
+        </p:spPr>
+      </p:pic>
+      <p:pic>
+        <p:nvPicPr>
+          <p:cNvPr id="6" name="Picture 5">
+            <a:extLst>
+              <a:ext uri="{FF2B5EF4-FFF2-40B4-BE49-F238E27FC236}">
+                <a16:creationId xmlns:a16="http://schemas.microsoft.com/office/drawing/2014/main" id="{60146A07-5939-4B4C-A207-28138531FC9B}"/>
+              </a:ext>
+            </a:extLst>
+          </p:cNvPr>
+          <p:cNvPicPr>
+            <a:picLocks noChangeAspect="1"/>
+          </p:cNvPicPr>
+          <p:nvPr/>
+        </p:nvPicPr>
+        <p:blipFill>
+          <a:blip r:embed="rId4">
+            <a:extLst>
+              <a:ext uri="{28A0092B-C50C-407E-A947-70E740481C1C}">
+                <a14:useLocalDpi xmlns:a14="http://schemas.microsoft.com/office/drawing/2010/main" val="0"/>
+              </a:ext>
+            </a:extLst>
+          </a:blip>
+          <a:stretch>
+            <a:fillRect/>
+          </a:stretch>
+        </p:blipFill>
+        <p:spPr>
+          <a:xfrm>
+            <a:off x="1143017" y="1620712"/>
+            <a:ext cx="3998477" cy="3829035"/>
+          </a:xfrm>
+          <a:prstGeom prst="roundRect">
+            <a:avLst>
+              <a:gd name="adj" fmla="val 4167"/>
+            </a:avLst>
+          </a:prstGeom>
+          <a:solidFill>
+            <a:srgbClr val="FFFFFF"/>
+          </a:solidFill>
+          <a:ln w="19050" cap="sq">
+            <a:solidFill>
+              <a:schemeClr val="accent6">
+                <a:lumMod val="75000"/>
+              </a:schemeClr>
+            </a:solidFill>
+            <a:miter lim="800000"/>
+          </a:ln>
+          <a:effectLst/>
+        </p:spPr>
+      </p:pic>
+      <p:sp>
+        <p:nvSpPr>
+          <p:cNvPr id="2" name="TextBox 1">
+            <a:extLst>
+              <a:ext uri="{FF2B5EF4-FFF2-40B4-BE49-F238E27FC236}">
+                <a16:creationId xmlns:a16="http://schemas.microsoft.com/office/drawing/2014/main" id="{71145916-CCB3-48D4-ACDB-473DAB15D660}"/>
+              </a:ext>
+            </a:extLst>
+          </p:cNvPr>
+          <p:cNvSpPr txBox="1"/>
+          <p:nvPr/>
+        </p:nvSpPr>
+        <p:spPr>
+          <a:xfrm>
+            <a:off x="7770488" y="1195142"/>
+            <a:ext cx="2517212" cy="461665"/>
+          </a:xfrm>
+          <a:prstGeom prst="rect">
+            <a:avLst/>
+          </a:prstGeom>
+          <a:noFill/>
+        </p:spPr>
+        <p:txBody>
+          <a:bodyPr wrap="square" rtlCol="0">
+            <a:spAutoFit/>
+          </a:bodyPr>
+          <a:lstStyle/>
+          <a:p>
+            <a:r>
+              <a:rPr lang="en-US" sz="2400" b="1" dirty="0"/>
+              <a:t>Explicit Feedback</a:t>
+            </a:r>
+          </a:p>
+        </p:txBody>
+      </p:sp>
+      <p:sp>
+        <p:nvSpPr>
+          <p:cNvPr id="8" name="TextBox 7">
+            <a:extLst>
+              <a:ext uri="{FF2B5EF4-FFF2-40B4-BE49-F238E27FC236}">
+                <a16:creationId xmlns:a16="http://schemas.microsoft.com/office/drawing/2014/main" id="{9C95FAEF-B2D2-41AC-A625-81510D00297A}"/>
+              </a:ext>
+            </a:extLst>
+          </p:cNvPr>
+          <p:cNvSpPr txBox="1"/>
+          <p:nvPr/>
+        </p:nvSpPr>
+        <p:spPr>
+          <a:xfrm>
+            <a:off x="1920052" y="1123905"/>
+            <a:ext cx="2444408" cy="461665"/>
+          </a:xfrm>
+          <a:prstGeom prst="rect">
+            <a:avLst/>
+          </a:prstGeom>
+          <a:noFill/>
+        </p:spPr>
+        <p:txBody>
+          <a:bodyPr wrap="square" rtlCol="0">
+            <a:spAutoFit/>
+          </a:bodyPr>
+          <a:lstStyle/>
+          <a:p>
+            <a:r>
+              <a:rPr lang="en-US" sz="2400" b="1" dirty="0"/>
+              <a:t>Implicit Feedback</a:t>
+            </a:r>
+          </a:p>
+        </p:txBody>
+      </p:sp>
+      <p:sp>
+        <p:nvSpPr>
+          <p:cNvPr id="9" name="Rectangle 8">
+            <a:extLst>
+              <a:ext uri="{FF2B5EF4-FFF2-40B4-BE49-F238E27FC236}">
+                <a16:creationId xmlns:a16="http://schemas.microsoft.com/office/drawing/2014/main" id="{8B5554A4-C420-4916-B8A4-DF47C2AF3220}"/>
+              </a:ext>
+            </a:extLst>
+          </p:cNvPr>
+          <p:cNvSpPr/>
+          <p:nvPr/>
+        </p:nvSpPr>
+        <p:spPr>
+          <a:xfrm>
+            <a:off x="0" y="5676901"/>
+            <a:ext cx="12192000" cy="524260"/>
+          </a:xfrm>
+          <a:prstGeom prst="rect">
+            <a:avLst/>
+          </a:prstGeom>
+          <a:solidFill>
+            <a:schemeClr val="accent1">
+              <a:lumMod val="75000"/>
+            </a:schemeClr>
+          </a:solidFill>
+        </p:spPr>
+        <p:style>
+          <a:lnRef idx="2">
+            <a:schemeClr val="accent1">
+              <a:shade val="50000"/>
+            </a:schemeClr>
+          </a:lnRef>
+          <a:fillRef idx="1">
+            <a:schemeClr val="accent1"/>
+          </a:fillRef>
+          <a:effectRef idx="0">
+            <a:schemeClr val="accent1"/>
+          </a:effectRef>
+          <a:fontRef idx="minor">
+            <a:schemeClr val="lt1"/>
+          </a:fontRef>
+        </p:style>
+        <p:txBody>
+          <a:bodyPr rtlCol="0" anchor="ctr"/>
+          <a:lstStyle/>
+          <a:p>
+            <a:pPr algn="ctr"/>
+            <a:r>
+              <a:rPr lang="en-US" sz="2800" b="1" dirty="0"/>
+              <a:t>Each Implicit/Explicit interaction provides new labeled training instance</a:t>
+            </a:r>
+          </a:p>
+        </p:txBody>
+      </p:sp>
+      <p:sp>
+        <p:nvSpPr>
+          <p:cNvPr id="10" name="Title 1">
+            <a:extLst>
+              <a:ext uri="{FF2B5EF4-FFF2-40B4-BE49-F238E27FC236}">
+                <a16:creationId xmlns:a16="http://schemas.microsoft.com/office/drawing/2014/main" id="{D2402BF8-4820-4D04-810D-027A580D0FA9}"/>
+              </a:ext>
+            </a:extLst>
+          </p:cNvPr>
+          <p:cNvSpPr txBox="1">
+            <a:spLocks/>
+          </p:cNvSpPr>
+          <p:nvPr/>
+        </p:nvSpPr>
+        <p:spPr>
+          <a:xfrm>
+            <a:off x="709612" y="44194"/>
+            <a:ext cx="10772775" cy="961277"/>
+          </a:xfrm>
+          <a:prstGeom prst="rect">
+            <a:avLst/>
+          </a:prstGeom>
+        </p:spPr>
+        <p:txBody>
+          <a:bodyPr vert="horz" lIns="91440" tIns="45720" rIns="91440" bIns="45720" rtlCol="0" anchor="ctr">
+            <a:normAutofit/>
+          </a:bodyPr>
+          <a:lstStyle>
+            <a:lvl1pPr algn="l" defTabSz="914400" rtl="0" eaLnBrk="1" latinLnBrk="0" hangingPunct="1">
+              <a:lnSpc>
+                <a:spcPct val="90000"/>
+              </a:lnSpc>
+              <a:spcBef>
+                <a:spcPct val="0"/>
+              </a:spcBef>
+              <a:buNone/>
+              <a:defRPr sz="4400" kern="1200">
+                <a:solidFill>
+                  <a:schemeClr val="tx1"/>
+                </a:solidFill>
+                <a:latin typeface="+mj-lt"/>
+                <a:ea typeface="+mj-ea"/>
+                <a:cs typeface="+mj-cs"/>
+              </a:defRPr>
+            </a:lvl1pPr>
+          </a:lstStyle>
+          <a:p>
+            <a:pPr algn="ctr"/>
+            <a:r>
+              <a:rPr lang="en-US" b="1" dirty="0">
+                <a:solidFill>
+                  <a:schemeClr val="accent1">
+                    <a:lumMod val="75000"/>
+                  </a:schemeClr>
+                </a:solidFill>
+                <a:latin typeface="+mn-lt"/>
+              </a:rPr>
+              <a:t>Refining Model</a:t>
+            </a:r>
+          </a:p>
+        </p:txBody>
+      </p:sp>
+      <p:pic>
+        <p:nvPicPr>
+          <p:cNvPr id="4" name="Picture 3" descr="Graphical user interface, text, application, chat or text message&#10;&#10;Description automatically generated">
+            <a:extLst>
+              <a:ext uri="{FF2B5EF4-FFF2-40B4-BE49-F238E27FC236}">
+                <a16:creationId xmlns:a16="http://schemas.microsoft.com/office/drawing/2014/main" id="{E915860C-CBB3-4A20-9A9C-A2F3175C21E1}"/>
+              </a:ext>
+            </a:extLst>
+          </p:cNvPr>
+          <p:cNvPicPr>
+            <a:picLocks noChangeAspect="1"/>
+          </p:cNvPicPr>
+          <p:nvPr/>
+        </p:nvPicPr>
+        <p:blipFill>
+          <a:blip r:embed="rId5">
+            <a:extLst>
+              <a:ext uri="{28A0092B-C50C-407E-A947-70E740481C1C}">
+                <a14:useLocalDpi xmlns:a14="http://schemas.microsoft.com/office/drawing/2010/main" val="0"/>
+              </a:ext>
+            </a:extLst>
+          </a:blip>
+          <a:stretch>
+            <a:fillRect/>
+          </a:stretch>
+        </p:blipFill>
+        <p:spPr>
+          <a:xfrm>
+            <a:off x="6452010" y="1784046"/>
+            <a:ext cx="4865695" cy="2077399"/>
+          </a:xfrm>
+          <a:prstGeom prst="rect">
+            <a:avLst/>
+          </a:prstGeom>
+        </p:spPr>
+      </p:pic>
+    </p:spTree>
+    <p:extLst>
+      <p:ext uri="{BB962C8B-B14F-4D97-AF65-F5344CB8AC3E}">
+        <p14:creationId xmlns:p14="http://schemas.microsoft.com/office/powerpoint/2010/main" val="1239597520"/>
+      </p:ext>
+    </p:extLst>
+  </p:cSld>
+  <p:clrMapOvr>
+    <a:masterClrMapping/>
+  </p:clrMapOvr>
+  <p:timing>
+    <p:tnLst>
+      <p:par>
+        <p:cTn id="1" dur="indefinite" restart="never" nodeType="tmRoot">
+          <p:childTnLst>
+            <p:seq concurrent="1" nextAc="seek">
+              <p:cTn id="2" dur="indefinite" nodeType="mainSeq">
+                <p:childTnLst>
+                  <p:par>
+                    <p:cTn id="3" fill="hold">
+                      <p:stCondLst>
+                        <p:cond delay="indefinite"/>
+                      </p:stCondLst>
+                      <p:childTnLst>
+                        <p:par>
+                          <p:cTn id="4" fill="hold">
+                            <p:stCondLst>
+                              <p:cond delay="0"/>
+                            </p:stCondLst>
+                            <p:childTnLst>
+                              <p:par>
+                                <p:cTn id="5" presetID="1" presetClass="entr" presetSubtype="0" fill="hold" nodeType="clickEffect">
+                                  <p:stCondLst>
+                                    <p:cond delay="0"/>
+                                  </p:stCondLst>
+                                  <p:childTnLst>
+                                    <p:set>
+                                      <p:cBhvr>
+                                        <p:cTn id="6" dur="1" fill="hold">
+                                          <p:stCondLst>
+                                            <p:cond delay="0"/>
+                                          </p:stCondLst>
+                                        </p:cTn>
+                                        <p:tgtEl>
+                                          <p:spTgt spid="6"/>
+                                        </p:tgtEl>
+                                        <p:attrNameLst>
+                                          <p:attrName>style.visibility</p:attrName>
+                                        </p:attrNameLst>
+                                      </p:cBhvr>
+                                      <p:to>
+                                        <p:strVal val="visible"/>
+                                      </p:to>
+                                    </p:set>
+                                  </p:childTnLst>
+                                </p:cTn>
+                              </p:par>
+                              <p:par>
+                                <p:cTn id="7" presetID="1" presetClass="entr" presetSubtype="0" fill="hold" grpId="0" nodeType="withEffect">
+                                  <p:stCondLst>
+                                    <p:cond delay="0"/>
+                                  </p:stCondLst>
+                                  <p:childTnLst>
+                                    <p:set>
+                                      <p:cBhvr>
+                                        <p:cTn id="8" dur="1" fill="hold">
+                                          <p:stCondLst>
+                                            <p:cond delay="0"/>
+                                          </p:stCondLst>
+                                        </p:cTn>
+                                        <p:tgtEl>
+                                          <p:spTgt spid="8"/>
+                                        </p:tgtEl>
+                                        <p:attrNameLst>
+                                          <p:attrName>style.visibility</p:attrName>
+                                        </p:attrNameLst>
+                                      </p:cBhvr>
+                                      <p:to>
+                                        <p:strVal val="visible"/>
+                                      </p:to>
+                                    </p:set>
+                                  </p:childTnLst>
+                                </p:cTn>
+                              </p:par>
+                            </p:childTnLst>
+                          </p:cTn>
+                        </p:par>
+                      </p:childTnLst>
+                    </p:cTn>
+                  </p:par>
+                  <p:par>
+                    <p:cTn id="9" fill="hold">
+                      <p:stCondLst>
+                        <p:cond delay="indefinite"/>
+                      </p:stCondLst>
+                      <p:childTnLst>
+                        <p:par>
+                          <p:cTn id="10" fill="hold">
+                            <p:stCondLst>
+                              <p:cond delay="0"/>
+                            </p:stCondLst>
+                            <p:childTnLst>
+                              <p:par>
+                                <p:cTn id="11" presetID="1" presetClass="entr" presetSubtype="0" fill="hold" nodeType="clickEffect">
+                                  <p:stCondLst>
+                                    <p:cond delay="0"/>
+                                  </p:stCondLst>
+                                  <p:childTnLst>
+                                    <p:set>
+                                      <p:cBhvr>
+                                        <p:cTn id="12" dur="1" fill="hold">
+                                          <p:stCondLst>
+                                            <p:cond delay="0"/>
+                                          </p:stCondLst>
+                                        </p:cTn>
+                                        <p:tgtEl>
+                                          <p:spTgt spid="4"/>
+                                        </p:tgtEl>
+                                        <p:attrNameLst>
+                                          <p:attrName>style.visibility</p:attrName>
+                                        </p:attrNameLst>
+                                      </p:cBhvr>
+                                      <p:to>
+                                        <p:strVal val="visible"/>
+                                      </p:to>
+                                    </p:set>
+                                  </p:childTnLst>
+                                </p:cTn>
+                              </p:par>
+                              <p:par>
+                                <p:cTn id="13" presetID="1" presetClass="entr" presetSubtype="0" fill="hold" grpId="0" nodeType="withEffect">
+                                  <p:stCondLst>
+                                    <p:cond delay="0"/>
+                                  </p:stCondLst>
+                                  <p:childTnLst>
+                                    <p:set>
+                                      <p:cBhvr>
+                                        <p:cTn id="14" dur="1" fill="hold">
+                                          <p:stCondLst>
+                                            <p:cond delay="0"/>
+                                          </p:stCondLst>
+                                        </p:cTn>
+                                        <p:tgtEl>
+                                          <p:spTgt spid="2"/>
+                                        </p:tgtEl>
+                                        <p:attrNameLst>
+                                          <p:attrName>style.visibility</p:attrName>
+                                        </p:attrNameLst>
+                                      </p:cBhvr>
+                                      <p:to>
+                                        <p:strVal val="visible"/>
+                                      </p:to>
+                                    </p:set>
+                                  </p:childTnLst>
+                                </p:cTn>
+                              </p:par>
+                            </p:childTnLst>
+                          </p:cTn>
+                        </p:par>
+                      </p:childTnLst>
+                    </p:cTn>
+                  </p:par>
+                  <p:par>
+                    <p:cTn id="15" fill="hold">
+                      <p:stCondLst>
+                        <p:cond delay="indefinite"/>
+                      </p:stCondLst>
+                      <p:childTnLst>
+                        <p:par>
+                          <p:cTn id="16" fill="hold">
+                            <p:stCondLst>
+                              <p:cond delay="0"/>
+                            </p:stCondLst>
+                            <p:childTnLst>
+                              <p:par>
+                                <p:cTn id="17" presetID="1" presetClass="entr" presetSubtype="0" fill="hold" grpId="0" nodeType="clickEffect">
+                                  <p:stCondLst>
+                                    <p:cond delay="0"/>
+                                  </p:stCondLst>
+                                  <p:childTnLst>
+                                    <p:set>
+                                      <p:cBhvr>
+                                        <p:cTn id="18" dur="1" fill="hold">
+                                          <p:stCondLst>
+                                            <p:cond delay="0"/>
+                                          </p:stCondLst>
+                                        </p:cTn>
+                                        <p:tgtEl>
+                                          <p:spTgt spid="9"/>
+                                        </p:tgtEl>
+                                        <p:attrNameLst>
+                                          <p:attrName>style.visibility</p:attrName>
+                                        </p:attrNameLst>
+                                      </p:cBhvr>
+                                      <p:to>
+                                        <p:strVal val="visible"/>
+                                      </p:to>
+                                    </p:set>
+                                  </p:childTnLst>
+                                </p:cTn>
+                              </p:par>
+                            </p:childTnLst>
+                          </p:cTn>
+                        </p:par>
+                      </p:childTnLst>
+                    </p:cTn>
+                  </p:par>
+                </p:childTnLst>
+              </p:cTn>
+              <p:prevCondLst>
+                <p:cond evt="onPrev" delay="0">
+                  <p:tgtEl>
+                    <p:sldTgt/>
+                  </p:tgtEl>
+                </p:cond>
+              </p:prevCondLst>
+              <p:nextCondLst>
+                <p:cond evt="onNext" delay="0">
+                  <p:tgtEl>
+                    <p:sldTgt/>
+                  </p:tgtEl>
+                </p:cond>
+              </p:nextCondLst>
+            </p:seq>
+          </p:childTnLst>
+        </p:cTn>
+      </p:par>
+    </p:tnLst>
+    <p:bldLst>
+      <p:bldP spid="2" grpId="0"/>
+      <p:bldP spid="8" grpId="0"/>
+      <p:bldP spid="9" grpId="0" animBg="1"/>
+    </p:bldLst>
+  </p:timing>
+</p:sld>
+</file>
+
 <file path=ppt/slides/slide15.xml><?xml version="1.0" encoding="utf-8"?>
+<p:sld xmlns:a="http://schemas.openxmlformats.org/drawingml/2006/main" xmlns:r="http://schemas.openxmlformats.org/officeDocument/2006/relationships" xmlns:p="http://schemas.openxmlformats.org/presentationml/2006/main">
+  <p:cSld>
+    <p:spTree>
+      <p:nvGrpSpPr>
+        <p:cNvPr id="1" name=""/>
+        <p:cNvGrpSpPr/>
+        <p:nvPr/>
+      </p:nvGrpSpPr>
+      <p:grpSpPr>
+        <a:xfrm>
+          <a:off x="0" y="0"/>
+          <a:ext cx="0" cy="0"/>
+          <a:chOff x="0" y="0"/>
+          <a:chExt cx="0" cy="0"/>
+        </a:xfrm>
+      </p:grpSpPr>
+      <p:pic>
+        <p:nvPicPr>
+          <p:cNvPr id="20" name="Picture 19" descr="A picture containing object&#10;&#10;Description generated with very high confidence">
+            <a:extLst>
+              <a:ext uri="{FF2B5EF4-FFF2-40B4-BE49-F238E27FC236}">
+                <a16:creationId xmlns:a16="http://schemas.microsoft.com/office/drawing/2014/main" id="{BFA8EE74-C4C5-4B64-A157-B93B22BF494E}"/>
+              </a:ext>
+            </a:extLst>
+          </p:cNvPr>
+          <p:cNvPicPr>
+            <a:picLocks noChangeAspect="1"/>
+          </p:cNvPicPr>
+          <p:nvPr/>
+        </p:nvPicPr>
+        <p:blipFill>
+          <a:blip r:embed="rId3">
+            <a:extLst>
+              <a:ext uri="{28A0092B-C50C-407E-A947-70E740481C1C}">
+                <a14:useLocalDpi xmlns:a14="http://schemas.microsoft.com/office/drawing/2010/main" val="0"/>
+              </a:ext>
+            </a:extLst>
+          </a:blip>
+          <a:stretch>
+            <a:fillRect/>
+          </a:stretch>
+        </p:blipFill>
+        <p:spPr>
+          <a:xfrm>
+            <a:off x="9835376" y="6328400"/>
+            <a:ext cx="2223771" cy="428280"/>
+          </a:xfrm>
+          <a:prstGeom prst="rect">
+            <a:avLst/>
+          </a:prstGeom>
+        </p:spPr>
+      </p:pic>
+      <p:grpSp>
+        <p:nvGrpSpPr>
+          <p:cNvPr id="25" name="Group 24">
+            <a:extLst>
+              <a:ext uri="{FF2B5EF4-FFF2-40B4-BE49-F238E27FC236}">
+                <a16:creationId xmlns:a16="http://schemas.microsoft.com/office/drawing/2014/main" id="{C1C38697-F416-4C58-8B16-D9117B86A266}"/>
+              </a:ext>
+            </a:extLst>
+          </p:cNvPr>
+          <p:cNvGrpSpPr/>
+          <p:nvPr/>
+        </p:nvGrpSpPr>
+        <p:grpSpPr>
+          <a:xfrm>
+            <a:off x="557482" y="1580634"/>
+            <a:ext cx="11077036" cy="3347225"/>
+            <a:chOff x="166932" y="1444276"/>
+            <a:chExt cx="11077036" cy="3347225"/>
+          </a:xfrm>
+        </p:grpSpPr>
+        <p:sp>
+          <p:nvSpPr>
+            <p:cNvPr id="26" name="Rectangle: Rounded Corners 25">
+              <a:extLst>
+                <a:ext uri="{FF2B5EF4-FFF2-40B4-BE49-F238E27FC236}">
+                  <a16:creationId xmlns:a16="http://schemas.microsoft.com/office/drawing/2014/main" id="{0275F320-9ADA-4A38-9620-50C91D2DF01D}"/>
+                </a:ext>
+              </a:extLst>
+            </p:cNvPr>
+            <p:cNvSpPr/>
+            <p:nvPr/>
+          </p:nvSpPr>
+          <p:spPr>
+            <a:xfrm>
+              <a:off x="4447340" y="4015894"/>
+              <a:ext cx="1560456" cy="775607"/>
+            </a:xfrm>
+            <a:prstGeom prst="roundRect">
+              <a:avLst/>
+            </a:prstGeom>
+            <a:ln w="15875">
+              <a:solidFill>
+                <a:schemeClr val="accent6">
+                  <a:lumMod val="75000"/>
+                </a:schemeClr>
+              </a:solidFill>
+            </a:ln>
+          </p:spPr>
+          <p:style>
+            <a:lnRef idx="2">
+              <a:schemeClr val="accent6"/>
+            </a:lnRef>
+            <a:fillRef idx="1">
+              <a:schemeClr val="lt1"/>
+            </a:fillRef>
+            <a:effectRef idx="0">
+              <a:schemeClr val="accent6"/>
+            </a:effectRef>
+            <a:fontRef idx="minor">
+              <a:schemeClr val="dk1"/>
+            </a:fontRef>
+          </p:style>
+          <p:txBody>
+            <a:bodyPr rtlCol="0" anchor="ctr"/>
+            <a:lstStyle/>
+            <a:p>
+              <a:pPr algn="ctr"/>
+              <a:r>
+                <a:rPr lang="en-US" dirty="0"/>
+                <a:t>Tokenizer</a:t>
+              </a:r>
+            </a:p>
+          </p:txBody>
+        </p:sp>
+        <p:sp>
+          <p:nvSpPr>
+            <p:cNvPr id="27" name="Rectangle: Rounded Corners 26">
+              <a:extLst>
+                <a:ext uri="{FF2B5EF4-FFF2-40B4-BE49-F238E27FC236}">
+                  <a16:creationId xmlns:a16="http://schemas.microsoft.com/office/drawing/2014/main" id="{5EA93776-B11C-471A-8BCC-8497B6416D9C}"/>
+                </a:ext>
+              </a:extLst>
+            </p:cNvPr>
+            <p:cNvSpPr/>
+            <p:nvPr/>
+          </p:nvSpPr>
+          <p:spPr>
+            <a:xfrm>
+              <a:off x="7130753" y="4015894"/>
+              <a:ext cx="1560456" cy="775607"/>
+            </a:xfrm>
+            <a:prstGeom prst="roundRect">
+              <a:avLst/>
+            </a:prstGeom>
+            <a:ln w="15875">
+              <a:solidFill>
+                <a:schemeClr val="accent6">
+                  <a:lumMod val="75000"/>
+                </a:schemeClr>
+              </a:solidFill>
+            </a:ln>
+          </p:spPr>
+          <p:style>
+            <a:lnRef idx="2">
+              <a:schemeClr val="accent6"/>
+            </a:lnRef>
+            <a:fillRef idx="1">
+              <a:schemeClr val="lt1"/>
+            </a:fillRef>
+            <a:effectRef idx="0">
+              <a:schemeClr val="accent6"/>
+            </a:effectRef>
+            <a:fontRef idx="minor">
+              <a:schemeClr val="dk1"/>
+            </a:fontRef>
+          </p:style>
+          <p:txBody>
+            <a:bodyPr rtlCol="0" anchor="ctr"/>
+            <a:lstStyle/>
+            <a:p>
+              <a:pPr algn="ctr"/>
+              <a:r>
+                <a:rPr lang="en-US" dirty="0"/>
+                <a:t>Named Entity Recognition</a:t>
+              </a:r>
+            </a:p>
+          </p:txBody>
+        </p:sp>
+        <p:sp>
+          <p:nvSpPr>
+            <p:cNvPr id="28" name="Rectangle: Rounded Corners 27">
+              <a:extLst>
+                <a:ext uri="{FF2B5EF4-FFF2-40B4-BE49-F238E27FC236}">
+                  <a16:creationId xmlns:a16="http://schemas.microsoft.com/office/drawing/2014/main" id="{4A981790-F50F-46EC-931B-1220981AF94A}"/>
+                </a:ext>
+              </a:extLst>
+            </p:cNvPr>
+            <p:cNvSpPr/>
+            <p:nvPr/>
+          </p:nvSpPr>
+          <p:spPr>
+            <a:xfrm>
+              <a:off x="9609532" y="2496080"/>
+              <a:ext cx="1634436" cy="1396093"/>
+            </a:xfrm>
+            <a:prstGeom prst="roundRect">
+              <a:avLst/>
+            </a:prstGeom>
+            <a:ln w="15875">
+              <a:solidFill>
+                <a:schemeClr val="accent6">
+                  <a:lumMod val="75000"/>
+                </a:schemeClr>
+              </a:solidFill>
+            </a:ln>
+          </p:spPr>
+          <p:style>
+            <a:lnRef idx="2">
+              <a:schemeClr val="accent6"/>
+            </a:lnRef>
+            <a:fillRef idx="1">
+              <a:schemeClr val="lt1"/>
+            </a:fillRef>
+            <a:effectRef idx="0">
+              <a:schemeClr val="accent6"/>
+            </a:effectRef>
+            <a:fontRef idx="minor">
+              <a:schemeClr val="dk1"/>
+            </a:fontRef>
+          </p:style>
+          <p:txBody>
+            <a:bodyPr rtlCol="0" anchor="ctr"/>
+            <a:lstStyle/>
+            <a:p>
+              <a:pPr algn="ctr"/>
+              <a:r>
+                <a:rPr lang="en-US" dirty="0"/>
+                <a:t>Active learner</a:t>
+              </a:r>
+            </a:p>
+            <a:p>
+              <a:pPr algn="ctr"/>
+              <a:r>
+                <a:rPr lang="en-US" dirty="0"/>
+                <a:t>(Classifier)</a:t>
+              </a:r>
+            </a:p>
+          </p:txBody>
+        </p:sp>
+        <p:sp>
+          <p:nvSpPr>
+            <p:cNvPr id="29" name="Rectangle: Rounded Corners 28">
+              <a:extLst>
+                <a:ext uri="{FF2B5EF4-FFF2-40B4-BE49-F238E27FC236}">
+                  <a16:creationId xmlns:a16="http://schemas.microsoft.com/office/drawing/2014/main" id="{63AEF4D7-6B18-4690-B837-F935E7B9BA3D}"/>
+                </a:ext>
+              </a:extLst>
+            </p:cNvPr>
+            <p:cNvSpPr/>
+            <p:nvPr/>
+          </p:nvSpPr>
+          <p:spPr>
+            <a:xfrm>
+              <a:off x="5995463" y="1559220"/>
+              <a:ext cx="1560456" cy="775607"/>
+            </a:xfrm>
+            <a:prstGeom prst="roundRect">
+              <a:avLst/>
+            </a:prstGeom>
+            <a:ln w="15875">
+              <a:solidFill>
+                <a:schemeClr val="accent6">
+                  <a:lumMod val="75000"/>
+                </a:schemeClr>
+              </a:solidFill>
+            </a:ln>
+          </p:spPr>
+          <p:style>
+            <a:lnRef idx="2">
+              <a:schemeClr val="accent6"/>
+            </a:lnRef>
+            <a:fillRef idx="1">
+              <a:schemeClr val="lt1"/>
+            </a:fillRef>
+            <a:effectRef idx="0">
+              <a:schemeClr val="accent6"/>
+            </a:effectRef>
+            <a:fontRef idx="minor">
+              <a:schemeClr val="dk1"/>
+            </a:fontRef>
+          </p:style>
+          <p:txBody>
+            <a:bodyPr rtlCol="0" anchor="ctr"/>
+            <a:lstStyle/>
+            <a:p>
+              <a:pPr algn="ctr"/>
+              <a:r>
+                <a:rPr lang="en-US" dirty="0"/>
+                <a:t>Alternatives</a:t>
+              </a:r>
+            </a:p>
+          </p:txBody>
+        </p:sp>
+        <p:cxnSp>
+          <p:nvCxnSpPr>
+            <p:cNvPr id="30" name="Straight Arrow Connector 29">
+              <a:extLst>
+                <a:ext uri="{FF2B5EF4-FFF2-40B4-BE49-F238E27FC236}">
+                  <a16:creationId xmlns:a16="http://schemas.microsoft.com/office/drawing/2014/main" id="{94ECFFB6-F5E7-4BFC-8270-86FE78E59692}"/>
+                </a:ext>
+              </a:extLst>
+            </p:cNvPr>
+            <p:cNvCxnSpPr>
+              <a:cxnSpLocks/>
+              <a:endCxn id="26" idx="1"/>
+            </p:cNvCxnSpPr>
+            <p:nvPr/>
+          </p:nvCxnSpPr>
+          <p:spPr>
+            <a:xfrm>
+              <a:off x="3449114" y="4403698"/>
+              <a:ext cx="998226" cy="0"/>
+            </a:xfrm>
+            <a:prstGeom prst="straightConnector1">
+              <a:avLst/>
+            </a:prstGeom>
+            <a:ln w="19050">
+              <a:solidFill>
+                <a:schemeClr val="accent6">
+                  <a:lumMod val="75000"/>
+                </a:schemeClr>
+              </a:solidFill>
+              <a:headEnd w="lg" len="med"/>
+              <a:tailEnd type="triangle" w="lg" len="lg"/>
+            </a:ln>
+          </p:spPr>
+          <p:style>
+            <a:lnRef idx="1">
+              <a:schemeClr val="dk1"/>
+            </a:lnRef>
+            <a:fillRef idx="0">
+              <a:schemeClr val="dk1"/>
+            </a:fillRef>
+            <a:effectRef idx="0">
+              <a:schemeClr val="dk1"/>
+            </a:effectRef>
+            <a:fontRef idx="minor">
+              <a:schemeClr val="tx1"/>
+            </a:fontRef>
+          </p:style>
+        </p:cxnSp>
+        <p:cxnSp>
+          <p:nvCxnSpPr>
+            <p:cNvPr id="31" name="Straight Arrow Connector 30">
+              <a:extLst>
+                <a:ext uri="{FF2B5EF4-FFF2-40B4-BE49-F238E27FC236}">
+                  <a16:creationId xmlns:a16="http://schemas.microsoft.com/office/drawing/2014/main" id="{E05E2699-7AAF-4B9E-A2F1-60C82D19CBF3}"/>
+                </a:ext>
+              </a:extLst>
+            </p:cNvPr>
+            <p:cNvCxnSpPr>
+              <a:cxnSpLocks/>
+              <a:stCxn id="26" idx="3"/>
+              <a:endCxn id="27" idx="1"/>
+            </p:cNvCxnSpPr>
+            <p:nvPr/>
+          </p:nvCxnSpPr>
+          <p:spPr>
+            <a:xfrm>
+              <a:off x="6007796" y="4403698"/>
+              <a:ext cx="1122957" cy="0"/>
+            </a:xfrm>
+            <a:prstGeom prst="straightConnector1">
+              <a:avLst/>
+            </a:prstGeom>
+            <a:ln w="19050">
+              <a:solidFill>
+                <a:schemeClr val="accent6">
+                  <a:lumMod val="75000"/>
+                </a:schemeClr>
+              </a:solidFill>
+              <a:headEnd w="lg" len="lg"/>
+              <a:tailEnd type="triangle" w="lg" len="lg"/>
+            </a:ln>
+          </p:spPr>
+          <p:style>
+            <a:lnRef idx="1">
+              <a:schemeClr val="dk1"/>
+            </a:lnRef>
+            <a:fillRef idx="0">
+              <a:schemeClr val="dk1"/>
+            </a:fillRef>
+            <a:effectRef idx="0">
+              <a:schemeClr val="dk1"/>
+            </a:effectRef>
+            <a:fontRef idx="minor">
+              <a:schemeClr val="tx1"/>
+            </a:fontRef>
+          </p:style>
+        </p:cxnSp>
+        <p:cxnSp>
+          <p:nvCxnSpPr>
+            <p:cNvPr id="32" name="Straight Arrow Connector 31">
+              <a:extLst>
+                <a:ext uri="{FF2B5EF4-FFF2-40B4-BE49-F238E27FC236}">
+                  <a16:creationId xmlns:a16="http://schemas.microsoft.com/office/drawing/2014/main" id="{58DC2056-5F30-4735-A110-54799BECFB65}"/>
+                </a:ext>
+              </a:extLst>
+            </p:cNvPr>
+            <p:cNvCxnSpPr>
+              <a:cxnSpLocks/>
+              <a:stCxn id="27" idx="3"/>
+              <a:endCxn id="28" idx="2"/>
+            </p:cNvCxnSpPr>
+            <p:nvPr/>
+          </p:nvCxnSpPr>
+          <p:spPr>
+            <a:xfrm flipV="1">
+              <a:off x="8691209" y="3892173"/>
+              <a:ext cx="1735541" cy="511525"/>
+            </a:xfrm>
+            <a:prstGeom prst="straightConnector1">
+              <a:avLst/>
+            </a:prstGeom>
+            <a:ln w="19050">
+              <a:solidFill>
+                <a:schemeClr val="accent6">
+                  <a:lumMod val="75000"/>
+                </a:schemeClr>
+              </a:solidFill>
+              <a:headEnd w="lg" len="med"/>
+              <a:tailEnd type="triangle" w="lg" len="lg"/>
+            </a:ln>
+          </p:spPr>
+          <p:style>
+            <a:lnRef idx="1">
+              <a:schemeClr val="dk1"/>
+            </a:lnRef>
+            <a:fillRef idx="0">
+              <a:schemeClr val="dk1"/>
+            </a:fillRef>
+            <a:effectRef idx="0">
+              <a:schemeClr val="dk1"/>
+            </a:effectRef>
+            <a:fontRef idx="minor">
+              <a:schemeClr val="tx1"/>
+            </a:fontRef>
+          </p:style>
+        </p:cxnSp>
+        <p:cxnSp>
+          <p:nvCxnSpPr>
+            <p:cNvPr id="33" name="Straight Arrow Connector 32">
+              <a:extLst>
+                <a:ext uri="{FF2B5EF4-FFF2-40B4-BE49-F238E27FC236}">
+                  <a16:creationId xmlns:a16="http://schemas.microsoft.com/office/drawing/2014/main" id="{DD25573C-71EA-44FA-AF0E-F3D70ED1520A}"/>
+                </a:ext>
+              </a:extLst>
+            </p:cNvPr>
+            <p:cNvCxnSpPr>
+              <a:cxnSpLocks/>
+              <a:stCxn id="29" idx="1"/>
+            </p:cNvCxnSpPr>
+            <p:nvPr/>
+          </p:nvCxnSpPr>
+          <p:spPr>
+            <a:xfrm flipH="1" flipV="1">
+              <a:off x="3449114" y="1947023"/>
+              <a:ext cx="2546349" cy="1"/>
+            </a:xfrm>
+            <a:prstGeom prst="straightConnector1">
+              <a:avLst/>
+            </a:prstGeom>
+            <a:ln w="19050">
+              <a:solidFill>
+                <a:schemeClr val="accent6">
+                  <a:lumMod val="75000"/>
+                </a:schemeClr>
+              </a:solidFill>
+              <a:headEnd w="lg" len="med"/>
+              <a:tailEnd type="triangle" w="lg" len="lg"/>
+            </a:ln>
+          </p:spPr>
+          <p:style>
+            <a:lnRef idx="1">
+              <a:schemeClr val="dk1"/>
+            </a:lnRef>
+            <a:fillRef idx="0">
+              <a:schemeClr val="dk1"/>
+            </a:fillRef>
+            <a:effectRef idx="0">
+              <a:schemeClr val="dk1"/>
+            </a:effectRef>
+            <a:fontRef idx="minor">
+              <a:schemeClr val="tx1"/>
+            </a:fontRef>
+          </p:style>
+        </p:cxnSp>
+        <p:cxnSp>
+          <p:nvCxnSpPr>
+            <p:cNvPr id="34" name="Straight Arrow Connector 33">
+              <a:extLst>
+                <a:ext uri="{FF2B5EF4-FFF2-40B4-BE49-F238E27FC236}">
+                  <a16:creationId xmlns:a16="http://schemas.microsoft.com/office/drawing/2014/main" id="{57B95F10-6496-4E3B-83BA-0DFA3CA6C5A9}"/>
+                </a:ext>
+              </a:extLst>
+            </p:cNvPr>
+            <p:cNvCxnSpPr>
+              <a:cxnSpLocks/>
+              <a:stCxn id="28" idx="0"/>
+              <a:endCxn id="29" idx="3"/>
+            </p:cNvCxnSpPr>
+            <p:nvPr/>
+          </p:nvCxnSpPr>
+          <p:spPr>
+            <a:xfrm flipH="1" flipV="1">
+              <a:off x="7555919" y="1947024"/>
+              <a:ext cx="2870831" cy="549056"/>
+            </a:xfrm>
+            <a:prstGeom prst="straightConnector1">
+              <a:avLst/>
+            </a:prstGeom>
+            <a:ln w="19050">
+              <a:solidFill>
+                <a:schemeClr val="accent6">
+                  <a:lumMod val="75000"/>
+                </a:schemeClr>
+              </a:solidFill>
+              <a:headEnd w="lg" len="med"/>
+              <a:tailEnd type="triangle" w="lg" len="lg"/>
+            </a:ln>
+          </p:spPr>
+          <p:style>
+            <a:lnRef idx="1">
+              <a:schemeClr val="dk1"/>
+            </a:lnRef>
+            <a:fillRef idx="0">
+              <a:schemeClr val="dk1"/>
+            </a:fillRef>
+            <a:effectRef idx="0">
+              <a:schemeClr val="dk1"/>
+            </a:effectRef>
+            <a:fontRef idx="minor">
+              <a:schemeClr val="tx1"/>
+            </a:fontRef>
+          </p:style>
+        </p:cxnSp>
+        <p:cxnSp>
+          <p:nvCxnSpPr>
+            <p:cNvPr id="35" name="Straight Arrow Connector 34">
+              <a:extLst>
+                <a:ext uri="{FF2B5EF4-FFF2-40B4-BE49-F238E27FC236}">
+                  <a16:creationId xmlns:a16="http://schemas.microsoft.com/office/drawing/2014/main" id="{6F028E16-D3FC-46DB-B37B-C061E5F347A5}"/>
+                </a:ext>
+              </a:extLst>
+            </p:cNvPr>
+            <p:cNvCxnSpPr>
+              <a:cxnSpLocks/>
+              <a:stCxn id="47" idx="3"/>
+              <a:endCxn id="28" idx="1"/>
+            </p:cNvCxnSpPr>
+            <p:nvPr/>
+          </p:nvCxnSpPr>
+          <p:spPr>
+            <a:xfrm>
+              <a:off x="3449114" y="3183203"/>
+              <a:ext cx="6160418" cy="10924"/>
+            </a:xfrm>
+            <a:prstGeom prst="straightConnector1">
+              <a:avLst/>
+            </a:prstGeom>
+            <a:ln w="19050">
+              <a:solidFill>
+                <a:schemeClr val="accent6">
+                  <a:lumMod val="75000"/>
+                </a:schemeClr>
+              </a:solidFill>
+              <a:headEnd w="lg" len="med"/>
+              <a:tailEnd type="triangle" w="lg" len="lg"/>
+            </a:ln>
+          </p:spPr>
+          <p:style>
+            <a:lnRef idx="1">
+              <a:schemeClr val="dk1"/>
+            </a:lnRef>
+            <a:fillRef idx="0">
+              <a:schemeClr val="dk1"/>
+            </a:fillRef>
+            <a:effectRef idx="0">
+              <a:schemeClr val="dk1"/>
+            </a:effectRef>
+            <a:fontRef idx="minor">
+              <a:schemeClr val="tx1"/>
+            </a:fontRef>
+          </p:style>
+        </p:cxnSp>
+        <p:sp>
+          <p:nvSpPr>
+            <p:cNvPr id="36" name="TextBox 35">
+              <a:extLst>
+                <a:ext uri="{FF2B5EF4-FFF2-40B4-BE49-F238E27FC236}">
+                  <a16:creationId xmlns:a16="http://schemas.microsoft.com/office/drawing/2014/main" id="{2E954E32-A0AE-414D-9F57-1C2430E07619}"/>
+                </a:ext>
+              </a:extLst>
+            </p:cNvPr>
+            <p:cNvSpPr txBox="1"/>
+            <p:nvPr/>
+          </p:nvSpPr>
+          <p:spPr>
+            <a:xfrm>
+              <a:off x="5171944" y="2813871"/>
+              <a:ext cx="2870831" cy="369332"/>
+            </a:xfrm>
+            <a:prstGeom prst="rect">
+              <a:avLst/>
+            </a:prstGeom>
+            <a:noFill/>
+          </p:spPr>
+          <p:txBody>
+            <a:bodyPr wrap="square" rtlCol="0">
+              <a:spAutoFit/>
+            </a:bodyPr>
+            <a:lstStyle/>
+            <a:p>
+              <a:r>
+                <a:rPr lang="en-US" dirty="0"/>
+                <a:t>Explicit + Implicit Feedback</a:t>
+              </a:r>
+            </a:p>
+          </p:txBody>
+        </p:sp>
+        <p:cxnSp>
+          <p:nvCxnSpPr>
+            <p:cNvPr id="39" name="Straight Arrow Connector 38">
+              <a:extLst>
+                <a:ext uri="{FF2B5EF4-FFF2-40B4-BE49-F238E27FC236}">
+                  <a16:creationId xmlns:a16="http://schemas.microsoft.com/office/drawing/2014/main" id="{2E0EC5A2-2EC1-4F7A-ACFD-C42B0C10A9FB}"/>
+                </a:ext>
+              </a:extLst>
+            </p:cNvPr>
+            <p:cNvCxnSpPr>
+              <a:cxnSpLocks/>
+              <a:endCxn id="28" idx="0"/>
+            </p:cNvCxnSpPr>
+            <p:nvPr/>
+          </p:nvCxnSpPr>
+          <p:spPr>
+            <a:xfrm>
+              <a:off x="10420564" y="2034824"/>
+              <a:ext cx="6186" cy="461256"/>
+            </a:xfrm>
+            <a:prstGeom prst="straightConnector1">
+              <a:avLst/>
+            </a:prstGeom>
+            <a:ln w="19050">
+              <a:solidFill>
+                <a:schemeClr val="accent6">
+                  <a:lumMod val="75000"/>
+                </a:schemeClr>
+              </a:solidFill>
+              <a:headEnd w="lg" len="med"/>
+              <a:tailEnd type="triangle" w="lg" len="lg"/>
+            </a:ln>
+          </p:spPr>
+          <p:style>
+            <a:lnRef idx="1">
+              <a:schemeClr val="dk1"/>
+            </a:lnRef>
+            <a:fillRef idx="0">
+              <a:schemeClr val="dk1"/>
+            </a:fillRef>
+            <a:effectRef idx="0">
+              <a:schemeClr val="dk1"/>
+            </a:effectRef>
+            <a:fontRef idx="minor">
+              <a:schemeClr val="tx1"/>
+            </a:fontRef>
+          </p:style>
+        </p:cxnSp>
+        <p:sp>
+          <p:nvSpPr>
+            <p:cNvPr id="40" name="TextBox 39">
+              <a:extLst>
+                <a:ext uri="{FF2B5EF4-FFF2-40B4-BE49-F238E27FC236}">
+                  <a16:creationId xmlns:a16="http://schemas.microsoft.com/office/drawing/2014/main" id="{7FD4C135-2FD2-4CD3-B7AF-D42D2D0E6652}"/>
+                </a:ext>
+              </a:extLst>
+            </p:cNvPr>
+            <p:cNvSpPr txBox="1"/>
+            <p:nvPr/>
+          </p:nvSpPr>
+          <p:spPr>
+            <a:xfrm>
+              <a:off x="9977170" y="1444276"/>
+              <a:ext cx="854119" cy="646331"/>
+            </a:xfrm>
+            <a:prstGeom prst="rect">
+              <a:avLst/>
+            </a:prstGeom>
+            <a:noFill/>
+          </p:spPr>
+          <p:txBody>
+            <a:bodyPr wrap="square" rtlCol="0">
+              <a:spAutoFit/>
+            </a:bodyPr>
+            <a:lstStyle/>
+            <a:p>
+              <a:pPr algn="ctr"/>
+              <a:r>
+                <a:rPr lang="en-US" dirty="0"/>
+                <a:t>Seed</a:t>
+              </a:r>
+            </a:p>
+            <a:p>
+              <a:pPr algn="ctr"/>
+              <a:r>
+                <a:rPr lang="en-US" dirty="0"/>
+                <a:t>Words</a:t>
+              </a:r>
+            </a:p>
+          </p:txBody>
+        </p:sp>
+        <p:sp>
+          <p:nvSpPr>
+            <p:cNvPr id="41" name="TextBox 40">
+              <a:extLst>
+                <a:ext uri="{FF2B5EF4-FFF2-40B4-BE49-F238E27FC236}">
+                  <a16:creationId xmlns:a16="http://schemas.microsoft.com/office/drawing/2014/main" id="{A3A299EF-FBD5-495F-B75C-9F3D572DFC0C}"/>
+                </a:ext>
+              </a:extLst>
+            </p:cNvPr>
+            <p:cNvSpPr txBox="1"/>
+            <p:nvPr/>
+          </p:nvSpPr>
+          <p:spPr>
+            <a:xfrm>
+              <a:off x="3643606" y="4079460"/>
+              <a:ext cx="743910" cy="646331"/>
+            </a:xfrm>
+            <a:prstGeom prst="rect">
+              <a:avLst/>
+            </a:prstGeom>
+            <a:noFill/>
+          </p:spPr>
+          <p:txBody>
+            <a:bodyPr wrap="square" rtlCol="0">
+              <a:spAutoFit/>
+            </a:bodyPr>
+            <a:lstStyle/>
+            <a:p>
+              <a:r>
+                <a:rPr lang="en-US" dirty="0"/>
+                <a:t>Raw</a:t>
+              </a:r>
+            </a:p>
+            <a:p>
+              <a:r>
+                <a:rPr lang="en-US" dirty="0"/>
+                <a:t>Text</a:t>
+              </a:r>
+            </a:p>
+          </p:txBody>
+        </p:sp>
+        <p:sp>
+          <p:nvSpPr>
+            <p:cNvPr id="42" name="TextBox 41">
+              <a:extLst>
+                <a:ext uri="{FF2B5EF4-FFF2-40B4-BE49-F238E27FC236}">
+                  <a16:creationId xmlns:a16="http://schemas.microsoft.com/office/drawing/2014/main" id="{DF5936A5-F651-48A1-996E-978772C79CD8}"/>
+                </a:ext>
+              </a:extLst>
+            </p:cNvPr>
+            <p:cNvSpPr txBox="1"/>
+            <p:nvPr/>
+          </p:nvSpPr>
+          <p:spPr>
+            <a:xfrm>
+              <a:off x="6157015" y="4046401"/>
+              <a:ext cx="877508" cy="369332"/>
+            </a:xfrm>
+            <a:prstGeom prst="rect">
+              <a:avLst/>
+            </a:prstGeom>
+            <a:noFill/>
+          </p:spPr>
+          <p:txBody>
+            <a:bodyPr wrap="square" rtlCol="0">
+              <a:spAutoFit/>
+            </a:bodyPr>
+            <a:lstStyle/>
+            <a:p>
+              <a:r>
+                <a:rPr lang="en-US" dirty="0"/>
+                <a:t>Words</a:t>
+              </a:r>
+            </a:p>
+          </p:txBody>
+        </p:sp>
+        <p:sp>
+          <p:nvSpPr>
+            <p:cNvPr id="45" name="TextBox 44">
+              <a:extLst>
+                <a:ext uri="{FF2B5EF4-FFF2-40B4-BE49-F238E27FC236}">
+                  <a16:creationId xmlns:a16="http://schemas.microsoft.com/office/drawing/2014/main" id="{E3EDD63D-3A86-4BAE-AC8B-E17D72E69E32}"/>
+                </a:ext>
+              </a:extLst>
+            </p:cNvPr>
+            <p:cNvSpPr txBox="1"/>
+            <p:nvPr/>
+          </p:nvSpPr>
+          <p:spPr>
+            <a:xfrm>
+              <a:off x="9326280" y="4092567"/>
+              <a:ext cx="813348" cy="646331"/>
+            </a:xfrm>
+            <a:prstGeom prst="rect">
+              <a:avLst/>
+            </a:prstGeom>
+            <a:noFill/>
+          </p:spPr>
+          <p:txBody>
+            <a:bodyPr wrap="square" rtlCol="0">
+              <a:spAutoFit/>
+            </a:bodyPr>
+            <a:lstStyle/>
+            <a:p>
+              <a:r>
+                <a:rPr lang="en-US" dirty="0"/>
+                <a:t>Words </a:t>
+              </a:r>
+            </a:p>
+            <a:p>
+              <a:r>
+                <a:rPr lang="en-US" dirty="0"/>
+                <a:t>+ Tags</a:t>
+              </a:r>
+            </a:p>
+          </p:txBody>
+        </p:sp>
+        <p:sp>
+          <p:nvSpPr>
+            <p:cNvPr id="46" name="TextBox 45">
+              <a:extLst>
+                <a:ext uri="{FF2B5EF4-FFF2-40B4-BE49-F238E27FC236}">
+                  <a16:creationId xmlns:a16="http://schemas.microsoft.com/office/drawing/2014/main" id="{2D1E05C2-6EBB-482D-92F8-E46237E00249}"/>
+                </a:ext>
+              </a:extLst>
+            </p:cNvPr>
+            <p:cNvSpPr txBox="1"/>
+            <p:nvPr/>
+          </p:nvSpPr>
+          <p:spPr>
+            <a:xfrm>
+              <a:off x="8366951" y="1514453"/>
+              <a:ext cx="959329" cy="646331"/>
+            </a:xfrm>
+            <a:prstGeom prst="rect">
+              <a:avLst/>
+            </a:prstGeom>
+            <a:noFill/>
+          </p:spPr>
+          <p:txBody>
+            <a:bodyPr wrap="square" rtlCol="0">
+              <a:spAutoFit/>
+            </a:bodyPr>
+            <a:lstStyle/>
+            <a:p>
+              <a:r>
+                <a:rPr lang="en-US" dirty="0"/>
+                <a:t>Difficult</a:t>
+              </a:r>
+            </a:p>
+            <a:p>
+              <a:r>
+                <a:rPr lang="en-US" dirty="0"/>
+                <a:t>Words</a:t>
+              </a:r>
+            </a:p>
+          </p:txBody>
+        </p:sp>
+        <p:pic>
+          <p:nvPicPr>
+            <p:cNvPr id="47" name="Picture 46">
+              <a:extLst>
+                <a:ext uri="{FF2B5EF4-FFF2-40B4-BE49-F238E27FC236}">
+                  <a16:creationId xmlns:a16="http://schemas.microsoft.com/office/drawing/2014/main" id="{092B436E-1C1F-46CE-937E-096D4D89A328}"/>
+                </a:ext>
+              </a:extLst>
+            </p:cNvPr>
+            <p:cNvPicPr>
+              <a:picLocks noChangeAspect="1"/>
+            </p:cNvPicPr>
+            <p:nvPr/>
+          </p:nvPicPr>
+          <p:blipFill>
+            <a:blip r:embed="rId4">
+              <a:extLst>
+                <a:ext uri="{28A0092B-C50C-407E-A947-70E740481C1C}">
+                  <a14:useLocalDpi xmlns:a14="http://schemas.microsoft.com/office/drawing/2010/main" val="0"/>
+                </a:ext>
+              </a:extLst>
+            </a:blip>
+            <a:stretch>
+              <a:fillRect/>
+            </a:stretch>
+          </p:blipFill>
+          <p:spPr>
+            <a:xfrm>
+              <a:off x="166932" y="1611656"/>
+              <a:ext cx="3282182" cy="3143094"/>
+            </a:xfrm>
+            <a:prstGeom prst="roundRect">
+              <a:avLst>
+                <a:gd name="adj" fmla="val 4167"/>
+              </a:avLst>
+            </a:prstGeom>
+            <a:solidFill>
+              <a:srgbClr val="FFFFFF"/>
+            </a:solidFill>
+            <a:ln w="19050" cap="sq">
+              <a:solidFill>
+                <a:schemeClr val="accent6">
+                  <a:lumMod val="75000"/>
+                </a:schemeClr>
+              </a:solidFill>
+              <a:miter lim="800000"/>
+            </a:ln>
+            <a:effectLst/>
+          </p:spPr>
+        </p:pic>
+        <p:sp>
+          <p:nvSpPr>
+            <p:cNvPr id="48" name="TextBox 47">
+              <a:extLst>
+                <a:ext uri="{FF2B5EF4-FFF2-40B4-BE49-F238E27FC236}">
+                  <a16:creationId xmlns:a16="http://schemas.microsoft.com/office/drawing/2014/main" id="{D9EB59FF-25B7-4172-AE5F-17984B9F14C7}"/>
+                </a:ext>
+              </a:extLst>
+            </p:cNvPr>
+            <p:cNvSpPr txBox="1"/>
+            <p:nvPr/>
+          </p:nvSpPr>
+          <p:spPr>
+            <a:xfrm>
+              <a:off x="4010199" y="1608029"/>
+              <a:ext cx="1748944" cy="646331"/>
+            </a:xfrm>
+            <a:prstGeom prst="rect">
+              <a:avLst/>
+            </a:prstGeom>
+            <a:noFill/>
+          </p:spPr>
+          <p:txBody>
+            <a:bodyPr wrap="square" rtlCol="0">
+              <a:spAutoFit/>
+            </a:bodyPr>
+            <a:lstStyle/>
+            <a:p>
+              <a:r>
+                <a:rPr lang="en-US" dirty="0"/>
+                <a:t>Difficult Words +</a:t>
+              </a:r>
+            </a:p>
+            <a:p>
+              <a:r>
+                <a:rPr lang="en-US" dirty="0"/>
+                <a:t>Alternatives</a:t>
+              </a:r>
+            </a:p>
+          </p:txBody>
+        </p:sp>
+      </p:grpSp>
+      <p:sp>
+        <p:nvSpPr>
+          <p:cNvPr id="24" name="Title 1">
+            <a:extLst>
+              <a:ext uri="{FF2B5EF4-FFF2-40B4-BE49-F238E27FC236}">
+                <a16:creationId xmlns:a16="http://schemas.microsoft.com/office/drawing/2014/main" id="{131BB309-01C0-4402-828A-7B92241FFE9C}"/>
+              </a:ext>
+            </a:extLst>
+          </p:cNvPr>
+          <p:cNvSpPr txBox="1">
+            <a:spLocks/>
+          </p:cNvSpPr>
+          <p:nvPr/>
+        </p:nvSpPr>
+        <p:spPr>
+          <a:xfrm>
+            <a:off x="763305" y="46777"/>
+            <a:ext cx="10772775" cy="961277"/>
+          </a:xfrm>
+          <a:prstGeom prst="rect">
+            <a:avLst/>
+          </a:prstGeom>
+        </p:spPr>
+        <p:txBody>
+          <a:bodyPr vert="horz" lIns="91440" tIns="45720" rIns="91440" bIns="45720" rtlCol="0" anchor="ctr">
+            <a:normAutofit/>
+          </a:bodyPr>
+          <a:lstStyle>
+            <a:lvl1pPr algn="l" defTabSz="914400" rtl="0" eaLnBrk="1" latinLnBrk="0" hangingPunct="1">
+              <a:lnSpc>
+                <a:spcPct val="90000"/>
+              </a:lnSpc>
+              <a:spcBef>
+                <a:spcPct val="0"/>
+              </a:spcBef>
+              <a:buNone/>
+              <a:defRPr sz="4400" kern="1200">
+                <a:solidFill>
+                  <a:schemeClr val="tx1"/>
+                </a:solidFill>
+                <a:latin typeface="+mj-lt"/>
+                <a:ea typeface="+mj-ea"/>
+                <a:cs typeface="+mj-cs"/>
+              </a:defRPr>
+            </a:lvl1pPr>
+          </a:lstStyle>
+          <a:p>
+            <a:pPr algn="ctr"/>
+            <a:r>
+              <a:rPr lang="en-US" b="1" dirty="0">
+                <a:solidFill>
+                  <a:schemeClr val="accent1">
+                    <a:lumMod val="75000"/>
+                  </a:schemeClr>
+                </a:solidFill>
+                <a:latin typeface="+mn-lt"/>
+              </a:rPr>
+              <a:t>Workflow</a:t>
+            </a:r>
+          </a:p>
+        </p:txBody>
+      </p:sp>
+    </p:spTree>
+    <p:extLst>
+      <p:ext uri="{BB962C8B-B14F-4D97-AF65-F5344CB8AC3E}">
+        <p14:creationId xmlns:p14="http://schemas.microsoft.com/office/powerpoint/2010/main" val="3320574548"/>
+      </p:ext>
+    </p:extLst>
+  </p:cSld>
+  <p:clrMapOvr>
+    <a:masterClrMapping/>
+  </p:clrMapOvr>
+  <p:timing>
+    <p:tnLst>
+      <p:par>
+        <p:cTn id="1" dur="indefinite" restart="never" nodeType="tmRoot">
+          <p:childTnLst>
+            <p:seq concurrent="1" nextAc="seek">
+              <p:cTn id="2" dur="indefinite" nodeType="mainSeq">
+                <p:childTnLst>
+                  <p:par>
+                    <p:cTn id="3" fill="hold">
+                      <p:stCondLst>
+                        <p:cond delay="indefinite"/>
+                      </p:stCondLst>
+                      <p:childTnLst>
+                        <p:par>
+                          <p:cTn id="4" fill="hold">
+                            <p:stCondLst>
+                              <p:cond delay="0"/>
+                            </p:stCondLst>
+                            <p:childTnLst>
+                              <p:par>
+                                <p:cTn id="5" presetID="1" presetClass="entr" presetSubtype="0" fill="hold" nodeType="clickEffect">
+                                  <p:stCondLst>
+                                    <p:cond delay="0"/>
+                                  </p:stCondLst>
+                                  <p:childTnLst>
+                                    <p:set>
+                                      <p:cBhvr>
+                                        <p:cTn id="6" dur="1" fill="hold">
+                                          <p:stCondLst>
+                                            <p:cond delay="0"/>
+                                          </p:stCondLst>
+                                        </p:cTn>
+                                        <p:tgtEl>
+                                          <p:spTgt spid="25"/>
+                                        </p:tgtEl>
+                                        <p:attrNameLst>
+                                          <p:attrName>style.visibility</p:attrName>
+                                        </p:attrNameLst>
+                                      </p:cBhvr>
+                                      <p:to>
+                                        <p:strVal val="visible"/>
+                                      </p:to>
+                                    </p:set>
+                                  </p:childTnLst>
+                                </p:cTn>
+                              </p:par>
+                            </p:childTnLst>
+                          </p:cTn>
+                        </p:par>
+                      </p:childTnLst>
+                    </p:cTn>
+                  </p:par>
+                </p:childTnLst>
+              </p:cTn>
+              <p:prevCondLst>
+                <p:cond evt="onPrev" delay="0">
+                  <p:tgtEl>
+                    <p:sldTgt/>
+                  </p:tgtEl>
+                </p:cond>
+              </p:prevCondLst>
+              <p:nextCondLst>
+                <p:cond evt="onNext" delay="0">
+                  <p:tgtEl>
+                    <p:sldTgt/>
+                  </p:tgtEl>
+                </p:cond>
+              </p:nextCondLst>
+            </p:seq>
+          </p:childTnLst>
+        </p:cTn>
+      </p:par>
+    </p:tnLst>
+  </p:timing>
+</p:sld>
+</file>
+
+<file path=ppt/slides/slide16.xml><?xml version="1.0" encoding="utf-8"?>
 <p:sld xmlns:a="http://schemas.openxmlformats.org/drawingml/2006/main" xmlns:r="http://schemas.openxmlformats.org/officeDocument/2006/relationships" xmlns:p="http://schemas.openxmlformats.org/presentationml/2006/main">
   <p:cSld>
     <p:spTree>
@@ -11450,7 +12161,7 @@
 </p:sld>
 </file>
 
-<file path=ppt/slides/slide16.xml><?xml version="1.0" encoding="utf-8"?>
+<file path=ppt/slides/slide17.xml><?xml version="1.0" encoding="utf-8"?>
 <p:sld xmlns:a="http://schemas.openxmlformats.org/drawingml/2006/main" xmlns:r="http://schemas.openxmlformats.org/officeDocument/2006/relationships" xmlns:p="http://schemas.openxmlformats.org/presentationml/2006/main">
   <p:cSld>
     <p:spTree>
@@ -12038,7 +12749,7 @@
 </p:sld>
 </file>
 
-<file path=ppt/slides/slide17.xml><?xml version="1.0" encoding="utf-8"?>
+<file path=ppt/slides/slide18.xml><?xml version="1.0" encoding="utf-8"?>
 <p:sld xmlns:a="http://schemas.openxmlformats.org/drawingml/2006/main" xmlns:r="http://schemas.openxmlformats.org/officeDocument/2006/relationships" xmlns:p="http://schemas.openxmlformats.org/presentationml/2006/main">
   <p:cSld>
     <p:spTree>
@@ -12650,7 +13361,7 @@
 </p:sld>
 </file>
 
-<file path=ppt/slides/slide18.xml><?xml version="1.0" encoding="utf-8"?>
+<file path=ppt/slides/slide19.xml><?xml version="1.0" encoding="utf-8"?>
 <p:sld xmlns:a="http://schemas.openxmlformats.org/drawingml/2006/main" xmlns:r="http://schemas.openxmlformats.org/officeDocument/2006/relationships" xmlns:p="http://schemas.openxmlformats.org/presentationml/2006/main">
   <p:cSld>
     <p:spTree>
@@ -13070,98 +13781,6 @@
       </p:par>
     </p:tnLst>
   </p:timing>
-</p:sld>
-</file>
-
-<file path=ppt/slides/slide19.xml><?xml version="1.0" encoding="utf-8"?>
-<p:sld xmlns:a="http://schemas.openxmlformats.org/drawingml/2006/main" xmlns:r="http://schemas.openxmlformats.org/officeDocument/2006/relationships" xmlns:p="http://schemas.openxmlformats.org/presentationml/2006/main">
-  <p:cSld>
-    <p:spTree>
-      <p:nvGrpSpPr>
-        <p:cNvPr id="1" name=""/>
-        <p:cNvGrpSpPr/>
-        <p:nvPr/>
-      </p:nvGrpSpPr>
-      <p:grpSpPr>
-        <a:xfrm>
-          <a:off x="0" y="0"/>
-          <a:ext cx="0" cy="0"/>
-          <a:chOff x="0" y="0"/>
-          <a:chExt cx="0" cy="0"/>
-        </a:xfrm>
-      </p:grpSpPr>
-      <p:sp>
-        <p:nvSpPr>
-          <p:cNvPr id="7" name="Title 1">
-            <a:extLst>
-              <a:ext uri="{FF2B5EF4-FFF2-40B4-BE49-F238E27FC236}">
-                <a16:creationId xmlns:a16="http://schemas.microsoft.com/office/drawing/2014/main" id="{3EA575E6-1516-4B4D-B299-39E64E48D8CA}"/>
-              </a:ext>
-            </a:extLst>
-          </p:cNvPr>
-          <p:cNvSpPr txBox="1">
-            <a:spLocks/>
-          </p:cNvSpPr>
-          <p:nvPr/>
-        </p:nvSpPr>
-        <p:spPr>
-          <a:xfrm>
-            <a:off x="709612" y="2727077"/>
-            <a:ext cx="10772775" cy="961277"/>
-          </a:xfrm>
-          <a:prstGeom prst="rect">
-            <a:avLst/>
-          </a:prstGeom>
-        </p:spPr>
-        <p:txBody>
-          <a:bodyPr vert="horz" lIns="91440" tIns="45720" rIns="91440" bIns="45720" rtlCol="0" anchor="ctr">
-            <a:normAutofit/>
-          </a:bodyPr>
-          <a:lstStyle>
-            <a:lvl1pPr algn="l" defTabSz="914400" rtl="0" eaLnBrk="1" latinLnBrk="0" hangingPunct="1">
-              <a:lnSpc>
-                <a:spcPct val="90000"/>
-              </a:lnSpc>
-              <a:spcBef>
-                <a:spcPct val="0"/>
-              </a:spcBef>
-              <a:buNone/>
-              <a:defRPr sz="4400" kern="1200">
-                <a:solidFill>
-                  <a:schemeClr val="tx1"/>
-                </a:solidFill>
-                <a:latin typeface="+mj-lt"/>
-                <a:ea typeface="+mj-ea"/>
-                <a:cs typeface="+mj-cs"/>
-              </a:defRPr>
-            </a:lvl1pPr>
-          </a:lstStyle>
-          <a:p>
-            <a:pPr algn="ctr"/>
-            <a:r>
-              <a:rPr lang="en-US" b="1" dirty="0">
-                <a:solidFill>
-                  <a:schemeClr val="accent1">
-                    <a:lumMod val="75000"/>
-                  </a:schemeClr>
-                </a:solidFill>
-                <a:latin typeface="+mn-lt"/>
-              </a:rPr>
-              <a:t>Thanks for your Attention!</a:t>
-            </a:r>
-          </a:p>
-        </p:txBody>
-      </p:sp>
-    </p:spTree>
-    <p:extLst>
-      <p:ext uri="{BB962C8B-B14F-4D97-AF65-F5344CB8AC3E}">
-        <p14:creationId xmlns:p14="http://schemas.microsoft.com/office/powerpoint/2010/main" val="1490342698"/>
-      </p:ext>
-    </p:extLst>
-  </p:cSld>
-  <p:clrMapOvr>
-    <a:masterClrMapping/>
-  </p:clrMapOvr>
 </p:sld>
 </file>
 
@@ -13847,6 +14466,98 @@
       </p:grpSpPr>
       <p:sp>
         <p:nvSpPr>
+          <p:cNvPr id="7" name="Title 1">
+            <a:extLst>
+              <a:ext uri="{FF2B5EF4-FFF2-40B4-BE49-F238E27FC236}">
+                <a16:creationId xmlns:a16="http://schemas.microsoft.com/office/drawing/2014/main" id="{3EA575E6-1516-4B4D-B299-39E64E48D8CA}"/>
+              </a:ext>
+            </a:extLst>
+          </p:cNvPr>
+          <p:cNvSpPr txBox="1">
+            <a:spLocks/>
+          </p:cNvSpPr>
+          <p:nvPr/>
+        </p:nvSpPr>
+        <p:spPr>
+          <a:xfrm>
+            <a:off x="709612" y="2727077"/>
+            <a:ext cx="10772775" cy="961277"/>
+          </a:xfrm>
+          <a:prstGeom prst="rect">
+            <a:avLst/>
+          </a:prstGeom>
+        </p:spPr>
+        <p:txBody>
+          <a:bodyPr vert="horz" lIns="91440" tIns="45720" rIns="91440" bIns="45720" rtlCol="0" anchor="ctr">
+            <a:normAutofit/>
+          </a:bodyPr>
+          <a:lstStyle>
+            <a:lvl1pPr algn="l" defTabSz="914400" rtl="0" eaLnBrk="1" latinLnBrk="0" hangingPunct="1">
+              <a:lnSpc>
+                <a:spcPct val="90000"/>
+              </a:lnSpc>
+              <a:spcBef>
+                <a:spcPct val="0"/>
+              </a:spcBef>
+              <a:buNone/>
+              <a:defRPr sz="4400" kern="1200">
+                <a:solidFill>
+                  <a:schemeClr val="tx1"/>
+                </a:solidFill>
+                <a:latin typeface="+mj-lt"/>
+                <a:ea typeface="+mj-ea"/>
+                <a:cs typeface="+mj-cs"/>
+              </a:defRPr>
+            </a:lvl1pPr>
+          </a:lstStyle>
+          <a:p>
+            <a:pPr algn="ctr"/>
+            <a:r>
+              <a:rPr lang="en-US" b="1" dirty="0">
+                <a:solidFill>
+                  <a:schemeClr val="accent1">
+                    <a:lumMod val="75000"/>
+                  </a:schemeClr>
+                </a:solidFill>
+                <a:latin typeface="+mn-lt"/>
+              </a:rPr>
+              <a:t>Thanks for your Attention!</a:t>
+            </a:r>
+          </a:p>
+        </p:txBody>
+      </p:sp>
+    </p:spTree>
+    <p:extLst>
+      <p:ext uri="{BB962C8B-B14F-4D97-AF65-F5344CB8AC3E}">
+        <p14:creationId xmlns:p14="http://schemas.microsoft.com/office/powerpoint/2010/main" val="1490342698"/>
+      </p:ext>
+    </p:extLst>
+  </p:cSld>
+  <p:clrMapOvr>
+    <a:masterClrMapping/>
+  </p:clrMapOvr>
+</p:sld>
+</file>
+
+<file path=ppt/slides/slide21.xml><?xml version="1.0" encoding="utf-8"?>
+<p:sld xmlns:a="http://schemas.openxmlformats.org/drawingml/2006/main" xmlns:r="http://schemas.openxmlformats.org/officeDocument/2006/relationships" xmlns:p="http://schemas.openxmlformats.org/presentationml/2006/main">
+  <p:cSld>
+    <p:spTree>
+      <p:nvGrpSpPr>
+        <p:cNvPr id="1" name=""/>
+        <p:cNvGrpSpPr/>
+        <p:nvPr/>
+      </p:nvGrpSpPr>
+      <p:grpSpPr>
+        <a:xfrm>
+          <a:off x="0" y="0"/>
+          <a:ext cx="0" cy="0"/>
+          <a:chOff x="0" y="0"/>
+          <a:chExt cx="0" cy="0"/>
+        </a:xfrm>
+      </p:grpSpPr>
+      <p:sp>
+        <p:nvSpPr>
           <p:cNvPr id="19" name="Title 1">
             <a:extLst>
               <a:ext uri="{FF2B5EF4-FFF2-40B4-BE49-F238E27FC236}">
@@ -14338,7 +15049,7 @@
 </p:sld>
 </file>
 
-<file path=ppt/slides/slide21.xml><?xml version="1.0" encoding="utf-8"?>
+<file path=ppt/slides/slide22.xml><?xml version="1.0" encoding="utf-8"?>
 <p:sld xmlns:a="http://schemas.openxmlformats.org/drawingml/2006/main" xmlns:r="http://schemas.openxmlformats.org/officeDocument/2006/relationships" xmlns:p="http://schemas.openxmlformats.org/presentationml/2006/main">
   <p:cSld>
     <p:spTree>
@@ -15005,7 +15716,7 @@
 </p:sld>
 </file>
 
-<file path=ppt/slides/slide22.xml><?xml version="1.0" encoding="utf-8"?>
+<file path=ppt/slides/slide23.xml><?xml version="1.0" encoding="utf-8"?>
 <p:sld xmlns:a="http://schemas.openxmlformats.org/drawingml/2006/main" xmlns:r="http://schemas.openxmlformats.org/officeDocument/2006/relationships" xmlns:p="http://schemas.openxmlformats.org/presentationml/2006/main">
   <p:cSld>
     <p:spTree>
@@ -15428,7 +16139,7 @@
 </p:sld>
 </file>
 
-<file path=ppt/slides/slide23.xml><?xml version="1.0" encoding="utf-8"?>
+<file path=ppt/slides/slide24.xml><?xml version="1.0" encoding="utf-8"?>
 <p:sld xmlns:a="http://schemas.openxmlformats.org/drawingml/2006/main" xmlns:r="http://schemas.openxmlformats.org/officeDocument/2006/relationships" xmlns:p="http://schemas.openxmlformats.org/presentationml/2006/main">
   <p:cSld>
     <p:spTree>
@@ -18143,7 +18854,7 @@
 </p:sld>
 </file>
 
-<file path=ppt/slides/slide24.xml><?xml version="1.0" encoding="utf-8"?>
+<file path=ppt/slides/slide25.xml><?xml version="1.0" encoding="utf-8"?>
 <p:sld xmlns:a="http://schemas.openxmlformats.org/drawingml/2006/main" xmlns:r="http://schemas.openxmlformats.org/officeDocument/2006/relationships" xmlns:p="http://schemas.openxmlformats.org/presentationml/2006/main">
   <p:cSld>
     <p:spTree>
@@ -20998,7 +21709,7 @@
 </p:sld>
 </file>
 
-<file path=ppt/slides/slide25.xml><?xml version="1.0" encoding="utf-8"?>
+<file path=ppt/slides/slide26.xml><?xml version="1.0" encoding="utf-8"?>
 <p:sld xmlns:a="http://schemas.openxmlformats.org/drawingml/2006/main" xmlns:r="http://schemas.openxmlformats.org/officeDocument/2006/relationships" xmlns:p="http://schemas.openxmlformats.org/presentationml/2006/main">
   <p:cSld>
     <p:spTree>
@@ -24291,7 +25002,7 @@
 </p:sld>
 </file>
 
-<file path=ppt/slides/slide26.xml><?xml version="1.0" encoding="utf-8"?>
+<file path=ppt/slides/slide27.xml><?xml version="1.0" encoding="utf-8"?>
 <p:sld xmlns:a="http://schemas.openxmlformats.org/drawingml/2006/main" xmlns:r="http://schemas.openxmlformats.org/officeDocument/2006/relationships" xmlns:p="http://schemas.openxmlformats.org/presentationml/2006/main">
   <p:cSld>
     <p:spTree>
@@ -26914,7 +27625,7 @@
 </p:sld>
 </file>
 
-<file path=ppt/slides/slide27.xml><?xml version="1.0" encoding="utf-8"?>
+<file path=ppt/slides/slide28.xml><?xml version="1.0" encoding="utf-8"?>
 <p:sld xmlns:a="http://schemas.openxmlformats.org/drawingml/2006/main" xmlns:r="http://schemas.openxmlformats.org/officeDocument/2006/relationships" xmlns:p="http://schemas.openxmlformats.org/presentationml/2006/main">
   <p:cSld>
     <p:spTree>
@@ -29419,7 +30130,7 @@
 </p:sld>
 </file>
 
-<file path=ppt/slides/slide28.xml><?xml version="1.0" encoding="utf-8"?>
+<file path=ppt/slides/slide29.xml><?xml version="1.0" encoding="utf-8"?>
 <p:sld xmlns:a="http://schemas.openxmlformats.org/drawingml/2006/main" xmlns:r="http://schemas.openxmlformats.org/officeDocument/2006/relationships" xmlns:p="http://schemas.openxmlformats.org/presentationml/2006/main">
   <p:cSld>
     <p:spTree>
@@ -31608,7 +32319,619 @@
 </p:sld>
 </file>
 
-<file path=ppt/slides/slide29.xml><?xml version="1.0" encoding="utf-8"?>
+<file path=ppt/slides/slide3.xml><?xml version="1.0" encoding="utf-8"?>
+<p:sld xmlns:a="http://schemas.openxmlformats.org/drawingml/2006/main" xmlns:r="http://schemas.openxmlformats.org/officeDocument/2006/relationships" xmlns:p="http://schemas.openxmlformats.org/presentationml/2006/main">
+  <p:cSld>
+    <p:spTree>
+      <p:nvGrpSpPr>
+        <p:cNvPr id="1" name=""/>
+        <p:cNvGrpSpPr/>
+        <p:nvPr/>
+      </p:nvGrpSpPr>
+      <p:grpSpPr>
+        <a:xfrm>
+          <a:off x="0" y="0"/>
+          <a:ext cx="0" cy="0"/>
+          <a:chOff x="0" y="0"/>
+          <a:chExt cx="0" cy="0"/>
+        </a:xfrm>
+      </p:grpSpPr>
+      <p:sp>
+        <p:nvSpPr>
+          <p:cNvPr id="19" name="Title 1">
+            <a:extLst>
+              <a:ext uri="{FF2B5EF4-FFF2-40B4-BE49-F238E27FC236}">
+                <a16:creationId xmlns:a16="http://schemas.microsoft.com/office/drawing/2014/main" id="{1145B1FC-8B5F-4A10-B215-C60705EDF134}"/>
+              </a:ext>
+            </a:extLst>
+          </p:cNvPr>
+          <p:cNvSpPr txBox="1">
+            <a:spLocks/>
+          </p:cNvSpPr>
+          <p:nvPr/>
+        </p:nvSpPr>
+        <p:spPr>
+          <a:xfrm>
+            <a:off x="709612" y="61215"/>
+            <a:ext cx="10772775" cy="961277"/>
+          </a:xfrm>
+          <a:prstGeom prst="rect">
+            <a:avLst/>
+          </a:prstGeom>
+        </p:spPr>
+        <p:txBody>
+          <a:bodyPr vert="horz" lIns="91440" tIns="45720" rIns="91440" bIns="45720" rtlCol="0" anchor="ctr">
+            <a:normAutofit/>
+          </a:bodyPr>
+          <a:lstStyle>
+            <a:lvl1pPr algn="l" defTabSz="914400" rtl="0" eaLnBrk="1" latinLnBrk="0" hangingPunct="1">
+              <a:lnSpc>
+                <a:spcPct val="90000"/>
+              </a:lnSpc>
+              <a:spcBef>
+                <a:spcPct val="0"/>
+              </a:spcBef>
+              <a:buNone/>
+              <a:defRPr sz="4400" kern="1200">
+                <a:solidFill>
+                  <a:schemeClr val="tx1"/>
+                </a:solidFill>
+                <a:latin typeface="+mj-lt"/>
+                <a:ea typeface="+mj-ea"/>
+                <a:cs typeface="+mj-cs"/>
+              </a:defRPr>
+            </a:lvl1pPr>
+          </a:lstStyle>
+          <a:p>
+            <a:pPr algn="ctr"/>
+            <a:r>
+              <a:rPr lang="en-US" b="1" dirty="0">
+                <a:solidFill>
+                  <a:schemeClr val="accent1">
+                    <a:lumMod val="75000"/>
+                  </a:schemeClr>
+                </a:solidFill>
+                <a:latin typeface="+mn-lt"/>
+              </a:rPr>
+              <a:t>Avoidance Behaviors</a:t>
+            </a:r>
+          </a:p>
+        </p:txBody>
+      </p:sp>
+      <p:pic>
+        <p:nvPicPr>
+          <p:cNvPr id="20" name="Picture 19" descr="A picture containing object&#10;&#10;Description generated with very high confidence">
+            <a:extLst>
+              <a:ext uri="{FF2B5EF4-FFF2-40B4-BE49-F238E27FC236}">
+                <a16:creationId xmlns:a16="http://schemas.microsoft.com/office/drawing/2014/main" id="{BFA8EE74-C4C5-4B64-A157-B93B22BF494E}"/>
+              </a:ext>
+            </a:extLst>
+          </p:cNvPr>
+          <p:cNvPicPr>
+            <a:picLocks noChangeAspect="1"/>
+          </p:cNvPicPr>
+          <p:nvPr/>
+        </p:nvPicPr>
+        <p:blipFill>
+          <a:blip r:embed="rId3">
+            <a:extLst>
+              <a:ext uri="{28A0092B-C50C-407E-A947-70E740481C1C}">
+                <a14:useLocalDpi xmlns:a14="http://schemas.microsoft.com/office/drawing/2010/main" val="0"/>
+              </a:ext>
+            </a:extLst>
+          </a:blip>
+          <a:stretch>
+            <a:fillRect/>
+          </a:stretch>
+        </p:blipFill>
+        <p:spPr>
+          <a:xfrm>
+            <a:off x="9835376" y="6328400"/>
+            <a:ext cx="2223771" cy="428280"/>
+          </a:xfrm>
+          <a:prstGeom prst="rect">
+            <a:avLst/>
+          </a:prstGeom>
+        </p:spPr>
+      </p:pic>
+      <p:sp>
+        <p:nvSpPr>
+          <p:cNvPr id="6" name="TextBox 5">
+            <a:extLst>
+              <a:ext uri="{FF2B5EF4-FFF2-40B4-BE49-F238E27FC236}">
+                <a16:creationId xmlns:a16="http://schemas.microsoft.com/office/drawing/2014/main" id="{74D658F0-641F-4B92-BDB3-3845C185EDF3}"/>
+              </a:ext>
+            </a:extLst>
+          </p:cNvPr>
+          <p:cNvSpPr txBox="1"/>
+          <p:nvPr/>
+        </p:nvSpPr>
+        <p:spPr>
+          <a:xfrm>
+            <a:off x="580303" y="783254"/>
+            <a:ext cx="11031392" cy="4893647"/>
+          </a:xfrm>
+          <a:prstGeom prst="rect">
+            <a:avLst/>
+          </a:prstGeom>
+          <a:noFill/>
+        </p:spPr>
+        <p:txBody>
+          <a:bodyPr wrap="square" rtlCol="0">
+            <a:spAutoFit/>
+          </a:bodyPr>
+          <a:lstStyle/>
+          <a:p>
+            <a:pPr marL="342900" indent="-342900">
+              <a:buFont typeface="Wingdings" panose="05000000000000000000" pitchFamily="2" charset="2"/>
+              <a:buChar char="§"/>
+            </a:pPr>
+            <a:r>
+              <a:rPr lang="en-US" sz="2400" dirty="0"/>
+              <a:t>As a person gets older, they become more conscious of their condition and learn to anticipate stuttering moments better (also known as anticipation effect)</a:t>
+            </a:r>
+          </a:p>
+          <a:p>
+            <a:pPr marL="342900" indent="-342900">
+              <a:buFont typeface="Wingdings" panose="05000000000000000000" pitchFamily="2" charset="2"/>
+              <a:buChar char="§"/>
+            </a:pPr>
+            <a:endParaRPr lang="en-US" sz="2400" dirty="0"/>
+          </a:p>
+          <a:p>
+            <a:pPr marL="342900" indent="-342900">
+              <a:buFont typeface="Wingdings" panose="05000000000000000000" pitchFamily="2" charset="2"/>
+              <a:buChar char="§"/>
+            </a:pPr>
+            <a:r>
+              <a:rPr lang="en-US" sz="2400" dirty="0"/>
+              <a:t>When an individual anticipates a stuttering moment, they use different strategies to conceal their condition which are known as Avoidance behaviors.</a:t>
+            </a:r>
+          </a:p>
+          <a:p>
+            <a:pPr marL="342900" indent="-342900">
+              <a:buFont typeface="Wingdings" panose="05000000000000000000" pitchFamily="2" charset="2"/>
+              <a:buChar char="§"/>
+            </a:pPr>
+            <a:endParaRPr lang="en-US" sz="2400" dirty="0"/>
+          </a:p>
+          <a:p>
+            <a:pPr marL="342900" indent="-342900">
+              <a:buFont typeface="Wingdings" panose="05000000000000000000" pitchFamily="2" charset="2"/>
+              <a:buChar char="§"/>
+            </a:pPr>
+            <a:r>
+              <a:rPr lang="en-US" sz="2400" dirty="0"/>
+              <a:t>This may include using fillers (e.g., ‘um’, ‘like’), substituting the feared word with its synonym, talk around the feared word (circumlocution), etc.</a:t>
+            </a:r>
+          </a:p>
+          <a:p>
+            <a:pPr marL="342900" indent="-342900">
+              <a:buFont typeface="Wingdings" panose="05000000000000000000" pitchFamily="2" charset="2"/>
+              <a:buChar char="§"/>
+            </a:pPr>
+            <a:endParaRPr lang="en-US" sz="2400" dirty="0"/>
+          </a:p>
+          <a:p>
+            <a:pPr marL="342900" indent="-342900">
+              <a:buFont typeface="Wingdings" panose="05000000000000000000" pitchFamily="2" charset="2"/>
+              <a:buChar char="§"/>
+            </a:pPr>
+            <a:r>
+              <a:rPr lang="en-US" sz="2400" dirty="0"/>
+              <a:t>Research has shown that all people who stutter use such strategies to some degree. A recent study found that the objective of 69.5% of PWS was to hide their stuttering. </a:t>
+            </a:r>
+          </a:p>
+          <a:p>
+            <a:pPr marL="342900" indent="-342900">
+              <a:buFont typeface="Wingdings" panose="05000000000000000000" pitchFamily="2" charset="2"/>
+              <a:buChar char="§"/>
+            </a:pPr>
+            <a:endParaRPr lang="en-US" sz="2400" dirty="0"/>
+          </a:p>
+          <a:p>
+            <a:pPr marL="342900" indent="-342900">
+              <a:buFont typeface="Wingdings" panose="05000000000000000000" pitchFamily="2" charset="2"/>
+              <a:buChar char="§"/>
+            </a:pPr>
+            <a:r>
+              <a:rPr lang="en-US" sz="2400" dirty="0"/>
+              <a:t>Anticipating stuttering and managing it can cause additional stress and burden.  </a:t>
+            </a:r>
+          </a:p>
+        </p:txBody>
+      </p:sp>
+      <p:sp>
+        <p:nvSpPr>
+          <p:cNvPr id="5" name="Rectangle 4">
+            <a:extLst>
+              <a:ext uri="{FF2B5EF4-FFF2-40B4-BE49-F238E27FC236}">
+                <a16:creationId xmlns:a16="http://schemas.microsoft.com/office/drawing/2014/main" id="{3B546A82-0299-4DA6-ABF9-B2830592628C}"/>
+              </a:ext>
+            </a:extLst>
+          </p:cNvPr>
+          <p:cNvSpPr/>
+          <p:nvPr/>
+        </p:nvSpPr>
+        <p:spPr>
+          <a:xfrm>
+            <a:off x="0" y="5676901"/>
+            <a:ext cx="12192000" cy="524260"/>
+          </a:xfrm>
+          <a:prstGeom prst="rect">
+            <a:avLst/>
+          </a:prstGeom>
+          <a:solidFill>
+            <a:schemeClr val="accent1">
+              <a:lumMod val="75000"/>
+            </a:schemeClr>
+          </a:solidFill>
+        </p:spPr>
+        <p:style>
+          <a:lnRef idx="2">
+            <a:schemeClr val="accent1">
+              <a:shade val="50000"/>
+            </a:schemeClr>
+          </a:lnRef>
+          <a:fillRef idx="1">
+            <a:schemeClr val="accent1"/>
+          </a:fillRef>
+          <a:effectRef idx="0">
+            <a:schemeClr val="accent1"/>
+          </a:effectRef>
+          <a:fontRef idx="minor">
+            <a:schemeClr val="lt1"/>
+          </a:fontRef>
+        </p:style>
+        <p:txBody>
+          <a:bodyPr rtlCol="0" anchor="ctr"/>
+          <a:lstStyle/>
+          <a:p>
+            <a:pPr algn="ctr"/>
+            <a:r>
+              <a:rPr lang="en-US" sz="2800" b="1" dirty="0"/>
+              <a:t>In this work, we have focused on Word Substitution</a:t>
+            </a:r>
+          </a:p>
+        </p:txBody>
+      </p:sp>
+    </p:spTree>
+    <p:extLst>
+      <p:ext uri="{BB962C8B-B14F-4D97-AF65-F5344CB8AC3E}">
+        <p14:creationId xmlns:p14="http://schemas.microsoft.com/office/powerpoint/2010/main" val="3249092814"/>
+      </p:ext>
+    </p:extLst>
+  </p:cSld>
+  <p:clrMapOvr>
+    <a:masterClrMapping/>
+  </p:clrMapOvr>
+  <p:timing>
+    <p:tnLst>
+      <p:par>
+        <p:cTn id="1" dur="indefinite" restart="never" nodeType="tmRoot">
+          <p:childTnLst>
+            <p:seq concurrent="1" nextAc="seek">
+              <p:cTn id="2" dur="indefinite" nodeType="mainSeq">
+                <p:childTnLst>
+                  <p:par>
+                    <p:cTn id="3" fill="hold">
+                      <p:stCondLst>
+                        <p:cond delay="indefinite"/>
+                      </p:stCondLst>
+                      <p:childTnLst>
+                        <p:par>
+                          <p:cTn id="4" fill="hold">
+                            <p:stCondLst>
+                              <p:cond delay="0"/>
+                            </p:stCondLst>
+                            <p:childTnLst>
+                              <p:par>
+                                <p:cTn id="5" presetID="1" presetClass="entr" presetSubtype="0" fill="hold" nodeType="clickEffect">
+                                  <p:stCondLst>
+                                    <p:cond delay="0"/>
+                                  </p:stCondLst>
+                                  <p:childTnLst>
+                                    <p:set>
+                                      <p:cBhvr>
+                                        <p:cTn id="6" dur="1" fill="hold">
+                                          <p:stCondLst>
+                                            <p:cond delay="0"/>
+                                          </p:stCondLst>
+                                        </p:cTn>
+                                        <p:tgtEl>
+                                          <p:spTgt spid="6">
+                                            <p:txEl>
+                                              <p:pRg st="0" end="0"/>
+                                            </p:txEl>
+                                          </p:spTgt>
+                                        </p:tgtEl>
+                                        <p:attrNameLst>
+                                          <p:attrName>style.visibility</p:attrName>
+                                        </p:attrNameLst>
+                                      </p:cBhvr>
+                                      <p:to>
+                                        <p:strVal val="visible"/>
+                                      </p:to>
+                                    </p:set>
+                                  </p:childTnLst>
+                                </p:cTn>
+                              </p:par>
+                            </p:childTnLst>
+                          </p:cTn>
+                        </p:par>
+                      </p:childTnLst>
+                    </p:cTn>
+                  </p:par>
+                  <p:par>
+                    <p:cTn id="7" fill="hold">
+                      <p:stCondLst>
+                        <p:cond delay="indefinite"/>
+                      </p:stCondLst>
+                      <p:childTnLst>
+                        <p:par>
+                          <p:cTn id="8" fill="hold">
+                            <p:stCondLst>
+                              <p:cond delay="0"/>
+                            </p:stCondLst>
+                            <p:childTnLst>
+                              <p:par>
+                                <p:cTn id="9" presetID="1" presetClass="entr" presetSubtype="0" fill="hold" nodeType="clickEffect">
+                                  <p:stCondLst>
+                                    <p:cond delay="0"/>
+                                  </p:stCondLst>
+                                  <p:childTnLst>
+                                    <p:set>
+                                      <p:cBhvr>
+                                        <p:cTn id="10" dur="1" fill="hold">
+                                          <p:stCondLst>
+                                            <p:cond delay="0"/>
+                                          </p:stCondLst>
+                                        </p:cTn>
+                                        <p:tgtEl>
+                                          <p:spTgt spid="6">
+                                            <p:txEl>
+                                              <p:pRg st="2" end="2"/>
+                                            </p:txEl>
+                                          </p:spTgt>
+                                        </p:tgtEl>
+                                        <p:attrNameLst>
+                                          <p:attrName>style.visibility</p:attrName>
+                                        </p:attrNameLst>
+                                      </p:cBhvr>
+                                      <p:to>
+                                        <p:strVal val="visible"/>
+                                      </p:to>
+                                    </p:set>
+                                  </p:childTnLst>
+                                </p:cTn>
+                              </p:par>
+                            </p:childTnLst>
+                          </p:cTn>
+                        </p:par>
+                      </p:childTnLst>
+                    </p:cTn>
+                  </p:par>
+                  <p:par>
+                    <p:cTn id="11" fill="hold">
+                      <p:stCondLst>
+                        <p:cond delay="indefinite"/>
+                      </p:stCondLst>
+                      <p:childTnLst>
+                        <p:par>
+                          <p:cTn id="12" fill="hold">
+                            <p:stCondLst>
+                              <p:cond delay="0"/>
+                            </p:stCondLst>
+                            <p:childTnLst>
+                              <p:par>
+                                <p:cTn id="13" presetID="1" presetClass="entr" presetSubtype="0" fill="hold" nodeType="clickEffect">
+                                  <p:stCondLst>
+                                    <p:cond delay="0"/>
+                                  </p:stCondLst>
+                                  <p:childTnLst>
+                                    <p:set>
+                                      <p:cBhvr>
+                                        <p:cTn id="14" dur="1" fill="hold">
+                                          <p:stCondLst>
+                                            <p:cond delay="0"/>
+                                          </p:stCondLst>
+                                        </p:cTn>
+                                        <p:tgtEl>
+                                          <p:spTgt spid="6">
+                                            <p:txEl>
+                                              <p:pRg st="4" end="4"/>
+                                            </p:txEl>
+                                          </p:spTgt>
+                                        </p:tgtEl>
+                                        <p:attrNameLst>
+                                          <p:attrName>style.visibility</p:attrName>
+                                        </p:attrNameLst>
+                                      </p:cBhvr>
+                                      <p:to>
+                                        <p:strVal val="visible"/>
+                                      </p:to>
+                                    </p:set>
+                                  </p:childTnLst>
+                                </p:cTn>
+                              </p:par>
+                            </p:childTnLst>
+                          </p:cTn>
+                        </p:par>
+                      </p:childTnLst>
+                    </p:cTn>
+                  </p:par>
+                  <p:par>
+                    <p:cTn id="15" fill="hold">
+                      <p:stCondLst>
+                        <p:cond delay="indefinite"/>
+                      </p:stCondLst>
+                      <p:childTnLst>
+                        <p:par>
+                          <p:cTn id="16" fill="hold">
+                            <p:stCondLst>
+                              <p:cond delay="0"/>
+                            </p:stCondLst>
+                            <p:childTnLst>
+                              <p:par>
+                                <p:cTn id="17" presetID="1" presetClass="entr" presetSubtype="0" fill="hold" nodeType="clickEffect">
+                                  <p:stCondLst>
+                                    <p:cond delay="0"/>
+                                  </p:stCondLst>
+                                  <p:childTnLst>
+                                    <p:set>
+                                      <p:cBhvr>
+                                        <p:cTn id="18" dur="1" fill="hold">
+                                          <p:stCondLst>
+                                            <p:cond delay="0"/>
+                                          </p:stCondLst>
+                                        </p:cTn>
+                                        <p:tgtEl>
+                                          <p:spTgt spid="6">
+                                            <p:txEl>
+                                              <p:pRg st="6" end="6"/>
+                                            </p:txEl>
+                                          </p:spTgt>
+                                        </p:tgtEl>
+                                        <p:attrNameLst>
+                                          <p:attrName>style.visibility</p:attrName>
+                                        </p:attrNameLst>
+                                      </p:cBhvr>
+                                      <p:to>
+                                        <p:strVal val="visible"/>
+                                      </p:to>
+                                    </p:set>
+                                  </p:childTnLst>
+                                </p:cTn>
+                              </p:par>
+                            </p:childTnLst>
+                          </p:cTn>
+                        </p:par>
+                      </p:childTnLst>
+                    </p:cTn>
+                  </p:par>
+                  <p:par>
+                    <p:cTn id="19" fill="hold">
+                      <p:stCondLst>
+                        <p:cond delay="indefinite"/>
+                      </p:stCondLst>
+                      <p:childTnLst>
+                        <p:par>
+                          <p:cTn id="20" fill="hold">
+                            <p:stCondLst>
+                              <p:cond delay="0"/>
+                            </p:stCondLst>
+                            <p:childTnLst>
+                              <p:par>
+                                <p:cTn id="21" presetID="1" presetClass="entr" presetSubtype="0" fill="hold" nodeType="clickEffect">
+                                  <p:stCondLst>
+                                    <p:cond delay="0"/>
+                                  </p:stCondLst>
+                                  <p:childTnLst>
+                                    <p:set>
+                                      <p:cBhvr>
+                                        <p:cTn id="22" dur="1" fill="hold">
+                                          <p:stCondLst>
+                                            <p:cond delay="0"/>
+                                          </p:stCondLst>
+                                        </p:cTn>
+                                        <p:tgtEl>
+                                          <p:spTgt spid="6">
+                                            <p:txEl>
+                                              <p:pRg st="8" end="8"/>
+                                            </p:txEl>
+                                          </p:spTgt>
+                                        </p:tgtEl>
+                                        <p:attrNameLst>
+                                          <p:attrName>style.visibility</p:attrName>
+                                        </p:attrNameLst>
+                                      </p:cBhvr>
+                                      <p:to>
+                                        <p:strVal val="visible"/>
+                                      </p:to>
+                                    </p:set>
+                                  </p:childTnLst>
+                                </p:cTn>
+                              </p:par>
+                            </p:childTnLst>
+                          </p:cTn>
+                        </p:par>
+                      </p:childTnLst>
+                    </p:cTn>
+                  </p:par>
+                  <p:par>
+                    <p:cTn id="23" fill="hold">
+                      <p:stCondLst>
+                        <p:cond delay="indefinite"/>
+                      </p:stCondLst>
+                      <p:childTnLst>
+                        <p:par>
+                          <p:cTn id="24" fill="hold">
+                            <p:stCondLst>
+                              <p:cond delay="0"/>
+                            </p:stCondLst>
+                            <p:childTnLst>
+                              <p:par>
+                                <p:cTn id="25" presetID="1" presetClass="entr" presetSubtype="0" fill="hold" grpId="0" nodeType="clickEffect">
+                                  <p:stCondLst>
+                                    <p:cond delay="0"/>
+                                  </p:stCondLst>
+                                  <p:childTnLst>
+                                    <p:set>
+                                      <p:cBhvr>
+                                        <p:cTn id="26" dur="1" fill="hold">
+                                          <p:stCondLst>
+                                            <p:cond delay="0"/>
+                                          </p:stCondLst>
+                                        </p:cTn>
+                                        <p:tgtEl>
+                                          <p:spTgt spid="5"/>
+                                        </p:tgtEl>
+                                        <p:attrNameLst>
+                                          <p:attrName>style.visibility</p:attrName>
+                                        </p:attrNameLst>
+                                      </p:cBhvr>
+                                      <p:to>
+                                        <p:strVal val="visible"/>
+                                      </p:to>
+                                    </p:set>
+                                  </p:childTnLst>
+                                </p:cTn>
+                              </p:par>
+                            </p:childTnLst>
+                          </p:cTn>
+                        </p:par>
+                      </p:childTnLst>
+                    </p:cTn>
+                  </p:par>
+                </p:childTnLst>
+              </p:cTn>
+              <p:prevCondLst>
+                <p:cond evt="onPrev" delay="0">
+                  <p:tgtEl>
+                    <p:sldTgt/>
+                  </p:tgtEl>
+                </p:cond>
+              </p:prevCondLst>
+              <p:nextCondLst>
+                <p:cond evt="onNext" delay="0">
+                  <p:tgtEl>
+                    <p:sldTgt/>
+                  </p:tgtEl>
+                </p:cond>
+              </p:nextCondLst>
+            </p:seq>
+          </p:childTnLst>
+        </p:cTn>
+      </p:par>
+    </p:tnLst>
+    <p:bldLst>
+      <p:bldP spid="5" grpId="0" animBg="1"/>
+    </p:bldLst>
+  </p:timing>
+</p:sld>
+</file>
+
+<file path=ppt/slides/slide30.xml><?xml version="1.0" encoding="utf-8"?>
 <p:sld xmlns:a="http://schemas.openxmlformats.org/drawingml/2006/main" xmlns:r="http://schemas.openxmlformats.org/officeDocument/2006/relationships" xmlns:p="http://schemas.openxmlformats.org/presentationml/2006/main">
   <p:cSld>
     <p:spTree>
@@ -32205,619 +33528,7 @@
 </p:sld>
 </file>
 
-<file path=ppt/slides/slide3.xml><?xml version="1.0" encoding="utf-8"?>
-<p:sld xmlns:a="http://schemas.openxmlformats.org/drawingml/2006/main" xmlns:r="http://schemas.openxmlformats.org/officeDocument/2006/relationships" xmlns:p="http://schemas.openxmlformats.org/presentationml/2006/main">
-  <p:cSld>
-    <p:spTree>
-      <p:nvGrpSpPr>
-        <p:cNvPr id="1" name=""/>
-        <p:cNvGrpSpPr/>
-        <p:nvPr/>
-      </p:nvGrpSpPr>
-      <p:grpSpPr>
-        <a:xfrm>
-          <a:off x="0" y="0"/>
-          <a:ext cx="0" cy="0"/>
-          <a:chOff x="0" y="0"/>
-          <a:chExt cx="0" cy="0"/>
-        </a:xfrm>
-      </p:grpSpPr>
-      <p:sp>
-        <p:nvSpPr>
-          <p:cNvPr id="19" name="Title 1">
-            <a:extLst>
-              <a:ext uri="{FF2B5EF4-FFF2-40B4-BE49-F238E27FC236}">
-                <a16:creationId xmlns:a16="http://schemas.microsoft.com/office/drawing/2014/main" id="{1145B1FC-8B5F-4A10-B215-C60705EDF134}"/>
-              </a:ext>
-            </a:extLst>
-          </p:cNvPr>
-          <p:cNvSpPr txBox="1">
-            <a:spLocks/>
-          </p:cNvSpPr>
-          <p:nvPr/>
-        </p:nvSpPr>
-        <p:spPr>
-          <a:xfrm>
-            <a:off x="709612" y="61215"/>
-            <a:ext cx="10772775" cy="961277"/>
-          </a:xfrm>
-          <a:prstGeom prst="rect">
-            <a:avLst/>
-          </a:prstGeom>
-        </p:spPr>
-        <p:txBody>
-          <a:bodyPr vert="horz" lIns="91440" tIns="45720" rIns="91440" bIns="45720" rtlCol="0" anchor="ctr">
-            <a:normAutofit/>
-          </a:bodyPr>
-          <a:lstStyle>
-            <a:lvl1pPr algn="l" defTabSz="914400" rtl="0" eaLnBrk="1" latinLnBrk="0" hangingPunct="1">
-              <a:lnSpc>
-                <a:spcPct val="90000"/>
-              </a:lnSpc>
-              <a:spcBef>
-                <a:spcPct val="0"/>
-              </a:spcBef>
-              <a:buNone/>
-              <a:defRPr sz="4400" kern="1200">
-                <a:solidFill>
-                  <a:schemeClr val="tx1"/>
-                </a:solidFill>
-                <a:latin typeface="+mj-lt"/>
-                <a:ea typeface="+mj-ea"/>
-                <a:cs typeface="+mj-cs"/>
-              </a:defRPr>
-            </a:lvl1pPr>
-          </a:lstStyle>
-          <a:p>
-            <a:pPr algn="ctr"/>
-            <a:r>
-              <a:rPr lang="en-US" b="1" dirty="0">
-                <a:solidFill>
-                  <a:schemeClr val="accent1">
-                    <a:lumMod val="75000"/>
-                  </a:schemeClr>
-                </a:solidFill>
-                <a:latin typeface="+mn-lt"/>
-              </a:rPr>
-              <a:t>Avoidance Behaviors</a:t>
-            </a:r>
-          </a:p>
-        </p:txBody>
-      </p:sp>
-      <p:pic>
-        <p:nvPicPr>
-          <p:cNvPr id="20" name="Picture 19" descr="A picture containing object&#10;&#10;Description generated with very high confidence">
-            <a:extLst>
-              <a:ext uri="{FF2B5EF4-FFF2-40B4-BE49-F238E27FC236}">
-                <a16:creationId xmlns:a16="http://schemas.microsoft.com/office/drawing/2014/main" id="{BFA8EE74-C4C5-4B64-A157-B93B22BF494E}"/>
-              </a:ext>
-            </a:extLst>
-          </p:cNvPr>
-          <p:cNvPicPr>
-            <a:picLocks noChangeAspect="1"/>
-          </p:cNvPicPr>
-          <p:nvPr/>
-        </p:nvPicPr>
-        <p:blipFill>
-          <a:blip r:embed="rId3">
-            <a:extLst>
-              <a:ext uri="{28A0092B-C50C-407E-A947-70E740481C1C}">
-                <a14:useLocalDpi xmlns:a14="http://schemas.microsoft.com/office/drawing/2010/main" val="0"/>
-              </a:ext>
-            </a:extLst>
-          </a:blip>
-          <a:stretch>
-            <a:fillRect/>
-          </a:stretch>
-        </p:blipFill>
-        <p:spPr>
-          <a:xfrm>
-            <a:off x="9835376" y="6328400"/>
-            <a:ext cx="2223771" cy="428280"/>
-          </a:xfrm>
-          <a:prstGeom prst="rect">
-            <a:avLst/>
-          </a:prstGeom>
-        </p:spPr>
-      </p:pic>
-      <p:sp>
-        <p:nvSpPr>
-          <p:cNvPr id="6" name="TextBox 5">
-            <a:extLst>
-              <a:ext uri="{FF2B5EF4-FFF2-40B4-BE49-F238E27FC236}">
-                <a16:creationId xmlns:a16="http://schemas.microsoft.com/office/drawing/2014/main" id="{74D658F0-641F-4B92-BDB3-3845C185EDF3}"/>
-              </a:ext>
-            </a:extLst>
-          </p:cNvPr>
-          <p:cNvSpPr txBox="1"/>
-          <p:nvPr/>
-        </p:nvSpPr>
-        <p:spPr>
-          <a:xfrm>
-            <a:off x="580303" y="783254"/>
-            <a:ext cx="11031392" cy="4893647"/>
-          </a:xfrm>
-          <a:prstGeom prst="rect">
-            <a:avLst/>
-          </a:prstGeom>
-          <a:noFill/>
-        </p:spPr>
-        <p:txBody>
-          <a:bodyPr wrap="square" rtlCol="0">
-            <a:spAutoFit/>
-          </a:bodyPr>
-          <a:lstStyle/>
-          <a:p>
-            <a:pPr marL="342900" indent="-342900">
-              <a:buFont typeface="Wingdings" panose="05000000000000000000" pitchFamily="2" charset="2"/>
-              <a:buChar char="§"/>
-            </a:pPr>
-            <a:r>
-              <a:rPr lang="en-US" sz="2400" dirty="0"/>
-              <a:t>As a person gets older, they become more conscious of their condition and learn to anticipate stuttering moments better (also known as anticipation effect)</a:t>
-            </a:r>
-          </a:p>
-          <a:p>
-            <a:pPr marL="342900" indent="-342900">
-              <a:buFont typeface="Wingdings" panose="05000000000000000000" pitchFamily="2" charset="2"/>
-              <a:buChar char="§"/>
-            </a:pPr>
-            <a:endParaRPr lang="en-US" sz="2400" dirty="0"/>
-          </a:p>
-          <a:p>
-            <a:pPr marL="342900" indent="-342900">
-              <a:buFont typeface="Wingdings" panose="05000000000000000000" pitchFamily="2" charset="2"/>
-              <a:buChar char="§"/>
-            </a:pPr>
-            <a:r>
-              <a:rPr lang="en-US" sz="2400" dirty="0"/>
-              <a:t>When an individual anticipates a stuttering moment, they use different strategies to conceal their condition which are known as Avoidance behaviors.</a:t>
-            </a:r>
-          </a:p>
-          <a:p>
-            <a:pPr marL="342900" indent="-342900">
-              <a:buFont typeface="Wingdings" panose="05000000000000000000" pitchFamily="2" charset="2"/>
-              <a:buChar char="§"/>
-            </a:pPr>
-            <a:endParaRPr lang="en-US" sz="2400" dirty="0"/>
-          </a:p>
-          <a:p>
-            <a:pPr marL="342900" indent="-342900">
-              <a:buFont typeface="Wingdings" panose="05000000000000000000" pitchFamily="2" charset="2"/>
-              <a:buChar char="§"/>
-            </a:pPr>
-            <a:r>
-              <a:rPr lang="en-US" sz="2400" dirty="0"/>
-              <a:t>This may include using fillers (e.g., ‘um’, ‘like’), substituting the feared word with its synonym, talk around the feared word (circumlocution), etc.</a:t>
-            </a:r>
-          </a:p>
-          <a:p>
-            <a:pPr marL="342900" indent="-342900">
-              <a:buFont typeface="Wingdings" panose="05000000000000000000" pitchFamily="2" charset="2"/>
-              <a:buChar char="§"/>
-            </a:pPr>
-            <a:endParaRPr lang="en-US" sz="2400" dirty="0"/>
-          </a:p>
-          <a:p>
-            <a:pPr marL="342900" indent="-342900">
-              <a:buFont typeface="Wingdings" panose="05000000000000000000" pitchFamily="2" charset="2"/>
-              <a:buChar char="§"/>
-            </a:pPr>
-            <a:r>
-              <a:rPr lang="en-US" sz="2400" dirty="0"/>
-              <a:t>Research has shown that all people who stutter use such strategies to some degree. A recent study found that the objective of 69.5% of PWS was to hide their stuttering. </a:t>
-            </a:r>
-          </a:p>
-          <a:p>
-            <a:pPr marL="342900" indent="-342900">
-              <a:buFont typeface="Wingdings" panose="05000000000000000000" pitchFamily="2" charset="2"/>
-              <a:buChar char="§"/>
-            </a:pPr>
-            <a:endParaRPr lang="en-US" sz="2400" dirty="0"/>
-          </a:p>
-          <a:p>
-            <a:pPr marL="342900" indent="-342900">
-              <a:buFont typeface="Wingdings" panose="05000000000000000000" pitchFamily="2" charset="2"/>
-              <a:buChar char="§"/>
-            </a:pPr>
-            <a:r>
-              <a:rPr lang="en-US" sz="2400" dirty="0"/>
-              <a:t>Anticipating stuttering and managing it can cause additional stress and burden.  </a:t>
-            </a:r>
-          </a:p>
-        </p:txBody>
-      </p:sp>
-      <p:sp>
-        <p:nvSpPr>
-          <p:cNvPr id="5" name="Rectangle 4">
-            <a:extLst>
-              <a:ext uri="{FF2B5EF4-FFF2-40B4-BE49-F238E27FC236}">
-                <a16:creationId xmlns:a16="http://schemas.microsoft.com/office/drawing/2014/main" id="{3B546A82-0299-4DA6-ABF9-B2830592628C}"/>
-              </a:ext>
-            </a:extLst>
-          </p:cNvPr>
-          <p:cNvSpPr/>
-          <p:nvPr/>
-        </p:nvSpPr>
-        <p:spPr>
-          <a:xfrm>
-            <a:off x="0" y="5676901"/>
-            <a:ext cx="12192000" cy="524260"/>
-          </a:xfrm>
-          <a:prstGeom prst="rect">
-            <a:avLst/>
-          </a:prstGeom>
-          <a:solidFill>
-            <a:schemeClr val="accent1">
-              <a:lumMod val="75000"/>
-            </a:schemeClr>
-          </a:solidFill>
-        </p:spPr>
-        <p:style>
-          <a:lnRef idx="2">
-            <a:schemeClr val="accent1">
-              <a:shade val="50000"/>
-            </a:schemeClr>
-          </a:lnRef>
-          <a:fillRef idx="1">
-            <a:schemeClr val="accent1"/>
-          </a:fillRef>
-          <a:effectRef idx="0">
-            <a:schemeClr val="accent1"/>
-          </a:effectRef>
-          <a:fontRef idx="minor">
-            <a:schemeClr val="lt1"/>
-          </a:fontRef>
-        </p:style>
-        <p:txBody>
-          <a:bodyPr rtlCol="0" anchor="ctr"/>
-          <a:lstStyle/>
-          <a:p>
-            <a:pPr algn="ctr"/>
-            <a:r>
-              <a:rPr lang="en-US" sz="2800" b="1" dirty="0"/>
-              <a:t>In this work, we have focused on Word Substitution</a:t>
-            </a:r>
-          </a:p>
-        </p:txBody>
-      </p:sp>
-    </p:spTree>
-    <p:extLst>
-      <p:ext uri="{BB962C8B-B14F-4D97-AF65-F5344CB8AC3E}">
-        <p14:creationId xmlns:p14="http://schemas.microsoft.com/office/powerpoint/2010/main" val="3249092814"/>
-      </p:ext>
-    </p:extLst>
-  </p:cSld>
-  <p:clrMapOvr>
-    <a:masterClrMapping/>
-  </p:clrMapOvr>
-  <p:timing>
-    <p:tnLst>
-      <p:par>
-        <p:cTn id="1" dur="indefinite" restart="never" nodeType="tmRoot">
-          <p:childTnLst>
-            <p:seq concurrent="1" nextAc="seek">
-              <p:cTn id="2" dur="indefinite" nodeType="mainSeq">
-                <p:childTnLst>
-                  <p:par>
-                    <p:cTn id="3" fill="hold">
-                      <p:stCondLst>
-                        <p:cond delay="indefinite"/>
-                      </p:stCondLst>
-                      <p:childTnLst>
-                        <p:par>
-                          <p:cTn id="4" fill="hold">
-                            <p:stCondLst>
-                              <p:cond delay="0"/>
-                            </p:stCondLst>
-                            <p:childTnLst>
-                              <p:par>
-                                <p:cTn id="5" presetID="1" presetClass="entr" presetSubtype="0" fill="hold" nodeType="clickEffect">
-                                  <p:stCondLst>
-                                    <p:cond delay="0"/>
-                                  </p:stCondLst>
-                                  <p:childTnLst>
-                                    <p:set>
-                                      <p:cBhvr>
-                                        <p:cTn id="6" dur="1" fill="hold">
-                                          <p:stCondLst>
-                                            <p:cond delay="0"/>
-                                          </p:stCondLst>
-                                        </p:cTn>
-                                        <p:tgtEl>
-                                          <p:spTgt spid="6">
-                                            <p:txEl>
-                                              <p:pRg st="0" end="0"/>
-                                            </p:txEl>
-                                          </p:spTgt>
-                                        </p:tgtEl>
-                                        <p:attrNameLst>
-                                          <p:attrName>style.visibility</p:attrName>
-                                        </p:attrNameLst>
-                                      </p:cBhvr>
-                                      <p:to>
-                                        <p:strVal val="visible"/>
-                                      </p:to>
-                                    </p:set>
-                                  </p:childTnLst>
-                                </p:cTn>
-                              </p:par>
-                            </p:childTnLst>
-                          </p:cTn>
-                        </p:par>
-                      </p:childTnLst>
-                    </p:cTn>
-                  </p:par>
-                  <p:par>
-                    <p:cTn id="7" fill="hold">
-                      <p:stCondLst>
-                        <p:cond delay="indefinite"/>
-                      </p:stCondLst>
-                      <p:childTnLst>
-                        <p:par>
-                          <p:cTn id="8" fill="hold">
-                            <p:stCondLst>
-                              <p:cond delay="0"/>
-                            </p:stCondLst>
-                            <p:childTnLst>
-                              <p:par>
-                                <p:cTn id="9" presetID="1" presetClass="entr" presetSubtype="0" fill="hold" nodeType="clickEffect">
-                                  <p:stCondLst>
-                                    <p:cond delay="0"/>
-                                  </p:stCondLst>
-                                  <p:childTnLst>
-                                    <p:set>
-                                      <p:cBhvr>
-                                        <p:cTn id="10" dur="1" fill="hold">
-                                          <p:stCondLst>
-                                            <p:cond delay="0"/>
-                                          </p:stCondLst>
-                                        </p:cTn>
-                                        <p:tgtEl>
-                                          <p:spTgt spid="6">
-                                            <p:txEl>
-                                              <p:pRg st="4" end="4"/>
-                                            </p:txEl>
-                                          </p:spTgt>
-                                        </p:tgtEl>
-                                        <p:attrNameLst>
-                                          <p:attrName>style.visibility</p:attrName>
-                                        </p:attrNameLst>
-                                      </p:cBhvr>
-                                      <p:to>
-                                        <p:strVal val="visible"/>
-                                      </p:to>
-                                    </p:set>
-                                  </p:childTnLst>
-                                </p:cTn>
-                              </p:par>
-                            </p:childTnLst>
-                          </p:cTn>
-                        </p:par>
-                      </p:childTnLst>
-                    </p:cTn>
-                  </p:par>
-                  <p:par>
-                    <p:cTn id="11" fill="hold">
-                      <p:stCondLst>
-                        <p:cond delay="indefinite"/>
-                      </p:stCondLst>
-                      <p:childTnLst>
-                        <p:par>
-                          <p:cTn id="12" fill="hold">
-                            <p:stCondLst>
-                              <p:cond delay="0"/>
-                            </p:stCondLst>
-                            <p:childTnLst>
-                              <p:par>
-                                <p:cTn id="13" presetID="1" presetClass="entr" presetSubtype="0" fill="hold" nodeType="clickEffect">
-                                  <p:stCondLst>
-                                    <p:cond delay="0"/>
-                                  </p:stCondLst>
-                                  <p:childTnLst>
-                                    <p:set>
-                                      <p:cBhvr>
-                                        <p:cTn id="14" dur="1" fill="hold">
-                                          <p:stCondLst>
-                                            <p:cond delay="0"/>
-                                          </p:stCondLst>
-                                        </p:cTn>
-                                        <p:tgtEl>
-                                          <p:spTgt spid="6">
-                                            <p:txEl>
-                                              <p:pRg st="6" end="6"/>
-                                            </p:txEl>
-                                          </p:spTgt>
-                                        </p:tgtEl>
-                                        <p:attrNameLst>
-                                          <p:attrName>style.visibility</p:attrName>
-                                        </p:attrNameLst>
-                                      </p:cBhvr>
-                                      <p:to>
-                                        <p:strVal val="visible"/>
-                                      </p:to>
-                                    </p:set>
-                                  </p:childTnLst>
-                                </p:cTn>
-                              </p:par>
-                            </p:childTnLst>
-                          </p:cTn>
-                        </p:par>
-                      </p:childTnLst>
-                    </p:cTn>
-                  </p:par>
-                  <p:par>
-                    <p:cTn id="15" fill="hold">
-                      <p:stCondLst>
-                        <p:cond delay="indefinite"/>
-                      </p:stCondLst>
-                      <p:childTnLst>
-                        <p:par>
-                          <p:cTn id="16" fill="hold">
-                            <p:stCondLst>
-                              <p:cond delay="0"/>
-                            </p:stCondLst>
-                            <p:childTnLst>
-                              <p:par>
-                                <p:cTn id="17" presetID="1" presetClass="entr" presetSubtype="0" fill="hold" nodeType="clickEffect">
-                                  <p:stCondLst>
-                                    <p:cond delay="0"/>
-                                  </p:stCondLst>
-                                  <p:childTnLst>
-                                    <p:set>
-                                      <p:cBhvr>
-                                        <p:cTn id="18" dur="1" fill="hold">
-                                          <p:stCondLst>
-                                            <p:cond delay="0"/>
-                                          </p:stCondLst>
-                                        </p:cTn>
-                                        <p:tgtEl>
-                                          <p:spTgt spid="6">
-                                            <p:txEl>
-                                              <p:pRg st="8" end="8"/>
-                                            </p:txEl>
-                                          </p:spTgt>
-                                        </p:tgtEl>
-                                        <p:attrNameLst>
-                                          <p:attrName>style.visibility</p:attrName>
-                                        </p:attrNameLst>
-                                      </p:cBhvr>
-                                      <p:to>
-                                        <p:strVal val="visible"/>
-                                      </p:to>
-                                    </p:set>
-                                  </p:childTnLst>
-                                </p:cTn>
-                              </p:par>
-                            </p:childTnLst>
-                          </p:cTn>
-                        </p:par>
-                      </p:childTnLst>
-                    </p:cTn>
-                  </p:par>
-                  <p:par>
-                    <p:cTn id="19" fill="hold">
-                      <p:stCondLst>
-                        <p:cond delay="indefinite"/>
-                      </p:stCondLst>
-                      <p:childTnLst>
-                        <p:par>
-                          <p:cTn id="20" fill="hold">
-                            <p:stCondLst>
-                              <p:cond delay="0"/>
-                            </p:stCondLst>
-                            <p:childTnLst>
-                              <p:par>
-                                <p:cTn id="21" presetID="1" presetClass="entr" presetSubtype="0" fill="hold" nodeType="clickEffect">
-                                  <p:stCondLst>
-                                    <p:cond delay="0"/>
-                                  </p:stCondLst>
-                                  <p:childTnLst>
-                                    <p:set>
-                                      <p:cBhvr>
-                                        <p:cTn id="22" dur="1" fill="hold">
-                                          <p:stCondLst>
-                                            <p:cond delay="0"/>
-                                          </p:stCondLst>
-                                        </p:cTn>
-                                        <p:tgtEl>
-                                          <p:spTgt spid="6">
-                                            <p:txEl>
-                                              <p:pRg st="2" end="2"/>
-                                            </p:txEl>
-                                          </p:spTgt>
-                                        </p:tgtEl>
-                                        <p:attrNameLst>
-                                          <p:attrName>style.visibility</p:attrName>
-                                        </p:attrNameLst>
-                                      </p:cBhvr>
-                                      <p:to>
-                                        <p:strVal val="visible"/>
-                                      </p:to>
-                                    </p:set>
-                                  </p:childTnLst>
-                                </p:cTn>
-                              </p:par>
-                            </p:childTnLst>
-                          </p:cTn>
-                        </p:par>
-                      </p:childTnLst>
-                    </p:cTn>
-                  </p:par>
-                  <p:par>
-                    <p:cTn id="23" fill="hold">
-                      <p:stCondLst>
-                        <p:cond delay="indefinite"/>
-                      </p:stCondLst>
-                      <p:childTnLst>
-                        <p:par>
-                          <p:cTn id="24" fill="hold">
-                            <p:stCondLst>
-                              <p:cond delay="0"/>
-                            </p:stCondLst>
-                            <p:childTnLst>
-                              <p:par>
-                                <p:cTn id="25" presetID="1" presetClass="entr" presetSubtype="0" fill="hold" grpId="0" nodeType="clickEffect">
-                                  <p:stCondLst>
-                                    <p:cond delay="0"/>
-                                  </p:stCondLst>
-                                  <p:childTnLst>
-                                    <p:set>
-                                      <p:cBhvr>
-                                        <p:cTn id="26" dur="1" fill="hold">
-                                          <p:stCondLst>
-                                            <p:cond delay="0"/>
-                                          </p:stCondLst>
-                                        </p:cTn>
-                                        <p:tgtEl>
-                                          <p:spTgt spid="5"/>
-                                        </p:tgtEl>
-                                        <p:attrNameLst>
-                                          <p:attrName>style.visibility</p:attrName>
-                                        </p:attrNameLst>
-                                      </p:cBhvr>
-                                      <p:to>
-                                        <p:strVal val="visible"/>
-                                      </p:to>
-                                    </p:set>
-                                  </p:childTnLst>
-                                </p:cTn>
-                              </p:par>
-                            </p:childTnLst>
-                          </p:cTn>
-                        </p:par>
-                      </p:childTnLst>
-                    </p:cTn>
-                  </p:par>
-                </p:childTnLst>
-              </p:cTn>
-              <p:prevCondLst>
-                <p:cond evt="onPrev" delay="0">
-                  <p:tgtEl>
-                    <p:sldTgt/>
-                  </p:tgtEl>
-                </p:cond>
-              </p:prevCondLst>
-              <p:nextCondLst>
-                <p:cond evt="onNext" delay="0">
-                  <p:tgtEl>
-                    <p:sldTgt/>
-                  </p:tgtEl>
-                </p:cond>
-              </p:nextCondLst>
-            </p:seq>
-          </p:childTnLst>
-        </p:cTn>
-      </p:par>
-    </p:tnLst>
-    <p:bldLst>
-      <p:bldP spid="5" grpId="0" animBg="1"/>
-    </p:bldLst>
-  </p:timing>
-</p:sld>
-</file>
-
-<file path=ppt/slides/slide30.xml><?xml version="1.0" encoding="utf-8"?>
+<file path=ppt/slides/slide31.xml><?xml version="1.0" encoding="utf-8"?>
 <p:sld xmlns:a="http://schemas.openxmlformats.org/drawingml/2006/main" xmlns:r="http://schemas.openxmlformats.org/officeDocument/2006/relationships" xmlns:p="http://schemas.openxmlformats.org/presentationml/2006/main">
   <p:cSld>
     <p:spTree>
@@ -33763,347 +34474,6 @@
 </file>
 
 <file path=ppt/slides/slide5.xml><?xml version="1.0" encoding="utf-8"?>
-<p:sld xmlns:a="http://schemas.openxmlformats.org/drawingml/2006/main" xmlns:r="http://schemas.openxmlformats.org/officeDocument/2006/relationships" xmlns:p="http://schemas.openxmlformats.org/presentationml/2006/main">
-  <p:cSld>
-    <p:spTree>
-      <p:nvGrpSpPr>
-        <p:cNvPr id="1" name=""/>
-        <p:cNvGrpSpPr/>
-        <p:nvPr/>
-      </p:nvGrpSpPr>
-      <p:grpSpPr>
-        <a:xfrm>
-          <a:off x="0" y="0"/>
-          <a:ext cx="0" cy="0"/>
-          <a:chOff x="0" y="0"/>
-          <a:chExt cx="0" cy="0"/>
-        </a:xfrm>
-      </p:grpSpPr>
-      <p:sp>
-        <p:nvSpPr>
-          <p:cNvPr id="19" name="Title 1">
-            <a:extLst>
-              <a:ext uri="{FF2B5EF4-FFF2-40B4-BE49-F238E27FC236}">
-                <a16:creationId xmlns:a16="http://schemas.microsoft.com/office/drawing/2014/main" id="{1145B1FC-8B5F-4A10-B215-C60705EDF134}"/>
-              </a:ext>
-            </a:extLst>
-          </p:cNvPr>
-          <p:cNvSpPr txBox="1">
-            <a:spLocks/>
-          </p:cNvSpPr>
-          <p:nvPr/>
-        </p:nvSpPr>
-        <p:spPr>
-          <a:xfrm>
-            <a:off x="807186" y="45839"/>
-            <a:ext cx="10772775" cy="961277"/>
-          </a:xfrm>
-          <a:prstGeom prst="rect">
-            <a:avLst/>
-          </a:prstGeom>
-        </p:spPr>
-        <p:txBody>
-          <a:bodyPr vert="horz" lIns="91440" tIns="45720" rIns="91440" bIns="45720" rtlCol="0" anchor="ctr">
-            <a:normAutofit/>
-          </a:bodyPr>
-          <a:lstStyle>
-            <a:lvl1pPr algn="l" defTabSz="914400" rtl="0" eaLnBrk="1" latinLnBrk="0" hangingPunct="1">
-              <a:lnSpc>
-                <a:spcPct val="90000"/>
-              </a:lnSpc>
-              <a:spcBef>
-                <a:spcPct val="0"/>
-              </a:spcBef>
-              <a:buNone/>
-              <a:defRPr sz="4400" kern="1200">
-                <a:solidFill>
-                  <a:schemeClr val="tx1"/>
-                </a:solidFill>
-                <a:latin typeface="+mj-lt"/>
-                <a:ea typeface="+mj-ea"/>
-                <a:cs typeface="+mj-cs"/>
-              </a:defRPr>
-            </a:lvl1pPr>
-          </a:lstStyle>
-          <a:p>
-            <a:pPr algn="ctr"/>
-            <a:r>
-              <a:rPr lang="en-US" b="1" dirty="0">
-                <a:solidFill>
-                  <a:schemeClr val="accent1">
-                    <a:lumMod val="75000"/>
-                  </a:schemeClr>
-                </a:solidFill>
-                <a:latin typeface="+mn-lt"/>
-              </a:rPr>
-              <a:t>Visual Interface</a:t>
-            </a:r>
-          </a:p>
-        </p:txBody>
-      </p:sp>
-      <p:pic>
-        <p:nvPicPr>
-          <p:cNvPr id="20" name="Picture 19" descr="A picture containing object&#10;&#10;Description generated with very high confidence">
-            <a:extLst>
-              <a:ext uri="{FF2B5EF4-FFF2-40B4-BE49-F238E27FC236}">
-                <a16:creationId xmlns:a16="http://schemas.microsoft.com/office/drawing/2014/main" id="{BFA8EE74-C4C5-4B64-A157-B93B22BF494E}"/>
-              </a:ext>
-            </a:extLst>
-          </p:cNvPr>
-          <p:cNvPicPr>
-            <a:picLocks noChangeAspect="1"/>
-          </p:cNvPicPr>
-          <p:nvPr/>
-        </p:nvPicPr>
-        <p:blipFill>
-          <a:blip r:embed="rId3">
-            <a:extLst>
-              <a:ext uri="{28A0092B-C50C-407E-A947-70E740481C1C}">
-                <a14:useLocalDpi xmlns:a14="http://schemas.microsoft.com/office/drawing/2010/main" val="0"/>
-              </a:ext>
-            </a:extLst>
-          </a:blip>
-          <a:stretch>
-            <a:fillRect/>
-          </a:stretch>
-        </p:blipFill>
-        <p:spPr>
-          <a:xfrm>
-            <a:off x="9835376" y="6328400"/>
-            <a:ext cx="2223771" cy="428280"/>
-          </a:xfrm>
-          <a:prstGeom prst="rect">
-            <a:avLst/>
-          </a:prstGeom>
-        </p:spPr>
-      </p:pic>
-      <p:pic>
-        <p:nvPicPr>
-          <p:cNvPr id="4" name="Picture 3" descr="Text&#10;&#10;Description automatically generated">
-            <a:extLst>
-              <a:ext uri="{FF2B5EF4-FFF2-40B4-BE49-F238E27FC236}">
-                <a16:creationId xmlns:a16="http://schemas.microsoft.com/office/drawing/2014/main" id="{C11F4A81-6AFA-4ADB-8DE1-3B4330BD12F2}"/>
-              </a:ext>
-            </a:extLst>
-          </p:cNvPr>
-          <p:cNvPicPr>
-            <a:picLocks noChangeAspect="1"/>
-          </p:cNvPicPr>
-          <p:nvPr/>
-        </p:nvPicPr>
-        <p:blipFill>
-          <a:blip r:embed="rId4">
-            <a:extLst>
-              <a:ext uri="{28A0092B-C50C-407E-A947-70E740481C1C}">
-                <a14:useLocalDpi xmlns:a14="http://schemas.microsoft.com/office/drawing/2010/main" val="0"/>
-              </a:ext>
-            </a:extLst>
-          </a:blip>
-          <a:stretch>
-            <a:fillRect/>
-          </a:stretch>
-        </p:blipFill>
-        <p:spPr>
-          <a:xfrm>
-            <a:off x="231139" y="878779"/>
-            <a:ext cx="11729721" cy="4615072"/>
-          </a:xfrm>
-          <a:prstGeom prst="rect">
-            <a:avLst/>
-          </a:prstGeom>
-        </p:spPr>
-      </p:pic>
-      <p:sp>
-        <p:nvSpPr>
-          <p:cNvPr id="8" name="Rectangle 7">
-            <a:extLst>
-              <a:ext uri="{FF2B5EF4-FFF2-40B4-BE49-F238E27FC236}">
-                <a16:creationId xmlns:a16="http://schemas.microsoft.com/office/drawing/2014/main" id="{768BDC41-8315-4989-84E1-694E907E759E}"/>
-              </a:ext>
-            </a:extLst>
-          </p:cNvPr>
-          <p:cNvSpPr/>
-          <p:nvPr/>
-        </p:nvSpPr>
-        <p:spPr>
-          <a:xfrm>
-            <a:off x="0" y="5676901"/>
-            <a:ext cx="12192000" cy="524260"/>
-          </a:xfrm>
-          <a:prstGeom prst="rect">
-            <a:avLst/>
-          </a:prstGeom>
-          <a:solidFill>
-            <a:schemeClr val="accent1">
-              <a:lumMod val="75000"/>
-            </a:schemeClr>
-          </a:solidFill>
-        </p:spPr>
-        <p:style>
-          <a:lnRef idx="2">
-            <a:schemeClr val="accent1">
-              <a:shade val="50000"/>
-            </a:schemeClr>
-          </a:lnRef>
-          <a:fillRef idx="1">
-            <a:schemeClr val="accent1"/>
-          </a:fillRef>
-          <a:effectRef idx="0">
-            <a:schemeClr val="accent1"/>
-          </a:effectRef>
-          <a:fontRef idx="minor">
-            <a:schemeClr val="lt1"/>
-          </a:fontRef>
-        </p:style>
-        <p:txBody>
-          <a:bodyPr rtlCol="0" anchor="ctr"/>
-          <a:lstStyle/>
-          <a:p>
-            <a:pPr algn="ctr"/>
-            <a:r>
-              <a:rPr lang="en-US" sz="2800" b="1" dirty="0"/>
-              <a:t>The Interface is designed to be Intuitive, Accessible and Minimalist</a:t>
-            </a:r>
-          </a:p>
-        </p:txBody>
-      </p:sp>
-    </p:spTree>
-    <p:extLst>
-      <p:ext uri="{BB962C8B-B14F-4D97-AF65-F5344CB8AC3E}">
-        <p14:creationId xmlns:p14="http://schemas.microsoft.com/office/powerpoint/2010/main" val="4034023474"/>
-      </p:ext>
-    </p:extLst>
-  </p:cSld>
-  <p:clrMapOvr>
-    <a:masterClrMapping/>
-  </p:clrMapOvr>
-  <p:timing>
-    <p:tnLst>
-      <p:par>
-        <p:cTn id="1" dur="indefinite" restart="never" nodeType="tmRoot">
-          <p:childTnLst>
-            <p:seq concurrent="1" nextAc="seek">
-              <p:cTn id="2" dur="indefinite" nodeType="mainSeq">
-                <p:childTnLst>
-                  <p:par>
-                    <p:cTn id="3" fill="hold">
-                      <p:stCondLst>
-                        <p:cond delay="indefinite"/>
-                      </p:stCondLst>
-                      <p:childTnLst>
-                        <p:par>
-                          <p:cTn id="4" fill="hold">
-                            <p:stCondLst>
-                              <p:cond delay="0"/>
-                            </p:stCondLst>
-                            <p:childTnLst>
-                              <p:par>
-                                <p:cTn id="5" presetID="1" presetClass="entr" presetSubtype="0" fill="hold" nodeType="clickEffect">
-                                  <p:stCondLst>
-                                    <p:cond delay="0"/>
-                                  </p:stCondLst>
-                                  <p:childTnLst>
-                                    <p:set>
-                                      <p:cBhvr>
-                                        <p:cTn id="6" dur="1" fill="hold">
-                                          <p:stCondLst>
-                                            <p:cond delay="0"/>
-                                          </p:stCondLst>
-                                        </p:cTn>
-                                        <p:tgtEl>
-                                          <p:spTgt spid="4"/>
-                                        </p:tgtEl>
-                                        <p:attrNameLst>
-                                          <p:attrName>style.visibility</p:attrName>
-                                        </p:attrNameLst>
-                                      </p:cBhvr>
-                                      <p:to>
-                                        <p:strVal val="visible"/>
-                                      </p:to>
-                                    </p:set>
-                                  </p:childTnLst>
-                                </p:cTn>
-                              </p:par>
-                            </p:childTnLst>
-                          </p:cTn>
-                        </p:par>
-                      </p:childTnLst>
-                    </p:cTn>
-                  </p:par>
-                  <p:par>
-                    <p:cTn id="7" fill="hold">
-                      <p:stCondLst>
-                        <p:cond delay="indefinite"/>
-                      </p:stCondLst>
-                      <p:childTnLst>
-                        <p:par>
-                          <p:cTn id="8" fill="hold">
-                            <p:stCondLst>
-                              <p:cond delay="0"/>
-                            </p:stCondLst>
-                            <p:childTnLst>
-                              <p:par>
-                                <p:cTn id="9" presetID="1" presetClass="entr" presetSubtype="0" fill="hold" grpId="0" nodeType="clickEffect">
-                                  <p:stCondLst>
-                                    <p:cond delay="0"/>
-                                  </p:stCondLst>
-                                  <p:childTnLst>
-                                    <p:set>
-                                      <p:cBhvr>
-                                        <p:cTn id="10" dur="1" fill="hold">
-                                          <p:stCondLst>
-                                            <p:cond delay="0"/>
-                                          </p:stCondLst>
-                                        </p:cTn>
-                                        <p:tgtEl>
-                                          <p:spTgt spid="8"/>
-                                        </p:tgtEl>
-                                        <p:attrNameLst>
-                                          <p:attrName>style.visibility</p:attrName>
-                                        </p:attrNameLst>
-                                      </p:cBhvr>
-                                      <p:to>
-                                        <p:strVal val="visible"/>
-                                      </p:to>
-                                    </p:set>
-                                  </p:childTnLst>
-                                </p:cTn>
-                              </p:par>
-                            </p:childTnLst>
-                          </p:cTn>
-                        </p:par>
-                      </p:childTnLst>
-                    </p:cTn>
-                  </p:par>
-                </p:childTnLst>
-              </p:cTn>
-              <p:prevCondLst>
-                <p:cond evt="onPrev" delay="0">
-                  <p:tgtEl>
-                    <p:sldTgt/>
-                  </p:tgtEl>
-                </p:cond>
-              </p:prevCondLst>
-              <p:nextCondLst>
-                <p:cond evt="onNext" delay="0">
-                  <p:tgtEl>
-                    <p:sldTgt/>
-                  </p:tgtEl>
-                </p:cond>
-              </p:nextCondLst>
-            </p:seq>
-          </p:childTnLst>
-        </p:cTn>
-      </p:par>
-    </p:tnLst>
-    <p:bldLst>
-      <p:bldP spid="8" grpId="0" animBg="1"/>
-    </p:bldLst>
-  </p:timing>
-</p:sld>
-</file>
-
-<file path=ppt/slides/slide6.xml><?xml version="1.0" encoding="utf-8"?>
 <p:sld xmlns:a="http://schemas.openxmlformats.org/drawingml/2006/main" xmlns:r="http://schemas.openxmlformats.org/officeDocument/2006/relationships" xmlns:p="http://schemas.openxmlformats.org/presentationml/2006/main">
   <p:cSld>
     <p:spTree>
@@ -34613,7 +34983,7 @@
 </p:sld>
 </file>
 
-<file path=ppt/slides/slide7.xml><?xml version="1.0" encoding="utf-8"?>
+<file path=ppt/slides/slide6.xml><?xml version="1.0" encoding="utf-8"?>
 <p:sld xmlns:a="http://schemas.openxmlformats.org/drawingml/2006/main" xmlns:r="http://schemas.openxmlformats.org/officeDocument/2006/relationships" xmlns:p="http://schemas.openxmlformats.org/presentationml/2006/main">
   <p:cSld>
     <p:spTree>
@@ -35123,6 +35493,104 @@
 </p:sld>
 </file>
 
+<file path=ppt/slides/slide7.xml><?xml version="1.0" encoding="utf-8"?>
+<p:sld xmlns:a="http://schemas.openxmlformats.org/drawingml/2006/main" xmlns:r="http://schemas.openxmlformats.org/officeDocument/2006/relationships" xmlns:p="http://schemas.openxmlformats.org/presentationml/2006/main">
+  <p:cSld>
+    <p:bg>
+      <p:bgPr>
+        <a:solidFill>
+          <a:srgbClr val="002060"/>
+        </a:solidFill>
+        <a:effectLst/>
+      </p:bgPr>
+    </p:bg>
+    <p:spTree>
+      <p:nvGrpSpPr>
+        <p:cNvPr id="1" name=""/>
+        <p:cNvGrpSpPr/>
+        <p:nvPr/>
+      </p:nvGrpSpPr>
+      <p:grpSpPr>
+        <a:xfrm>
+          <a:off x="0" y="0"/>
+          <a:ext cx="0" cy="0"/>
+          <a:chOff x="0" y="0"/>
+          <a:chExt cx="0" cy="0"/>
+        </a:xfrm>
+      </p:grpSpPr>
+      <p:sp>
+        <p:nvSpPr>
+          <p:cNvPr id="5" name="Title 1">
+            <a:extLst>
+              <a:ext uri="{FF2B5EF4-FFF2-40B4-BE49-F238E27FC236}">
+                <a16:creationId xmlns:a16="http://schemas.microsoft.com/office/drawing/2014/main" id="{D196CACA-ED51-4DD2-AD01-280E0879F999}"/>
+              </a:ext>
+            </a:extLst>
+          </p:cNvPr>
+          <p:cNvSpPr txBox="1">
+            <a:spLocks/>
+          </p:cNvSpPr>
+          <p:nvPr/>
+        </p:nvSpPr>
+        <p:spPr>
+          <a:xfrm>
+            <a:off x="709612" y="2948361"/>
+            <a:ext cx="10772775" cy="961277"/>
+          </a:xfrm>
+          <a:prstGeom prst="rect">
+            <a:avLst/>
+          </a:prstGeom>
+        </p:spPr>
+        <p:txBody>
+          <a:bodyPr vert="horz" lIns="91440" tIns="45720" rIns="91440" bIns="45720" rtlCol="0" anchor="ctr">
+            <a:normAutofit/>
+          </a:bodyPr>
+          <a:lstStyle>
+            <a:lvl1pPr algn="l" defTabSz="914400" rtl="0" eaLnBrk="1" latinLnBrk="0" hangingPunct="1">
+              <a:lnSpc>
+                <a:spcPct val="90000"/>
+              </a:lnSpc>
+              <a:spcBef>
+                <a:spcPct val="0"/>
+              </a:spcBef>
+              <a:buNone/>
+              <a:defRPr sz="4400" kern="1200">
+                <a:solidFill>
+                  <a:schemeClr val="tx1"/>
+                </a:solidFill>
+                <a:latin typeface="+mj-lt"/>
+                <a:ea typeface="+mj-ea"/>
+                <a:cs typeface="+mj-cs"/>
+              </a:defRPr>
+            </a:lvl1pPr>
+          </a:lstStyle>
+          <a:p>
+            <a:pPr algn="ctr"/>
+            <a:r>
+              <a:rPr lang="en-US" sz="6000" b="1" dirty="0">
+                <a:solidFill>
+                  <a:schemeClr val="bg1"/>
+                </a:solidFill>
+                <a:latin typeface="+mn-lt"/>
+              </a:rPr>
+              <a:t>DEMO</a:t>
+            </a:r>
+          </a:p>
+        </p:txBody>
+      </p:sp>
+    </p:spTree>
+    <p:extLst>
+      <p:ext uri="{BB962C8B-B14F-4D97-AF65-F5344CB8AC3E}">
+        <p14:creationId xmlns:p14="http://schemas.microsoft.com/office/powerpoint/2010/main" val="934841102"/>
+      </p:ext>
+    </p:extLst>
+  </p:cSld>
+  <p:clrMapOvr>
+    <a:masterClrMapping/>
+  </p:clrMapOvr>
+</p:sld>
+</file>
+
 <file path=ppt/slides/slide8.xml><?xml version="1.0" encoding="utf-8"?>
 <p:sld xmlns:a="http://schemas.openxmlformats.org/drawingml/2006/main" xmlns:r="http://schemas.openxmlformats.org/officeDocument/2006/relationships" xmlns:p="http://schemas.openxmlformats.org/presentationml/2006/main">
   <p:cSld>
@@ -35176,62 +35644,12 @@
           </a:prstGeom>
         </p:spPr>
       </p:pic>
-      <p:pic>
-        <p:nvPicPr>
-          <p:cNvPr id="6" name="Picture 5">
+      <p:sp>
+        <p:nvSpPr>
+          <p:cNvPr id="6" name="TextBox 5">
             <a:extLst>
               <a:ext uri="{FF2B5EF4-FFF2-40B4-BE49-F238E27FC236}">
-                <a16:creationId xmlns:a16="http://schemas.microsoft.com/office/drawing/2014/main" id="{60146A07-5939-4B4C-A207-28138531FC9B}"/>
-              </a:ext>
-            </a:extLst>
-          </p:cNvPr>
-          <p:cNvPicPr>
-            <a:picLocks noChangeAspect="1"/>
-          </p:cNvPicPr>
-          <p:nvPr/>
-        </p:nvPicPr>
-        <p:blipFill>
-          <a:blip r:embed="rId4">
-            <a:extLst>
-              <a:ext uri="{28A0092B-C50C-407E-A947-70E740481C1C}">
-                <a14:useLocalDpi xmlns:a14="http://schemas.microsoft.com/office/drawing/2010/main" val="0"/>
-              </a:ext>
-            </a:extLst>
-          </a:blip>
-          <a:stretch>
-            <a:fillRect/>
-          </a:stretch>
-        </p:blipFill>
-        <p:spPr>
-          <a:xfrm>
-            <a:off x="1143017" y="1620712"/>
-            <a:ext cx="3998477" cy="3829035"/>
-          </a:xfrm>
-          <a:prstGeom prst="roundRect">
-            <a:avLst>
-              <a:gd name="adj" fmla="val 4167"/>
-            </a:avLst>
-          </a:prstGeom>
-          <a:solidFill>
-            <a:srgbClr val="FFFFFF"/>
-          </a:solidFill>
-          <a:ln w="19050" cap="sq">
-            <a:solidFill>
-              <a:schemeClr val="accent6">
-                <a:lumMod val="75000"/>
-              </a:schemeClr>
-            </a:solidFill>
-            <a:miter lim="800000"/>
-          </a:ln>
-          <a:effectLst/>
-        </p:spPr>
-      </p:pic>
-      <p:sp>
-        <p:nvSpPr>
-          <p:cNvPr id="2" name="TextBox 1">
-            <a:extLst>
-              <a:ext uri="{FF2B5EF4-FFF2-40B4-BE49-F238E27FC236}">
-                <a16:creationId xmlns:a16="http://schemas.microsoft.com/office/drawing/2014/main" id="{71145916-CCB3-48D4-ACDB-473DAB15D660}"/>
+                <a16:creationId xmlns:a16="http://schemas.microsoft.com/office/drawing/2014/main" id="{74D658F0-641F-4B92-BDB3-3845C185EDF3}"/>
               </a:ext>
             </a:extLst>
           </p:cNvPr>
@@ -35240,8 +35658,8 @@
         </p:nvSpPr>
         <p:spPr>
           <a:xfrm>
-            <a:off x="7770488" y="1195142"/>
-            <a:ext cx="2517212" cy="461665"/>
+            <a:off x="677877" y="783254"/>
+            <a:ext cx="11031392" cy="4893647"/>
           </a:xfrm>
           <a:prstGeom prst="rect">
             <a:avLst/>
@@ -35254,44 +35672,105 @@
           </a:bodyPr>
           <a:lstStyle/>
           <a:p>
-            <a:r>
-              <a:rPr lang="en-US" sz="2400" b="1" dirty="0"/>
-              <a:t>Explicit Feedback</a:t>
-            </a:r>
-          </a:p>
-        </p:txBody>
-      </p:sp>
-      <p:sp>
-        <p:nvSpPr>
-          <p:cNvPr id="8" name="TextBox 7">
-            <a:extLst>
-              <a:ext uri="{FF2B5EF4-FFF2-40B4-BE49-F238E27FC236}">
-                <a16:creationId xmlns:a16="http://schemas.microsoft.com/office/drawing/2014/main" id="{9C95FAEF-B2D2-41AC-A625-81510D00297A}"/>
-              </a:ext>
-            </a:extLst>
-          </p:cNvPr>
-          <p:cNvSpPr txBox="1"/>
-          <p:nvPr/>
-        </p:nvSpPr>
-        <p:spPr>
-          <a:xfrm>
-            <a:off x="1920052" y="1123905"/>
-            <a:ext cx="2444408" cy="461665"/>
-          </a:xfrm>
-          <a:prstGeom prst="rect">
-            <a:avLst/>
-          </a:prstGeom>
-          <a:noFill/>
-        </p:spPr>
-        <p:txBody>
-          <a:bodyPr wrap="square" rtlCol="0">
-            <a:spAutoFit/>
-          </a:bodyPr>
-          <a:lstStyle/>
-          <a:p>
-            <a:r>
-              <a:rPr lang="en-US" sz="2400" b="1" dirty="0"/>
-              <a:t>Implicit Feedback</a:t>
+            <a:pPr marL="342900" indent="-342900">
+              <a:buFont typeface="Wingdings" panose="05000000000000000000" pitchFamily="2" charset="2"/>
+              <a:buChar char="§"/>
+            </a:pPr>
+            <a:r>
+              <a:rPr lang="en-US" sz="2400" dirty="0"/>
+              <a:t>We modeled 10 different users based on self reported data from stuttering communities on </a:t>
+            </a:r>
+            <a:r>
+              <a:rPr lang="en-US" sz="2400" dirty="0" err="1"/>
+              <a:t>facebook</a:t>
+            </a:r>
+            <a:r>
+              <a:rPr lang="en-US" sz="2400" dirty="0"/>
+              <a:t> and reddit.</a:t>
+            </a:r>
+          </a:p>
+          <a:p>
+            <a:pPr marL="342900" indent="-342900">
+              <a:buFont typeface="Wingdings" panose="05000000000000000000" pitchFamily="2" charset="2"/>
+              <a:buChar char="§"/>
+            </a:pPr>
+            <a:endParaRPr lang="en-US" sz="2400" dirty="0"/>
+          </a:p>
+          <a:p>
+            <a:pPr marL="342900" indent="-342900">
+              <a:buFont typeface="Wingdings" panose="05000000000000000000" pitchFamily="2" charset="2"/>
+              <a:buChar char="§"/>
+            </a:pPr>
+            <a:r>
+              <a:rPr lang="en-US" sz="2400" dirty="0"/>
+              <a:t>Each simulated user is characterized by a phonological pattern that they struggle pronouncing e.g., words beginning with ‘</a:t>
+            </a:r>
+            <a:r>
+              <a:rPr lang="en-US" sz="2400" dirty="0" err="1"/>
+              <a:t>st</a:t>
+            </a:r>
+            <a:r>
+              <a:rPr lang="en-US" sz="2400" dirty="0"/>
+              <a:t>’ or ‘</a:t>
+            </a:r>
+            <a:r>
+              <a:rPr lang="en-US" sz="2400" dirty="0" err="1"/>
+              <a:t>fl</a:t>
+            </a:r>
+            <a:r>
+              <a:rPr lang="en-US" sz="2400" dirty="0"/>
+              <a:t>’. </a:t>
+            </a:r>
+          </a:p>
+          <a:p>
+            <a:pPr marL="342900" indent="-342900">
+              <a:buFont typeface="Wingdings" panose="05000000000000000000" pitchFamily="2" charset="2"/>
+              <a:buChar char="§"/>
+            </a:pPr>
+            <a:endParaRPr lang="en-US" sz="2400" dirty="0"/>
+          </a:p>
+          <a:p>
+            <a:pPr marL="342900" indent="-342900">
+              <a:buFont typeface="Wingdings" panose="05000000000000000000" pitchFamily="2" charset="2"/>
+              <a:buChar char="§"/>
+            </a:pPr>
+            <a:r>
+              <a:rPr lang="en-US" sz="2400" dirty="0"/>
+              <a:t>We used 2467 TED talks transcripts to test our tool for 10 simulated users. </a:t>
+            </a:r>
+          </a:p>
+          <a:p>
+            <a:pPr marL="342900" indent="-342900">
+              <a:buFont typeface="Wingdings" panose="05000000000000000000" pitchFamily="2" charset="2"/>
+              <a:buChar char="§"/>
+            </a:pPr>
+            <a:endParaRPr lang="en-US" sz="2400" dirty="0"/>
+          </a:p>
+          <a:p>
+            <a:pPr marL="342900" indent="-342900">
+              <a:buFont typeface="Wingdings" panose="05000000000000000000" pitchFamily="2" charset="2"/>
+              <a:buChar char="§"/>
+            </a:pPr>
+            <a:r>
+              <a:rPr lang="en-US" sz="2400" dirty="0"/>
+              <a:t>We simulated two scenarios i.e., when a user provides solely Implicit &amp; solely Explicit feedback. </a:t>
+            </a:r>
+          </a:p>
+          <a:p>
+            <a:pPr marL="342900" indent="-342900">
+              <a:buFont typeface="Wingdings" panose="05000000000000000000" pitchFamily="2" charset="2"/>
+              <a:buChar char="§"/>
+            </a:pPr>
+            <a:endParaRPr lang="en-US" sz="2400" dirty="0"/>
+          </a:p>
+          <a:p>
+            <a:pPr marL="342900" indent="-342900">
+              <a:buFont typeface="Wingdings" panose="05000000000000000000" pitchFamily="2" charset="2"/>
+              <a:buChar char="§"/>
+            </a:pPr>
+            <a:r>
+              <a:rPr lang="en-US" sz="2400" dirty="0"/>
+              <a:t>For each feedback scenario, we compute and record metrics like Accuracy, F1 score and Precision after every interaction.   </a:t>
             </a:r>
           </a:p>
         </p:txBody>
@@ -35301,7 +35780,7 @@
           <p:cNvPr id="9" name="Rectangle 8">
             <a:extLst>
               <a:ext uri="{FF2B5EF4-FFF2-40B4-BE49-F238E27FC236}">
-                <a16:creationId xmlns:a16="http://schemas.microsoft.com/office/drawing/2014/main" id="{8B5554A4-C420-4916-B8A4-DF47C2AF3220}"/>
+                <a16:creationId xmlns:a16="http://schemas.microsoft.com/office/drawing/2014/main" id="{67B4A426-6614-45C9-B76B-D7F7D2B52563}"/>
               </a:ext>
             </a:extLst>
           </p:cNvPr>
@@ -35345,7 +35824,42 @@
             <a:pPr algn="ctr"/>
             <a:r>
               <a:rPr lang="en-US" sz="2800" b="1" dirty="0"/>
-              <a:t>Each Implicit/Explicit interaction provides new labeled training instance</a:t>
+              <a:t>Our objective is to evaluate how well our approach can learn user’s needs </a:t>
+            </a:r>
+          </a:p>
+        </p:txBody>
+      </p:sp>
+      <p:sp>
+        <p:nvSpPr>
+          <p:cNvPr id="7" name="TextBox 6">
+            <a:extLst>
+              <a:ext uri="{FF2B5EF4-FFF2-40B4-BE49-F238E27FC236}">
+                <a16:creationId xmlns:a16="http://schemas.microsoft.com/office/drawing/2014/main" id="{8311858F-E86C-4595-9367-EC4E624A1D74}"/>
+              </a:ext>
+            </a:extLst>
+          </p:cNvPr>
+          <p:cNvSpPr txBox="1"/>
+          <p:nvPr/>
+        </p:nvSpPr>
+        <p:spPr>
+          <a:xfrm>
+            <a:off x="429224" y="6419429"/>
+            <a:ext cx="4536819" cy="246221"/>
+          </a:xfrm>
+          <a:prstGeom prst="rect">
+            <a:avLst/>
+          </a:prstGeom>
+          <a:noFill/>
+        </p:spPr>
+        <p:txBody>
+          <a:bodyPr wrap="none" rtlCol="0">
+            <a:spAutoFit/>
+          </a:bodyPr>
+          <a:lstStyle/>
+          <a:p>
+            <a:r>
+              <a:rPr lang="en-US" sz="1000" dirty="0"/>
+              <a:t>Dataset link: https://www.kaggle.com/rounakbanik/ted-talks?select=transcripts.csv</a:t>
             </a:r>
           </a:p>
         </p:txBody>
@@ -35355,7 +35869,7 @@
           <p:cNvPr id="10" name="Title 1">
             <a:extLst>
               <a:ext uri="{FF2B5EF4-FFF2-40B4-BE49-F238E27FC236}">
-                <a16:creationId xmlns:a16="http://schemas.microsoft.com/office/drawing/2014/main" id="{D2402BF8-4820-4D04-810D-027A580D0FA9}"/>
+                <a16:creationId xmlns:a16="http://schemas.microsoft.com/office/drawing/2014/main" id="{57448E17-5C28-455F-86A3-1DFDB9FFCC65}"/>
               </a:ext>
             </a:extLst>
           </p:cNvPr>
@@ -35366,7 +35880,7 @@
         </p:nvSpPr>
         <p:spPr>
           <a:xfrm>
-            <a:off x="709612" y="44194"/>
+            <a:off x="807186" y="51115"/>
             <a:ext cx="10772775" cy="961277"/>
           </a:xfrm>
           <a:prstGeom prst="rect">
@@ -35407,51 +35921,15 @@
                 </a:solidFill>
                 <a:latin typeface="+mn-lt"/>
               </a:rPr>
-              <a:t>Refining Model</a:t>
+              <a:t>Evaluation Setup</a:t>
             </a:r>
           </a:p>
         </p:txBody>
       </p:sp>
-      <p:pic>
-        <p:nvPicPr>
-          <p:cNvPr id="4" name="Picture 3" descr="Graphical user interface, text, application, chat or text message&#10;&#10;Description automatically generated">
-            <a:extLst>
-              <a:ext uri="{FF2B5EF4-FFF2-40B4-BE49-F238E27FC236}">
-                <a16:creationId xmlns:a16="http://schemas.microsoft.com/office/drawing/2014/main" id="{E915860C-CBB3-4A20-9A9C-A2F3175C21E1}"/>
-              </a:ext>
-            </a:extLst>
-          </p:cNvPr>
-          <p:cNvPicPr>
-            <a:picLocks noChangeAspect="1"/>
-          </p:cNvPicPr>
-          <p:nvPr/>
-        </p:nvPicPr>
-        <p:blipFill>
-          <a:blip r:embed="rId5">
-            <a:extLst>
-              <a:ext uri="{28A0092B-C50C-407E-A947-70E740481C1C}">
-                <a14:useLocalDpi xmlns:a14="http://schemas.microsoft.com/office/drawing/2010/main" val="0"/>
-              </a:ext>
-            </a:extLst>
-          </a:blip>
-          <a:stretch>
-            <a:fillRect/>
-          </a:stretch>
-        </p:blipFill>
-        <p:spPr>
-          <a:xfrm>
-            <a:off x="6452010" y="1784046"/>
-            <a:ext cx="4865695" cy="2077399"/>
-          </a:xfrm>
-          <a:prstGeom prst="rect">
-            <a:avLst/>
-          </a:prstGeom>
-        </p:spPr>
-      </p:pic>
     </p:spTree>
     <p:extLst>
       <p:ext uri="{BB962C8B-B14F-4D97-AF65-F5344CB8AC3E}">
-        <p14:creationId xmlns:p14="http://schemas.microsoft.com/office/powerpoint/2010/main" val="1239597520"/>
+        <p14:creationId xmlns:p14="http://schemas.microsoft.com/office/powerpoint/2010/main" val="2147391407"/>
       </p:ext>
     </p:extLst>
   </p:cSld>
@@ -35479,7 +35957,7 @@
                             </p:stCondLst>
                             <p:childTnLst>
                               <p:par>
-                                <p:cTn id="5" presetID="1" presetClass="entr" presetSubtype="0" fill="hold" grpId="0" nodeType="clickEffect">
+                                <p:cTn id="5" presetID="1" presetClass="entr" presetSubtype="0" fill="hold" nodeType="clickEffect">
                                   <p:stCondLst>
                                     <p:cond delay="0"/>
                                   </p:stCondLst>
@@ -35487,6 +35965,251 @@
                                     <p:set>
                                       <p:cBhvr>
                                         <p:cTn id="6" dur="1" fill="hold">
+                                          <p:stCondLst>
+                                            <p:cond delay="0"/>
+                                          </p:stCondLst>
+                                        </p:cTn>
+                                        <p:tgtEl>
+                                          <p:spTgt spid="6">
+                                            <p:txEl>
+                                              <p:pRg st="0" end="0"/>
+                                            </p:txEl>
+                                          </p:spTgt>
+                                        </p:tgtEl>
+                                        <p:attrNameLst>
+                                          <p:attrName>style.visibility</p:attrName>
+                                        </p:attrNameLst>
+                                      </p:cBhvr>
+                                      <p:to>
+                                        <p:strVal val="visible"/>
+                                      </p:to>
+                                    </p:set>
+                                  </p:childTnLst>
+                                </p:cTn>
+                              </p:par>
+                            </p:childTnLst>
+                          </p:cTn>
+                        </p:par>
+                      </p:childTnLst>
+                    </p:cTn>
+                  </p:par>
+                  <p:par>
+                    <p:cTn id="7" fill="hold">
+                      <p:stCondLst>
+                        <p:cond delay="indefinite"/>
+                      </p:stCondLst>
+                      <p:childTnLst>
+                        <p:par>
+                          <p:cTn id="8" fill="hold">
+                            <p:stCondLst>
+                              <p:cond delay="0"/>
+                            </p:stCondLst>
+                            <p:childTnLst>
+                              <p:par>
+                                <p:cTn id="9" presetID="1" presetClass="entr" presetSubtype="0" fill="hold" nodeType="clickEffect">
+                                  <p:stCondLst>
+                                    <p:cond delay="0"/>
+                                  </p:stCondLst>
+                                  <p:childTnLst>
+                                    <p:set>
+                                      <p:cBhvr>
+                                        <p:cTn id="10" dur="1" fill="hold">
+                                          <p:stCondLst>
+                                            <p:cond delay="0"/>
+                                          </p:stCondLst>
+                                        </p:cTn>
+                                        <p:tgtEl>
+                                          <p:spTgt spid="6">
+                                            <p:txEl>
+                                              <p:pRg st="2" end="2"/>
+                                            </p:txEl>
+                                          </p:spTgt>
+                                        </p:tgtEl>
+                                        <p:attrNameLst>
+                                          <p:attrName>style.visibility</p:attrName>
+                                        </p:attrNameLst>
+                                      </p:cBhvr>
+                                      <p:to>
+                                        <p:strVal val="visible"/>
+                                      </p:to>
+                                    </p:set>
+                                  </p:childTnLst>
+                                </p:cTn>
+                              </p:par>
+                            </p:childTnLst>
+                          </p:cTn>
+                        </p:par>
+                      </p:childTnLst>
+                    </p:cTn>
+                  </p:par>
+                  <p:par>
+                    <p:cTn id="11" fill="hold">
+                      <p:stCondLst>
+                        <p:cond delay="indefinite"/>
+                      </p:stCondLst>
+                      <p:childTnLst>
+                        <p:par>
+                          <p:cTn id="12" fill="hold">
+                            <p:stCondLst>
+                              <p:cond delay="0"/>
+                            </p:stCondLst>
+                            <p:childTnLst>
+                              <p:par>
+                                <p:cTn id="13" presetID="1" presetClass="entr" presetSubtype="0" fill="hold" nodeType="clickEffect">
+                                  <p:stCondLst>
+                                    <p:cond delay="0"/>
+                                  </p:stCondLst>
+                                  <p:childTnLst>
+                                    <p:set>
+                                      <p:cBhvr>
+                                        <p:cTn id="14" dur="1" fill="hold">
+                                          <p:stCondLst>
+                                            <p:cond delay="0"/>
+                                          </p:stCondLst>
+                                        </p:cTn>
+                                        <p:tgtEl>
+                                          <p:spTgt spid="6">
+                                            <p:txEl>
+                                              <p:pRg st="4" end="4"/>
+                                            </p:txEl>
+                                          </p:spTgt>
+                                        </p:tgtEl>
+                                        <p:attrNameLst>
+                                          <p:attrName>style.visibility</p:attrName>
+                                        </p:attrNameLst>
+                                      </p:cBhvr>
+                                      <p:to>
+                                        <p:strVal val="visible"/>
+                                      </p:to>
+                                    </p:set>
+                                  </p:childTnLst>
+                                </p:cTn>
+                              </p:par>
+                            </p:childTnLst>
+                          </p:cTn>
+                        </p:par>
+                      </p:childTnLst>
+                    </p:cTn>
+                  </p:par>
+                  <p:par>
+                    <p:cTn id="15" fill="hold">
+                      <p:stCondLst>
+                        <p:cond delay="indefinite"/>
+                      </p:stCondLst>
+                      <p:childTnLst>
+                        <p:par>
+                          <p:cTn id="16" fill="hold">
+                            <p:stCondLst>
+                              <p:cond delay="0"/>
+                            </p:stCondLst>
+                            <p:childTnLst>
+                              <p:par>
+                                <p:cTn id="17" presetID="1" presetClass="entr" presetSubtype="0" fill="hold" nodeType="clickEffect">
+                                  <p:stCondLst>
+                                    <p:cond delay="0"/>
+                                  </p:stCondLst>
+                                  <p:childTnLst>
+                                    <p:set>
+                                      <p:cBhvr>
+                                        <p:cTn id="18" dur="1" fill="hold">
+                                          <p:stCondLst>
+                                            <p:cond delay="0"/>
+                                          </p:stCondLst>
+                                        </p:cTn>
+                                        <p:tgtEl>
+                                          <p:spTgt spid="6">
+                                            <p:txEl>
+                                              <p:pRg st="6" end="6"/>
+                                            </p:txEl>
+                                          </p:spTgt>
+                                        </p:tgtEl>
+                                        <p:attrNameLst>
+                                          <p:attrName>style.visibility</p:attrName>
+                                        </p:attrNameLst>
+                                      </p:cBhvr>
+                                      <p:to>
+                                        <p:strVal val="visible"/>
+                                      </p:to>
+                                    </p:set>
+                                  </p:childTnLst>
+                                </p:cTn>
+                              </p:par>
+                            </p:childTnLst>
+                          </p:cTn>
+                        </p:par>
+                      </p:childTnLst>
+                    </p:cTn>
+                  </p:par>
+                  <p:par>
+                    <p:cTn id="19" fill="hold">
+                      <p:stCondLst>
+                        <p:cond delay="indefinite"/>
+                      </p:stCondLst>
+                      <p:childTnLst>
+                        <p:par>
+                          <p:cTn id="20" fill="hold">
+                            <p:stCondLst>
+                              <p:cond delay="0"/>
+                            </p:stCondLst>
+                            <p:childTnLst>
+                              <p:par>
+                                <p:cTn id="21" presetID="1" presetClass="entr" presetSubtype="0" fill="hold" nodeType="clickEffect">
+                                  <p:stCondLst>
+                                    <p:cond delay="0"/>
+                                  </p:stCondLst>
+                                  <p:childTnLst>
+                                    <p:set>
+                                      <p:cBhvr>
+                                        <p:cTn id="22" dur="1" fill="hold">
+                                          <p:stCondLst>
+                                            <p:cond delay="0"/>
+                                          </p:stCondLst>
+                                        </p:cTn>
+                                        <p:tgtEl>
+                                          <p:spTgt spid="6">
+                                            <p:txEl>
+                                              <p:pRg st="8" end="8"/>
+                                            </p:txEl>
+                                          </p:spTgt>
+                                        </p:tgtEl>
+                                        <p:attrNameLst>
+                                          <p:attrName>style.visibility</p:attrName>
+                                        </p:attrNameLst>
+                                      </p:cBhvr>
+                                      <p:to>
+                                        <p:strVal val="visible"/>
+                                      </p:to>
+                                    </p:set>
+                                  </p:childTnLst>
+                                </p:cTn>
+                              </p:par>
+                            </p:childTnLst>
+                          </p:cTn>
+                        </p:par>
+                      </p:childTnLst>
+                    </p:cTn>
+                  </p:par>
+                  <p:par>
+                    <p:cTn id="23" fill="hold">
+                      <p:stCondLst>
+                        <p:cond delay="indefinite"/>
+                      </p:stCondLst>
+                      <p:childTnLst>
+                        <p:par>
+                          <p:cTn id="24" fill="hold">
+                            <p:stCondLst>
+                              <p:cond delay="0"/>
+                            </p:stCondLst>
+                            <p:childTnLst>
+                              <p:par>
+                                <p:cTn id="25" presetID="1" presetClass="entr" presetSubtype="0" fill="hold" grpId="0" nodeType="clickEffect">
+                                  <p:stCondLst>
+                                    <p:cond delay="0"/>
+                                  </p:stCondLst>
+                                  <p:childTnLst>
+                                    <p:set>
+                                      <p:cBhvr>
+                                        <p:cTn id="26" dur="1" fill="hold">
                                           <p:stCondLst>
                                             <p:cond delay="0"/>
                                           </p:stCondLst>
@@ -35592,923 +36315,147 @@
           </a:prstGeom>
         </p:spPr>
       </p:pic>
-      <p:grpSp>
-        <p:nvGrpSpPr>
-          <p:cNvPr id="25" name="Group 24">
+      <p:sp>
+        <p:nvSpPr>
+          <p:cNvPr id="6" name="TextBox 5">
             <a:extLst>
               <a:ext uri="{FF2B5EF4-FFF2-40B4-BE49-F238E27FC236}">
-                <a16:creationId xmlns:a16="http://schemas.microsoft.com/office/drawing/2014/main" id="{C1C38697-F416-4C58-8B16-D9117B86A266}"/>
+                <a16:creationId xmlns:a16="http://schemas.microsoft.com/office/drawing/2014/main" id="{74D658F0-641F-4B92-BDB3-3845C185EDF3}"/>
               </a:ext>
             </a:extLst>
           </p:cNvPr>
-          <p:cNvGrpSpPr/>
+          <p:cNvSpPr txBox="1"/>
           <p:nvPr/>
-        </p:nvGrpSpPr>
-        <p:grpSpPr>
+        </p:nvSpPr>
+        <p:spPr>
           <a:xfrm>
-            <a:off x="557482" y="1580634"/>
-            <a:ext cx="11077036" cy="3347225"/>
-            <a:chOff x="166932" y="1444276"/>
-            <a:chExt cx="11077036" cy="3347225"/>
+            <a:off x="694326" y="3413374"/>
+            <a:ext cx="11478844" cy="2246769"/>
           </a:xfrm>
-        </p:grpSpPr>
-        <p:sp>
-          <p:nvSpPr>
-            <p:cNvPr id="26" name="Rectangle: Rounded Corners 25">
-              <a:extLst>
-                <a:ext uri="{FF2B5EF4-FFF2-40B4-BE49-F238E27FC236}">
-                  <a16:creationId xmlns:a16="http://schemas.microsoft.com/office/drawing/2014/main" id="{0275F320-9ADA-4A38-9620-50C91D2DF01D}"/>
-                </a:ext>
-              </a:extLst>
-            </p:cNvPr>
-            <p:cNvSpPr/>
-            <p:nvPr/>
-          </p:nvSpPr>
-          <p:spPr>
-            <a:xfrm>
-              <a:off x="4447340" y="4015894"/>
-              <a:ext cx="1560456" cy="775607"/>
-            </a:xfrm>
-            <a:prstGeom prst="roundRect">
-              <a:avLst/>
-            </a:prstGeom>
-            <a:ln w="15875">
-              <a:solidFill>
-                <a:schemeClr val="accent6">
-                  <a:lumMod val="75000"/>
-                </a:schemeClr>
-              </a:solidFill>
-            </a:ln>
-          </p:spPr>
-          <p:style>
-            <a:lnRef idx="2">
-              <a:schemeClr val="accent6"/>
-            </a:lnRef>
-            <a:fillRef idx="1">
-              <a:schemeClr val="lt1"/>
-            </a:fillRef>
-            <a:effectRef idx="0">
-              <a:schemeClr val="accent6"/>
-            </a:effectRef>
-            <a:fontRef idx="minor">
-              <a:schemeClr val="dk1"/>
-            </a:fontRef>
-          </p:style>
-          <p:txBody>
-            <a:bodyPr rtlCol="0" anchor="ctr"/>
-            <a:lstStyle/>
-            <a:p>
-              <a:pPr algn="ctr"/>
-              <a:r>
-                <a:rPr lang="en-US" dirty="0"/>
-                <a:t>Tokenizer</a:t>
-              </a:r>
-            </a:p>
-          </p:txBody>
-        </p:sp>
-        <p:sp>
-          <p:nvSpPr>
-            <p:cNvPr id="27" name="Rectangle: Rounded Corners 26">
-              <a:extLst>
-                <a:ext uri="{FF2B5EF4-FFF2-40B4-BE49-F238E27FC236}">
-                  <a16:creationId xmlns:a16="http://schemas.microsoft.com/office/drawing/2014/main" id="{5EA93776-B11C-471A-8BCC-8497B6416D9C}"/>
-                </a:ext>
-              </a:extLst>
-            </p:cNvPr>
-            <p:cNvSpPr/>
-            <p:nvPr/>
-          </p:nvSpPr>
-          <p:spPr>
-            <a:xfrm>
-              <a:off x="7130753" y="4015894"/>
-              <a:ext cx="1560456" cy="775607"/>
-            </a:xfrm>
-            <a:prstGeom prst="roundRect">
-              <a:avLst/>
-            </a:prstGeom>
-            <a:ln w="15875">
-              <a:solidFill>
-                <a:schemeClr val="accent6">
-                  <a:lumMod val="75000"/>
-                </a:schemeClr>
-              </a:solidFill>
-            </a:ln>
-          </p:spPr>
-          <p:style>
-            <a:lnRef idx="2">
-              <a:schemeClr val="accent6"/>
-            </a:lnRef>
-            <a:fillRef idx="1">
-              <a:schemeClr val="lt1"/>
-            </a:fillRef>
-            <a:effectRef idx="0">
-              <a:schemeClr val="accent6"/>
-            </a:effectRef>
-            <a:fontRef idx="minor">
-              <a:schemeClr val="dk1"/>
-            </a:fontRef>
-          </p:style>
-          <p:txBody>
-            <a:bodyPr rtlCol="0" anchor="ctr"/>
-            <a:lstStyle/>
-            <a:p>
-              <a:pPr algn="ctr"/>
-              <a:r>
-                <a:rPr lang="en-US" dirty="0"/>
-                <a:t>Named Entity Recognition</a:t>
-              </a:r>
-            </a:p>
-          </p:txBody>
-        </p:sp>
-        <p:sp>
-          <p:nvSpPr>
-            <p:cNvPr id="28" name="Rectangle: Rounded Corners 27">
-              <a:extLst>
-                <a:ext uri="{FF2B5EF4-FFF2-40B4-BE49-F238E27FC236}">
-                  <a16:creationId xmlns:a16="http://schemas.microsoft.com/office/drawing/2014/main" id="{4A981790-F50F-46EC-931B-1220981AF94A}"/>
-                </a:ext>
-              </a:extLst>
-            </p:cNvPr>
-            <p:cNvSpPr/>
-            <p:nvPr/>
-          </p:nvSpPr>
-          <p:spPr>
-            <a:xfrm>
-              <a:off x="9609532" y="2496080"/>
-              <a:ext cx="1634436" cy="1396093"/>
-            </a:xfrm>
-            <a:prstGeom prst="roundRect">
-              <a:avLst/>
-            </a:prstGeom>
-            <a:ln w="15875">
-              <a:solidFill>
-                <a:schemeClr val="accent6">
-                  <a:lumMod val="75000"/>
-                </a:schemeClr>
-              </a:solidFill>
-            </a:ln>
-          </p:spPr>
-          <p:style>
-            <a:lnRef idx="2">
-              <a:schemeClr val="accent6"/>
-            </a:lnRef>
-            <a:fillRef idx="1">
-              <a:schemeClr val="lt1"/>
-            </a:fillRef>
-            <a:effectRef idx="0">
-              <a:schemeClr val="accent6"/>
-            </a:effectRef>
-            <a:fontRef idx="minor">
-              <a:schemeClr val="dk1"/>
-            </a:fontRef>
-          </p:style>
-          <p:txBody>
-            <a:bodyPr rtlCol="0" anchor="ctr"/>
-            <a:lstStyle/>
-            <a:p>
-              <a:pPr algn="ctr"/>
-              <a:r>
-                <a:rPr lang="en-US" dirty="0"/>
-                <a:t>Active learner</a:t>
-              </a:r>
-            </a:p>
-            <a:p>
-              <a:pPr algn="ctr"/>
-              <a:r>
-                <a:rPr lang="en-US" dirty="0"/>
-                <a:t>(Classifier)</a:t>
-              </a:r>
-            </a:p>
-          </p:txBody>
-        </p:sp>
-        <p:sp>
-          <p:nvSpPr>
-            <p:cNvPr id="29" name="Rectangle: Rounded Corners 28">
-              <a:extLst>
-                <a:ext uri="{FF2B5EF4-FFF2-40B4-BE49-F238E27FC236}">
-                  <a16:creationId xmlns:a16="http://schemas.microsoft.com/office/drawing/2014/main" id="{63AEF4D7-6B18-4690-B837-F935E7B9BA3D}"/>
-                </a:ext>
-              </a:extLst>
-            </p:cNvPr>
-            <p:cNvSpPr/>
-            <p:nvPr/>
-          </p:nvSpPr>
-          <p:spPr>
-            <a:xfrm>
-              <a:off x="5995463" y="1559220"/>
-              <a:ext cx="1560456" cy="775607"/>
-            </a:xfrm>
-            <a:prstGeom prst="roundRect">
-              <a:avLst/>
-            </a:prstGeom>
-            <a:ln w="15875">
-              <a:solidFill>
-                <a:schemeClr val="accent6">
-                  <a:lumMod val="75000"/>
-                </a:schemeClr>
-              </a:solidFill>
-            </a:ln>
-          </p:spPr>
-          <p:style>
-            <a:lnRef idx="2">
-              <a:schemeClr val="accent6"/>
-            </a:lnRef>
-            <a:fillRef idx="1">
-              <a:schemeClr val="lt1"/>
-            </a:fillRef>
-            <a:effectRef idx="0">
-              <a:schemeClr val="accent6"/>
-            </a:effectRef>
-            <a:fontRef idx="minor">
-              <a:schemeClr val="dk1"/>
-            </a:fontRef>
-          </p:style>
-          <p:txBody>
-            <a:bodyPr rtlCol="0" anchor="ctr"/>
-            <a:lstStyle/>
-            <a:p>
-              <a:pPr algn="ctr"/>
-              <a:r>
-                <a:rPr lang="en-US" dirty="0"/>
-                <a:t>Alternatives</a:t>
-              </a:r>
-            </a:p>
-          </p:txBody>
-        </p:sp>
-        <p:cxnSp>
-          <p:nvCxnSpPr>
-            <p:cNvPr id="30" name="Straight Arrow Connector 29">
-              <a:extLst>
-                <a:ext uri="{FF2B5EF4-FFF2-40B4-BE49-F238E27FC236}">
-                  <a16:creationId xmlns:a16="http://schemas.microsoft.com/office/drawing/2014/main" id="{94ECFFB6-F5E7-4BFC-8270-86FE78E59692}"/>
-                </a:ext>
-              </a:extLst>
-            </p:cNvPr>
-            <p:cNvCxnSpPr>
-              <a:cxnSpLocks/>
-              <a:endCxn id="26" idx="1"/>
-            </p:cNvCxnSpPr>
-            <p:nvPr/>
-          </p:nvCxnSpPr>
-          <p:spPr>
-            <a:xfrm>
-              <a:off x="3449114" y="4403698"/>
-              <a:ext cx="998226" cy="0"/>
-            </a:xfrm>
-            <a:prstGeom prst="straightConnector1">
-              <a:avLst/>
-            </a:prstGeom>
-            <a:ln w="19050">
-              <a:solidFill>
-                <a:schemeClr val="accent6">
-                  <a:lumMod val="75000"/>
-                </a:schemeClr>
-              </a:solidFill>
-              <a:headEnd w="lg" len="med"/>
-              <a:tailEnd type="triangle" w="lg" len="lg"/>
-            </a:ln>
-          </p:spPr>
-          <p:style>
-            <a:lnRef idx="1">
-              <a:schemeClr val="dk1"/>
-            </a:lnRef>
-            <a:fillRef idx="0">
-              <a:schemeClr val="dk1"/>
-            </a:fillRef>
-            <a:effectRef idx="0">
-              <a:schemeClr val="dk1"/>
-            </a:effectRef>
-            <a:fontRef idx="minor">
-              <a:schemeClr val="tx1"/>
-            </a:fontRef>
-          </p:style>
-        </p:cxnSp>
-        <p:cxnSp>
-          <p:nvCxnSpPr>
-            <p:cNvPr id="31" name="Straight Arrow Connector 30">
-              <a:extLst>
-                <a:ext uri="{FF2B5EF4-FFF2-40B4-BE49-F238E27FC236}">
-                  <a16:creationId xmlns:a16="http://schemas.microsoft.com/office/drawing/2014/main" id="{E05E2699-7AAF-4B9E-A2F1-60C82D19CBF3}"/>
-                </a:ext>
-              </a:extLst>
-            </p:cNvPr>
-            <p:cNvCxnSpPr>
-              <a:cxnSpLocks/>
-              <a:stCxn id="26" idx="3"/>
-              <a:endCxn id="27" idx="1"/>
-            </p:cNvCxnSpPr>
-            <p:nvPr/>
-          </p:nvCxnSpPr>
-          <p:spPr>
-            <a:xfrm>
-              <a:off x="6007796" y="4403698"/>
-              <a:ext cx="1122957" cy="0"/>
-            </a:xfrm>
-            <a:prstGeom prst="straightConnector1">
-              <a:avLst/>
-            </a:prstGeom>
-            <a:ln w="19050">
-              <a:solidFill>
-                <a:schemeClr val="accent6">
-                  <a:lumMod val="75000"/>
-                </a:schemeClr>
-              </a:solidFill>
-              <a:headEnd w="lg" len="lg"/>
-              <a:tailEnd type="triangle" w="lg" len="lg"/>
-            </a:ln>
-          </p:spPr>
-          <p:style>
-            <a:lnRef idx="1">
-              <a:schemeClr val="dk1"/>
-            </a:lnRef>
-            <a:fillRef idx="0">
-              <a:schemeClr val="dk1"/>
-            </a:fillRef>
-            <a:effectRef idx="0">
-              <a:schemeClr val="dk1"/>
-            </a:effectRef>
-            <a:fontRef idx="minor">
-              <a:schemeClr val="tx1"/>
-            </a:fontRef>
-          </p:style>
-        </p:cxnSp>
-        <p:cxnSp>
-          <p:nvCxnSpPr>
-            <p:cNvPr id="32" name="Straight Arrow Connector 31">
-              <a:extLst>
-                <a:ext uri="{FF2B5EF4-FFF2-40B4-BE49-F238E27FC236}">
-                  <a16:creationId xmlns:a16="http://schemas.microsoft.com/office/drawing/2014/main" id="{58DC2056-5F30-4735-A110-54799BECFB65}"/>
-                </a:ext>
-              </a:extLst>
-            </p:cNvPr>
-            <p:cNvCxnSpPr>
-              <a:cxnSpLocks/>
-              <a:stCxn id="27" idx="3"/>
-              <a:endCxn id="28" idx="2"/>
-            </p:cNvCxnSpPr>
-            <p:nvPr/>
-          </p:nvCxnSpPr>
-          <p:spPr>
-            <a:xfrm flipV="1">
-              <a:off x="8691209" y="3892173"/>
-              <a:ext cx="1735541" cy="511525"/>
-            </a:xfrm>
-            <a:prstGeom prst="straightConnector1">
-              <a:avLst/>
-            </a:prstGeom>
-            <a:ln w="19050">
-              <a:solidFill>
-                <a:schemeClr val="accent6">
-                  <a:lumMod val="75000"/>
-                </a:schemeClr>
-              </a:solidFill>
-              <a:headEnd w="lg" len="med"/>
-              <a:tailEnd type="triangle" w="lg" len="lg"/>
-            </a:ln>
-          </p:spPr>
-          <p:style>
-            <a:lnRef idx="1">
-              <a:schemeClr val="dk1"/>
-            </a:lnRef>
-            <a:fillRef idx="0">
-              <a:schemeClr val="dk1"/>
-            </a:fillRef>
-            <a:effectRef idx="0">
-              <a:schemeClr val="dk1"/>
-            </a:effectRef>
-            <a:fontRef idx="minor">
-              <a:schemeClr val="tx1"/>
-            </a:fontRef>
-          </p:style>
-        </p:cxnSp>
-        <p:cxnSp>
-          <p:nvCxnSpPr>
-            <p:cNvPr id="33" name="Straight Arrow Connector 32">
-              <a:extLst>
-                <a:ext uri="{FF2B5EF4-FFF2-40B4-BE49-F238E27FC236}">
-                  <a16:creationId xmlns:a16="http://schemas.microsoft.com/office/drawing/2014/main" id="{DD25573C-71EA-44FA-AF0E-F3D70ED1520A}"/>
-                </a:ext>
-              </a:extLst>
-            </p:cNvPr>
-            <p:cNvCxnSpPr>
-              <a:cxnSpLocks/>
-              <a:stCxn id="29" idx="1"/>
-            </p:cNvCxnSpPr>
-            <p:nvPr/>
-          </p:nvCxnSpPr>
-          <p:spPr>
-            <a:xfrm flipH="1" flipV="1">
-              <a:off x="3449114" y="1947023"/>
-              <a:ext cx="2546349" cy="1"/>
-            </a:xfrm>
-            <a:prstGeom prst="straightConnector1">
-              <a:avLst/>
-            </a:prstGeom>
-            <a:ln w="19050">
-              <a:solidFill>
-                <a:schemeClr val="accent6">
-                  <a:lumMod val="75000"/>
-                </a:schemeClr>
-              </a:solidFill>
-              <a:headEnd w="lg" len="med"/>
-              <a:tailEnd type="triangle" w="lg" len="lg"/>
-            </a:ln>
-          </p:spPr>
-          <p:style>
-            <a:lnRef idx="1">
-              <a:schemeClr val="dk1"/>
-            </a:lnRef>
-            <a:fillRef idx="0">
-              <a:schemeClr val="dk1"/>
-            </a:fillRef>
-            <a:effectRef idx="0">
-              <a:schemeClr val="dk1"/>
-            </a:effectRef>
-            <a:fontRef idx="minor">
-              <a:schemeClr val="tx1"/>
-            </a:fontRef>
-          </p:style>
-        </p:cxnSp>
-        <p:cxnSp>
-          <p:nvCxnSpPr>
-            <p:cNvPr id="34" name="Straight Arrow Connector 33">
-              <a:extLst>
-                <a:ext uri="{FF2B5EF4-FFF2-40B4-BE49-F238E27FC236}">
-                  <a16:creationId xmlns:a16="http://schemas.microsoft.com/office/drawing/2014/main" id="{57B95F10-6496-4E3B-83BA-0DFA3CA6C5A9}"/>
-                </a:ext>
-              </a:extLst>
-            </p:cNvPr>
-            <p:cNvCxnSpPr>
-              <a:cxnSpLocks/>
-              <a:stCxn id="28" idx="0"/>
-              <a:endCxn id="29" idx="3"/>
-            </p:cNvCxnSpPr>
-            <p:nvPr/>
-          </p:nvCxnSpPr>
-          <p:spPr>
-            <a:xfrm flipH="1" flipV="1">
-              <a:off x="7555919" y="1947024"/>
-              <a:ext cx="2870831" cy="549056"/>
-            </a:xfrm>
-            <a:prstGeom prst="straightConnector1">
-              <a:avLst/>
-            </a:prstGeom>
-            <a:ln w="19050">
-              <a:solidFill>
-                <a:schemeClr val="accent6">
-                  <a:lumMod val="75000"/>
-                </a:schemeClr>
-              </a:solidFill>
-              <a:headEnd w="lg" len="med"/>
-              <a:tailEnd type="triangle" w="lg" len="lg"/>
-            </a:ln>
-          </p:spPr>
-          <p:style>
-            <a:lnRef idx="1">
-              <a:schemeClr val="dk1"/>
-            </a:lnRef>
-            <a:fillRef idx="0">
-              <a:schemeClr val="dk1"/>
-            </a:fillRef>
-            <a:effectRef idx="0">
-              <a:schemeClr val="dk1"/>
-            </a:effectRef>
-            <a:fontRef idx="minor">
-              <a:schemeClr val="tx1"/>
-            </a:fontRef>
-          </p:style>
-        </p:cxnSp>
-        <p:cxnSp>
-          <p:nvCxnSpPr>
-            <p:cNvPr id="35" name="Straight Arrow Connector 34">
-              <a:extLst>
-                <a:ext uri="{FF2B5EF4-FFF2-40B4-BE49-F238E27FC236}">
-                  <a16:creationId xmlns:a16="http://schemas.microsoft.com/office/drawing/2014/main" id="{6F028E16-D3FC-46DB-B37B-C061E5F347A5}"/>
-                </a:ext>
-              </a:extLst>
-            </p:cNvPr>
-            <p:cNvCxnSpPr>
-              <a:cxnSpLocks/>
-              <a:stCxn id="47" idx="3"/>
-              <a:endCxn id="28" idx="1"/>
-            </p:cNvCxnSpPr>
-            <p:nvPr/>
-          </p:nvCxnSpPr>
-          <p:spPr>
-            <a:xfrm>
-              <a:off x="3449114" y="3183203"/>
-              <a:ext cx="6160418" cy="10924"/>
-            </a:xfrm>
-            <a:prstGeom prst="straightConnector1">
-              <a:avLst/>
-            </a:prstGeom>
-            <a:ln w="19050">
-              <a:solidFill>
-                <a:schemeClr val="accent6">
-                  <a:lumMod val="75000"/>
-                </a:schemeClr>
-              </a:solidFill>
-              <a:headEnd w="lg" len="med"/>
-              <a:tailEnd type="triangle" w="lg" len="lg"/>
-            </a:ln>
-          </p:spPr>
-          <p:style>
-            <a:lnRef idx="1">
-              <a:schemeClr val="dk1"/>
-            </a:lnRef>
-            <a:fillRef idx="0">
-              <a:schemeClr val="dk1"/>
-            </a:fillRef>
-            <a:effectRef idx="0">
-              <a:schemeClr val="dk1"/>
-            </a:effectRef>
-            <a:fontRef idx="minor">
-              <a:schemeClr val="tx1"/>
-            </a:fontRef>
-          </p:style>
-        </p:cxnSp>
-        <p:sp>
-          <p:nvSpPr>
-            <p:cNvPr id="36" name="TextBox 35">
-              <a:extLst>
-                <a:ext uri="{FF2B5EF4-FFF2-40B4-BE49-F238E27FC236}">
-                  <a16:creationId xmlns:a16="http://schemas.microsoft.com/office/drawing/2014/main" id="{2E954E32-A0AE-414D-9F57-1C2430E07619}"/>
-                </a:ext>
-              </a:extLst>
-            </p:cNvPr>
-            <p:cNvSpPr txBox="1"/>
-            <p:nvPr/>
-          </p:nvSpPr>
-          <p:spPr>
-            <a:xfrm>
-              <a:off x="5171944" y="2813871"/>
-              <a:ext cx="2870831" cy="369332"/>
-            </a:xfrm>
-            <a:prstGeom prst="rect">
-              <a:avLst/>
-            </a:prstGeom>
-            <a:noFill/>
-          </p:spPr>
-          <p:txBody>
-            <a:bodyPr wrap="square" rtlCol="0">
-              <a:spAutoFit/>
-            </a:bodyPr>
-            <a:lstStyle/>
-            <a:p>
-              <a:r>
-                <a:rPr lang="en-US" dirty="0"/>
-                <a:t>Explicit + Implicit Feedback</a:t>
-              </a:r>
-            </a:p>
-          </p:txBody>
-        </p:sp>
-        <p:cxnSp>
-          <p:nvCxnSpPr>
-            <p:cNvPr id="39" name="Straight Arrow Connector 38">
-              <a:extLst>
-                <a:ext uri="{FF2B5EF4-FFF2-40B4-BE49-F238E27FC236}">
-                  <a16:creationId xmlns:a16="http://schemas.microsoft.com/office/drawing/2014/main" id="{2E0EC5A2-2EC1-4F7A-ACFD-C42B0C10A9FB}"/>
-                </a:ext>
-              </a:extLst>
-            </p:cNvPr>
-            <p:cNvCxnSpPr>
-              <a:cxnSpLocks/>
-              <a:endCxn id="28" idx="0"/>
-            </p:cNvCxnSpPr>
-            <p:nvPr/>
-          </p:nvCxnSpPr>
-          <p:spPr>
-            <a:xfrm>
-              <a:off x="10420564" y="2034824"/>
-              <a:ext cx="6186" cy="461256"/>
-            </a:xfrm>
-            <a:prstGeom prst="straightConnector1">
-              <a:avLst/>
-            </a:prstGeom>
-            <a:ln w="19050">
-              <a:solidFill>
-                <a:schemeClr val="accent6">
-                  <a:lumMod val="75000"/>
-                </a:schemeClr>
-              </a:solidFill>
-              <a:headEnd w="lg" len="med"/>
-              <a:tailEnd type="triangle" w="lg" len="lg"/>
-            </a:ln>
-          </p:spPr>
-          <p:style>
-            <a:lnRef idx="1">
-              <a:schemeClr val="dk1"/>
-            </a:lnRef>
-            <a:fillRef idx="0">
-              <a:schemeClr val="dk1"/>
-            </a:fillRef>
-            <a:effectRef idx="0">
-              <a:schemeClr val="dk1"/>
-            </a:effectRef>
-            <a:fontRef idx="minor">
-              <a:schemeClr val="tx1"/>
-            </a:fontRef>
-          </p:style>
-        </p:cxnSp>
-        <p:sp>
-          <p:nvSpPr>
-            <p:cNvPr id="40" name="TextBox 39">
-              <a:extLst>
-                <a:ext uri="{FF2B5EF4-FFF2-40B4-BE49-F238E27FC236}">
-                  <a16:creationId xmlns:a16="http://schemas.microsoft.com/office/drawing/2014/main" id="{7FD4C135-2FD2-4CD3-B7AF-D42D2D0E6652}"/>
-                </a:ext>
-              </a:extLst>
-            </p:cNvPr>
-            <p:cNvSpPr txBox="1"/>
-            <p:nvPr/>
-          </p:nvSpPr>
-          <p:spPr>
-            <a:xfrm>
-              <a:off x="9977170" y="1444276"/>
-              <a:ext cx="854119" cy="646331"/>
-            </a:xfrm>
-            <a:prstGeom prst="rect">
-              <a:avLst/>
-            </a:prstGeom>
-            <a:noFill/>
-          </p:spPr>
-          <p:txBody>
-            <a:bodyPr wrap="square" rtlCol="0">
-              <a:spAutoFit/>
-            </a:bodyPr>
-            <a:lstStyle/>
-            <a:p>
-              <a:pPr algn="ctr"/>
-              <a:r>
-                <a:rPr lang="en-US" dirty="0"/>
-                <a:t>Seed</a:t>
-              </a:r>
-            </a:p>
-            <a:p>
-              <a:pPr algn="ctr"/>
-              <a:r>
-                <a:rPr lang="en-US" dirty="0"/>
-                <a:t>Words</a:t>
-              </a:r>
-            </a:p>
-          </p:txBody>
-        </p:sp>
-        <p:sp>
-          <p:nvSpPr>
-            <p:cNvPr id="41" name="TextBox 40">
-              <a:extLst>
-                <a:ext uri="{FF2B5EF4-FFF2-40B4-BE49-F238E27FC236}">
-                  <a16:creationId xmlns:a16="http://schemas.microsoft.com/office/drawing/2014/main" id="{A3A299EF-FBD5-495F-B75C-9F3D572DFC0C}"/>
-                </a:ext>
-              </a:extLst>
-            </p:cNvPr>
-            <p:cNvSpPr txBox="1"/>
-            <p:nvPr/>
-          </p:nvSpPr>
-          <p:spPr>
-            <a:xfrm>
-              <a:off x="3643606" y="4079460"/>
-              <a:ext cx="743910" cy="646331"/>
-            </a:xfrm>
-            <a:prstGeom prst="rect">
-              <a:avLst/>
-            </a:prstGeom>
-            <a:noFill/>
-          </p:spPr>
-          <p:txBody>
-            <a:bodyPr wrap="square" rtlCol="0">
-              <a:spAutoFit/>
-            </a:bodyPr>
-            <a:lstStyle/>
-            <a:p>
-              <a:r>
-                <a:rPr lang="en-US" dirty="0"/>
-                <a:t>Raw</a:t>
-              </a:r>
-            </a:p>
-            <a:p>
-              <a:r>
-                <a:rPr lang="en-US" dirty="0"/>
-                <a:t>Text</a:t>
-              </a:r>
-            </a:p>
-          </p:txBody>
-        </p:sp>
-        <p:sp>
-          <p:nvSpPr>
-            <p:cNvPr id="42" name="TextBox 41">
-              <a:extLst>
-                <a:ext uri="{FF2B5EF4-FFF2-40B4-BE49-F238E27FC236}">
-                  <a16:creationId xmlns:a16="http://schemas.microsoft.com/office/drawing/2014/main" id="{DF5936A5-F651-48A1-996E-978772C79CD8}"/>
-                </a:ext>
-              </a:extLst>
-            </p:cNvPr>
-            <p:cNvSpPr txBox="1"/>
-            <p:nvPr/>
-          </p:nvSpPr>
-          <p:spPr>
-            <a:xfrm>
-              <a:off x="6157015" y="4046401"/>
-              <a:ext cx="877508" cy="369332"/>
-            </a:xfrm>
-            <a:prstGeom prst="rect">
-              <a:avLst/>
-            </a:prstGeom>
-            <a:noFill/>
-          </p:spPr>
-          <p:txBody>
-            <a:bodyPr wrap="square" rtlCol="0">
-              <a:spAutoFit/>
-            </a:bodyPr>
-            <a:lstStyle/>
-            <a:p>
-              <a:r>
-                <a:rPr lang="en-US" dirty="0"/>
-                <a:t>Words</a:t>
-              </a:r>
-            </a:p>
-          </p:txBody>
-        </p:sp>
-        <p:sp>
-          <p:nvSpPr>
-            <p:cNvPr id="45" name="TextBox 44">
-              <a:extLst>
-                <a:ext uri="{FF2B5EF4-FFF2-40B4-BE49-F238E27FC236}">
-                  <a16:creationId xmlns:a16="http://schemas.microsoft.com/office/drawing/2014/main" id="{E3EDD63D-3A86-4BAE-AC8B-E17D72E69E32}"/>
-                </a:ext>
-              </a:extLst>
-            </p:cNvPr>
-            <p:cNvSpPr txBox="1"/>
-            <p:nvPr/>
-          </p:nvSpPr>
-          <p:spPr>
-            <a:xfrm>
-              <a:off x="9326280" y="4092567"/>
-              <a:ext cx="813348" cy="646331"/>
-            </a:xfrm>
-            <a:prstGeom prst="rect">
-              <a:avLst/>
-            </a:prstGeom>
-            <a:noFill/>
-          </p:spPr>
-          <p:txBody>
-            <a:bodyPr wrap="square" rtlCol="0">
-              <a:spAutoFit/>
-            </a:bodyPr>
-            <a:lstStyle/>
-            <a:p>
-              <a:r>
-                <a:rPr lang="en-US" dirty="0"/>
-                <a:t>Words </a:t>
-              </a:r>
-            </a:p>
-            <a:p>
-              <a:r>
-                <a:rPr lang="en-US" dirty="0"/>
-                <a:t>+ Tags</a:t>
-              </a:r>
-            </a:p>
-          </p:txBody>
-        </p:sp>
-        <p:sp>
-          <p:nvSpPr>
-            <p:cNvPr id="46" name="TextBox 45">
-              <a:extLst>
-                <a:ext uri="{FF2B5EF4-FFF2-40B4-BE49-F238E27FC236}">
-                  <a16:creationId xmlns:a16="http://schemas.microsoft.com/office/drawing/2014/main" id="{2D1E05C2-6EBB-482D-92F8-E46237E00249}"/>
-                </a:ext>
-              </a:extLst>
-            </p:cNvPr>
-            <p:cNvSpPr txBox="1"/>
-            <p:nvPr/>
-          </p:nvSpPr>
-          <p:spPr>
-            <a:xfrm>
-              <a:off x="8366951" y="1514453"/>
-              <a:ext cx="959329" cy="646331"/>
-            </a:xfrm>
-            <a:prstGeom prst="rect">
-              <a:avLst/>
-            </a:prstGeom>
-            <a:noFill/>
-          </p:spPr>
-          <p:txBody>
-            <a:bodyPr wrap="square" rtlCol="0">
-              <a:spAutoFit/>
-            </a:bodyPr>
-            <a:lstStyle/>
-            <a:p>
-              <a:r>
-                <a:rPr lang="en-US" dirty="0"/>
-                <a:t>Difficult</a:t>
-              </a:r>
-            </a:p>
-            <a:p>
-              <a:r>
-                <a:rPr lang="en-US" dirty="0"/>
-                <a:t>Words</a:t>
-              </a:r>
-            </a:p>
-          </p:txBody>
-        </p:sp>
-        <p:pic>
-          <p:nvPicPr>
-            <p:cNvPr id="47" name="Picture 46">
-              <a:extLst>
-                <a:ext uri="{FF2B5EF4-FFF2-40B4-BE49-F238E27FC236}">
-                  <a16:creationId xmlns:a16="http://schemas.microsoft.com/office/drawing/2014/main" id="{092B436E-1C1F-46CE-937E-096D4D89A328}"/>
-                </a:ext>
-              </a:extLst>
-            </p:cNvPr>
-            <p:cNvPicPr>
-              <a:picLocks noChangeAspect="1"/>
-            </p:cNvPicPr>
-            <p:nvPr/>
-          </p:nvPicPr>
-          <p:blipFill>
-            <a:blip r:embed="rId4">
-              <a:extLst>
-                <a:ext uri="{28A0092B-C50C-407E-A947-70E740481C1C}">
-                  <a14:useLocalDpi xmlns:a14="http://schemas.microsoft.com/office/drawing/2010/main" val="0"/>
-                </a:ext>
-              </a:extLst>
-            </a:blip>
-            <a:stretch>
-              <a:fillRect/>
-            </a:stretch>
-          </p:blipFill>
-          <p:spPr>
-            <a:xfrm>
-              <a:off x="166932" y="1611656"/>
-              <a:ext cx="3282182" cy="3143094"/>
-            </a:xfrm>
-            <a:prstGeom prst="roundRect">
-              <a:avLst>
-                <a:gd name="adj" fmla="val 4167"/>
-              </a:avLst>
-            </a:prstGeom>
-            <a:solidFill>
-              <a:srgbClr val="FFFFFF"/>
-            </a:solidFill>
-            <a:ln w="19050" cap="sq">
-              <a:solidFill>
-                <a:schemeClr val="accent6">
-                  <a:lumMod val="75000"/>
-                </a:schemeClr>
-              </a:solidFill>
-              <a:miter lim="800000"/>
-            </a:ln>
-            <a:effectLst/>
-          </p:spPr>
-        </p:pic>
-        <p:sp>
-          <p:nvSpPr>
-            <p:cNvPr id="48" name="TextBox 47">
-              <a:extLst>
-                <a:ext uri="{FF2B5EF4-FFF2-40B4-BE49-F238E27FC236}">
-                  <a16:creationId xmlns:a16="http://schemas.microsoft.com/office/drawing/2014/main" id="{D9EB59FF-25B7-4172-AE5F-17984B9F14C7}"/>
-                </a:ext>
-              </a:extLst>
-            </p:cNvPr>
-            <p:cNvSpPr txBox="1"/>
-            <p:nvPr/>
-          </p:nvSpPr>
-          <p:spPr>
-            <a:xfrm>
-              <a:off x="4010199" y="1608029"/>
-              <a:ext cx="1748944" cy="646331"/>
-            </a:xfrm>
-            <a:prstGeom prst="rect">
-              <a:avLst/>
-            </a:prstGeom>
-            <a:noFill/>
-          </p:spPr>
-          <p:txBody>
-            <a:bodyPr wrap="square" rtlCol="0">
-              <a:spAutoFit/>
-            </a:bodyPr>
-            <a:lstStyle/>
-            <a:p>
-              <a:r>
-                <a:rPr lang="en-US" dirty="0"/>
-                <a:t>Difficult Words +</a:t>
-              </a:r>
-            </a:p>
-            <a:p>
-              <a:r>
-                <a:rPr lang="en-US" dirty="0"/>
-                <a:t>Alternatives</a:t>
-              </a:r>
-            </a:p>
-          </p:txBody>
-        </p:sp>
-      </p:grpSp>
+          <a:prstGeom prst="rect">
+            <a:avLst/>
+          </a:prstGeom>
+          <a:noFill/>
+        </p:spPr>
+        <p:txBody>
+          <a:bodyPr wrap="square" rtlCol="0">
+            <a:spAutoFit/>
+          </a:bodyPr>
+          <a:lstStyle/>
+          <a:p>
+            <a:pPr marL="457200" indent="-457200">
+              <a:buFont typeface="Wingdings" panose="05000000000000000000" pitchFamily="2" charset="2"/>
+              <a:buChar char="§"/>
+            </a:pPr>
+            <a:r>
+              <a:rPr lang="en-US" sz="2000" dirty="0"/>
+              <a:t>We can observe an overall positive trend for both forms of feedback across different metrics. </a:t>
+            </a:r>
+          </a:p>
+          <a:p>
+            <a:pPr marL="457200" indent="-457200">
+              <a:buFont typeface="Wingdings" panose="05000000000000000000" pitchFamily="2" charset="2"/>
+              <a:buChar char="§"/>
+            </a:pPr>
+            <a:endParaRPr lang="en-US" sz="2000" dirty="0"/>
+          </a:p>
+          <a:p>
+            <a:pPr marL="457200" indent="-457200">
+              <a:buFont typeface="Wingdings" panose="05000000000000000000" pitchFamily="2" charset="2"/>
+              <a:buChar char="§"/>
+            </a:pPr>
+            <a:r>
+              <a:rPr lang="en-US" sz="2000" dirty="0"/>
+              <a:t>In under 20 interactions</a:t>
+            </a:r>
+            <a:r>
+              <a:rPr lang="en-US" sz="2000"/>
+              <a:t>, our </a:t>
+            </a:r>
+            <a:r>
+              <a:rPr lang="en-US" sz="2000" dirty="0"/>
+              <a:t>classifier reached a mean accuracy of over 80% for both forms of feedback (random classifier will yield 50%).</a:t>
+            </a:r>
+          </a:p>
+          <a:p>
+            <a:pPr marL="457200" indent="-457200">
+              <a:buFont typeface="Wingdings" panose="05000000000000000000" pitchFamily="2" charset="2"/>
+              <a:buChar char="§"/>
+            </a:pPr>
+            <a:endParaRPr lang="en-US" sz="2000" dirty="0"/>
+          </a:p>
+          <a:p>
+            <a:pPr marL="457200" indent="-457200">
+              <a:buFont typeface="Wingdings" panose="05000000000000000000" pitchFamily="2" charset="2"/>
+              <a:buChar char="§"/>
+            </a:pPr>
+            <a:r>
+              <a:rPr lang="en-US" sz="2000" dirty="0"/>
+              <a:t>It is also interesting to observe that Explicit feedback is more effective than Implicit feedback and random sampling across different metrics. </a:t>
+            </a:r>
+          </a:p>
+        </p:txBody>
+      </p:sp>
       <p:sp>
         <p:nvSpPr>
-          <p:cNvPr id="24" name="Title 1">
+          <p:cNvPr id="7" name="Rectangle 6">
             <a:extLst>
               <a:ext uri="{FF2B5EF4-FFF2-40B4-BE49-F238E27FC236}">
-                <a16:creationId xmlns:a16="http://schemas.microsoft.com/office/drawing/2014/main" id="{131BB309-01C0-4402-828A-7B92241FFE9C}"/>
+                <a16:creationId xmlns:a16="http://schemas.microsoft.com/office/drawing/2014/main" id="{B5253E6E-1D78-44D6-8781-333A8FB7836B}"/>
+              </a:ext>
+            </a:extLst>
+          </p:cNvPr>
+          <p:cNvSpPr/>
+          <p:nvPr/>
+        </p:nvSpPr>
+        <p:spPr>
+          <a:xfrm>
+            <a:off x="0" y="5676901"/>
+            <a:ext cx="12192000" cy="524260"/>
+          </a:xfrm>
+          <a:prstGeom prst="rect">
+            <a:avLst/>
+          </a:prstGeom>
+          <a:solidFill>
+            <a:schemeClr val="accent1">
+              <a:lumMod val="75000"/>
+            </a:schemeClr>
+          </a:solidFill>
+        </p:spPr>
+        <p:style>
+          <a:lnRef idx="2">
+            <a:schemeClr val="accent1">
+              <a:shade val="50000"/>
+            </a:schemeClr>
+          </a:lnRef>
+          <a:fillRef idx="1">
+            <a:schemeClr val="accent1"/>
+          </a:fillRef>
+          <a:effectRef idx="0">
+            <a:schemeClr val="accent1"/>
+          </a:effectRef>
+          <a:fontRef idx="minor">
+            <a:schemeClr val="lt1"/>
+          </a:fontRef>
+        </p:style>
+        <p:txBody>
+          <a:bodyPr rtlCol="0" anchor="ctr"/>
+          <a:lstStyle/>
+          <a:p>
+            <a:pPr algn="ctr"/>
+            <a:r>
+              <a:rPr lang="en-US" sz="2800" b="1" dirty="0"/>
+              <a:t>These results validate the theoretical capability of Fluent to learn user’s needs.</a:t>
+            </a:r>
+          </a:p>
+        </p:txBody>
+      </p:sp>
+      <p:sp>
+        <p:nvSpPr>
+          <p:cNvPr id="9" name="Title 1">
+            <a:extLst>
+              <a:ext uri="{FF2B5EF4-FFF2-40B4-BE49-F238E27FC236}">
+                <a16:creationId xmlns:a16="http://schemas.microsoft.com/office/drawing/2014/main" id="{5F8CA74D-F0DC-495B-93D3-65D161B831DF}"/>
               </a:ext>
             </a:extLst>
           </p:cNvPr>
@@ -36519,7 +36466,7 @@
         </p:nvSpPr>
         <p:spPr>
           <a:xfrm>
-            <a:off x="763305" y="46777"/>
+            <a:off x="709612" y="50240"/>
             <a:ext cx="10772775" cy="961277"/>
           </a:xfrm>
           <a:prstGeom prst="rect">
@@ -36560,21 +36507,489 @@
                 </a:solidFill>
                 <a:latin typeface="+mn-lt"/>
               </a:rPr>
-              <a:t>Workflow</a:t>
+              <a:t>Results</a:t>
             </a:r>
           </a:p>
         </p:txBody>
       </p:sp>
+      <p:pic>
+        <p:nvPicPr>
+          <p:cNvPr id="8" name="Picture 7" descr="A picture containing chart&#10;&#10;Description automatically generated">
+            <a:extLst>
+              <a:ext uri="{FF2B5EF4-FFF2-40B4-BE49-F238E27FC236}">
+                <a16:creationId xmlns:a16="http://schemas.microsoft.com/office/drawing/2014/main" id="{4FA4B25A-4454-4823-AF67-823FFC943248}"/>
+              </a:ext>
+            </a:extLst>
+          </p:cNvPr>
+          <p:cNvPicPr>
+            <a:picLocks noChangeAspect="1"/>
+          </p:cNvPicPr>
+          <p:nvPr/>
+        </p:nvPicPr>
+        <p:blipFill>
+          <a:blip r:embed="rId4">
+            <a:extLst>
+              <a:ext uri="{28A0092B-C50C-407E-A947-70E740481C1C}">
+                <a14:useLocalDpi xmlns:a14="http://schemas.microsoft.com/office/drawing/2010/main" val="0"/>
+              </a:ext>
+            </a:extLst>
+          </a:blip>
+          <a:stretch>
+            <a:fillRect/>
+          </a:stretch>
+        </p:blipFill>
+        <p:spPr>
+          <a:xfrm>
+            <a:off x="474169" y="928372"/>
+            <a:ext cx="3514794" cy="2426397"/>
+          </a:xfrm>
+          <a:prstGeom prst="rect">
+            <a:avLst/>
+          </a:prstGeom>
+        </p:spPr>
+      </p:pic>
+      <p:pic>
+        <p:nvPicPr>
+          <p:cNvPr id="11" name="Picture 10" descr="A picture containing graphical user interface&#10;&#10;Description automatically generated">
+            <a:extLst>
+              <a:ext uri="{FF2B5EF4-FFF2-40B4-BE49-F238E27FC236}">
+                <a16:creationId xmlns:a16="http://schemas.microsoft.com/office/drawing/2014/main" id="{E04EF6E7-BEB3-46AF-807F-99EA463A077B}"/>
+              </a:ext>
+            </a:extLst>
+          </p:cNvPr>
+          <p:cNvPicPr>
+            <a:picLocks noChangeAspect="1"/>
+          </p:cNvPicPr>
+          <p:nvPr/>
+        </p:nvPicPr>
+        <p:blipFill>
+          <a:blip r:embed="rId5">
+            <a:extLst>
+              <a:ext uri="{28A0092B-C50C-407E-A947-70E740481C1C}">
+                <a14:useLocalDpi xmlns:a14="http://schemas.microsoft.com/office/drawing/2010/main" val="0"/>
+              </a:ext>
+            </a:extLst>
+          </a:blip>
+          <a:stretch>
+            <a:fillRect/>
+          </a:stretch>
+        </p:blipFill>
+        <p:spPr>
+          <a:xfrm>
+            <a:off x="4281593" y="969674"/>
+            <a:ext cx="3514794" cy="2426397"/>
+          </a:xfrm>
+          <a:prstGeom prst="rect">
+            <a:avLst/>
+          </a:prstGeom>
+        </p:spPr>
+      </p:pic>
+      <p:pic>
+        <p:nvPicPr>
+          <p:cNvPr id="13" name="Picture 12" descr="Chart&#10;&#10;Description automatically generated">
+            <a:extLst>
+              <a:ext uri="{FF2B5EF4-FFF2-40B4-BE49-F238E27FC236}">
+                <a16:creationId xmlns:a16="http://schemas.microsoft.com/office/drawing/2014/main" id="{BF3D5EB2-F0A5-40CE-AD41-291807AC7C7B}"/>
+              </a:ext>
+            </a:extLst>
+          </p:cNvPr>
+          <p:cNvPicPr>
+            <a:picLocks noChangeAspect="1"/>
+          </p:cNvPicPr>
+          <p:nvPr/>
+        </p:nvPicPr>
+        <p:blipFill>
+          <a:blip r:embed="rId6">
+            <a:extLst>
+              <a:ext uri="{28A0092B-C50C-407E-A947-70E740481C1C}">
+                <a14:useLocalDpi xmlns:a14="http://schemas.microsoft.com/office/drawing/2010/main" val="0"/>
+              </a:ext>
+            </a:extLst>
+          </a:blip>
+          <a:stretch>
+            <a:fillRect/>
+          </a:stretch>
+        </p:blipFill>
+        <p:spPr>
+          <a:xfrm>
+            <a:off x="7986378" y="969674"/>
+            <a:ext cx="3511296" cy="2472140"/>
+          </a:xfrm>
+          <a:prstGeom prst="rect">
+            <a:avLst/>
+          </a:prstGeom>
+        </p:spPr>
+      </p:pic>
     </p:spTree>
     <p:extLst>
       <p:ext uri="{BB962C8B-B14F-4D97-AF65-F5344CB8AC3E}">
-        <p14:creationId xmlns:p14="http://schemas.microsoft.com/office/powerpoint/2010/main" val="3320574548"/>
+        <p14:creationId xmlns:p14="http://schemas.microsoft.com/office/powerpoint/2010/main" val="2205763302"/>
       </p:ext>
     </p:extLst>
   </p:cSld>
   <p:clrMapOvr>
     <a:masterClrMapping/>
   </p:clrMapOvr>
+  <p:timing>
+    <p:tnLst>
+      <p:par>
+        <p:cTn id="1" dur="indefinite" restart="never" nodeType="tmRoot">
+          <p:childTnLst>
+            <p:seq concurrent="1" nextAc="seek">
+              <p:cTn id="2" dur="indefinite" nodeType="mainSeq">
+                <p:childTnLst>
+                  <p:par>
+                    <p:cTn id="3" fill="hold">
+                      <p:stCondLst>
+                        <p:cond delay="indefinite"/>
+                      </p:stCondLst>
+                      <p:childTnLst>
+                        <p:par>
+                          <p:cTn id="4" fill="hold">
+                            <p:stCondLst>
+                              <p:cond delay="0"/>
+                            </p:stCondLst>
+                            <p:childTnLst>
+                              <p:par>
+                                <p:cTn id="5" presetID="1" presetClass="entr" presetSubtype="0" fill="hold" nodeType="clickEffect">
+                                  <p:stCondLst>
+                                    <p:cond delay="0"/>
+                                  </p:stCondLst>
+                                  <p:childTnLst>
+                                    <p:set>
+                                      <p:cBhvr>
+                                        <p:cTn id="6" dur="1" fill="hold">
+                                          <p:stCondLst>
+                                            <p:cond delay="0"/>
+                                          </p:stCondLst>
+                                        </p:cTn>
+                                        <p:tgtEl>
+                                          <p:spTgt spid="8"/>
+                                        </p:tgtEl>
+                                        <p:attrNameLst>
+                                          <p:attrName>style.visibility</p:attrName>
+                                        </p:attrNameLst>
+                                      </p:cBhvr>
+                                      <p:to>
+                                        <p:strVal val="visible"/>
+                                      </p:to>
+                                    </p:set>
+                                  </p:childTnLst>
+                                </p:cTn>
+                              </p:par>
+                            </p:childTnLst>
+                          </p:cTn>
+                        </p:par>
+                      </p:childTnLst>
+                    </p:cTn>
+                  </p:par>
+                  <p:par>
+                    <p:cTn id="7" fill="hold">
+                      <p:stCondLst>
+                        <p:cond delay="indefinite"/>
+                      </p:stCondLst>
+                      <p:childTnLst>
+                        <p:par>
+                          <p:cTn id="8" fill="hold">
+                            <p:stCondLst>
+                              <p:cond delay="0"/>
+                            </p:stCondLst>
+                            <p:childTnLst>
+                              <p:par>
+                                <p:cTn id="9" presetID="1" presetClass="entr" presetSubtype="0" fill="hold" nodeType="clickEffect">
+                                  <p:stCondLst>
+                                    <p:cond delay="0"/>
+                                  </p:stCondLst>
+                                  <p:childTnLst>
+                                    <p:set>
+                                      <p:cBhvr>
+                                        <p:cTn id="10" dur="1" fill="hold">
+                                          <p:stCondLst>
+                                            <p:cond delay="0"/>
+                                          </p:stCondLst>
+                                        </p:cTn>
+                                        <p:tgtEl>
+                                          <p:spTgt spid="11"/>
+                                        </p:tgtEl>
+                                        <p:attrNameLst>
+                                          <p:attrName>style.visibility</p:attrName>
+                                        </p:attrNameLst>
+                                      </p:cBhvr>
+                                      <p:to>
+                                        <p:strVal val="visible"/>
+                                      </p:to>
+                                    </p:set>
+                                  </p:childTnLst>
+                                </p:cTn>
+                              </p:par>
+                            </p:childTnLst>
+                          </p:cTn>
+                        </p:par>
+                      </p:childTnLst>
+                    </p:cTn>
+                  </p:par>
+                  <p:par>
+                    <p:cTn id="11" fill="hold">
+                      <p:stCondLst>
+                        <p:cond delay="indefinite"/>
+                      </p:stCondLst>
+                      <p:childTnLst>
+                        <p:par>
+                          <p:cTn id="12" fill="hold">
+                            <p:stCondLst>
+                              <p:cond delay="0"/>
+                            </p:stCondLst>
+                            <p:childTnLst>
+                              <p:par>
+                                <p:cTn id="13" presetID="1" presetClass="entr" presetSubtype="0" fill="hold" nodeType="clickEffect">
+                                  <p:stCondLst>
+                                    <p:cond delay="0"/>
+                                  </p:stCondLst>
+                                  <p:childTnLst>
+                                    <p:set>
+                                      <p:cBhvr>
+                                        <p:cTn id="14" dur="1" fill="hold">
+                                          <p:stCondLst>
+                                            <p:cond delay="0"/>
+                                          </p:stCondLst>
+                                        </p:cTn>
+                                        <p:tgtEl>
+                                          <p:spTgt spid="13"/>
+                                        </p:tgtEl>
+                                        <p:attrNameLst>
+                                          <p:attrName>style.visibility</p:attrName>
+                                        </p:attrNameLst>
+                                      </p:cBhvr>
+                                      <p:to>
+                                        <p:strVal val="visible"/>
+                                      </p:to>
+                                    </p:set>
+                                  </p:childTnLst>
+                                </p:cTn>
+                              </p:par>
+                            </p:childTnLst>
+                          </p:cTn>
+                        </p:par>
+                      </p:childTnLst>
+                    </p:cTn>
+                  </p:par>
+                  <p:par>
+                    <p:cTn id="15" fill="hold">
+                      <p:stCondLst>
+                        <p:cond delay="indefinite"/>
+                      </p:stCondLst>
+                      <p:childTnLst>
+                        <p:par>
+                          <p:cTn id="16" fill="hold">
+                            <p:stCondLst>
+                              <p:cond delay="0"/>
+                            </p:stCondLst>
+                            <p:childTnLst>
+                              <p:par>
+                                <p:cTn id="17" presetID="1" presetClass="entr" presetSubtype="0" fill="hold" nodeType="clickEffect">
+                                  <p:stCondLst>
+                                    <p:cond delay="0"/>
+                                  </p:stCondLst>
+                                  <p:childTnLst>
+                                    <p:set>
+                                      <p:cBhvr>
+                                        <p:cTn id="18" dur="1" fill="hold">
+                                          <p:stCondLst>
+                                            <p:cond delay="0"/>
+                                          </p:stCondLst>
+                                        </p:cTn>
+                                        <p:tgtEl>
+                                          <p:spTgt spid="6">
+                                            <p:txEl>
+                                              <p:pRg st="0" end="0"/>
+                                            </p:txEl>
+                                          </p:spTgt>
+                                        </p:tgtEl>
+                                        <p:attrNameLst>
+                                          <p:attrName>style.visibility</p:attrName>
+                                        </p:attrNameLst>
+                                      </p:cBhvr>
+                                      <p:to>
+                                        <p:strVal val="visible"/>
+                                      </p:to>
+                                    </p:set>
+                                  </p:childTnLst>
+                                </p:cTn>
+                              </p:par>
+                            </p:childTnLst>
+                          </p:cTn>
+                        </p:par>
+                      </p:childTnLst>
+                    </p:cTn>
+                  </p:par>
+                  <p:par>
+                    <p:cTn id="19" fill="hold">
+                      <p:stCondLst>
+                        <p:cond delay="indefinite"/>
+                      </p:stCondLst>
+                      <p:childTnLst>
+                        <p:par>
+                          <p:cTn id="20" fill="hold">
+                            <p:stCondLst>
+                              <p:cond delay="0"/>
+                            </p:stCondLst>
+                            <p:childTnLst>
+                              <p:par>
+                                <p:cTn id="21" presetID="1" presetClass="entr" presetSubtype="0" fill="hold" nodeType="clickEffect">
+                                  <p:stCondLst>
+                                    <p:cond delay="0"/>
+                                  </p:stCondLst>
+                                  <p:childTnLst>
+                                    <p:set>
+                                      <p:cBhvr>
+                                        <p:cTn id="22" dur="1" fill="hold">
+                                          <p:stCondLst>
+                                            <p:cond delay="0"/>
+                                          </p:stCondLst>
+                                        </p:cTn>
+                                        <p:tgtEl>
+                                          <p:spTgt spid="6">
+                                            <p:txEl>
+                                              <p:pRg st="2" end="2"/>
+                                            </p:txEl>
+                                          </p:spTgt>
+                                        </p:tgtEl>
+                                        <p:attrNameLst>
+                                          <p:attrName>style.visibility</p:attrName>
+                                        </p:attrNameLst>
+                                      </p:cBhvr>
+                                      <p:to>
+                                        <p:strVal val="visible"/>
+                                      </p:to>
+                                    </p:set>
+                                  </p:childTnLst>
+                                </p:cTn>
+                              </p:par>
+                            </p:childTnLst>
+                          </p:cTn>
+                        </p:par>
+                      </p:childTnLst>
+                    </p:cTn>
+                  </p:par>
+                  <p:par>
+                    <p:cTn id="23" fill="hold">
+                      <p:stCondLst>
+                        <p:cond delay="indefinite"/>
+                      </p:stCondLst>
+                      <p:childTnLst>
+                        <p:par>
+                          <p:cTn id="24" fill="hold">
+                            <p:stCondLst>
+                              <p:cond delay="0"/>
+                            </p:stCondLst>
+                            <p:childTnLst>
+                              <p:par>
+                                <p:cTn id="25" presetID="1" presetClass="entr" presetSubtype="0" fill="hold" nodeType="clickEffect">
+                                  <p:stCondLst>
+                                    <p:cond delay="0"/>
+                                  </p:stCondLst>
+                                  <p:childTnLst>
+                                    <p:set>
+                                      <p:cBhvr>
+                                        <p:cTn id="26" dur="1" fill="hold">
+                                          <p:stCondLst>
+                                            <p:cond delay="0"/>
+                                          </p:stCondLst>
+                                        </p:cTn>
+                                        <p:tgtEl>
+                                          <p:spTgt spid="6">
+                                            <p:txEl>
+                                              <p:pRg st="4" end="4"/>
+                                            </p:txEl>
+                                          </p:spTgt>
+                                        </p:tgtEl>
+                                        <p:attrNameLst>
+                                          <p:attrName>style.visibility</p:attrName>
+                                        </p:attrNameLst>
+                                      </p:cBhvr>
+                                      <p:to>
+                                        <p:strVal val="visible"/>
+                                      </p:to>
+                                    </p:set>
+                                  </p:childTnLst>
+                                </p:cTn>
+                              </p:par>
+                            </p:childTnLst>
+                          </p:cTn>
+                        </p:par>
+                      </p:childTnLst>
+                    </p:cTn>
+                  </p:par>
+                  <p:par>
+                    <p:cTn id="27" fill="hold">
+                      <p:stCondLst>
+                        <p:cond delay="indefinite"/>
+                      </p:stCondLst>
+                      <p:childTnLst>
+                        <p:par>
+                          <p:cTn id="28" fill="hold">
+                            <p:stCondLst>
+                              <p:cond delay="0"/>
+                            </p:stCondLst>
+                            <p:childTnLst>
+                              <p:par>
+                                <p:cTn id="29" presetID="1" presetClass="entr" presetSubtype="0" fill="hold" grpId="0" nodeType="clickEffect">
+                                  <p:stCondLst>
+                                    <p:cond delay="0"/>
+                                  </p:stCondLst>
+                                  <p:childTnLst>
+                                    <p:set>
+                                      <p:cBhvr>
+                                        <p:cTn id="30" dur="1" fill="hold">
+                                          <p:stCondLst>
+                                            <p:cond delay="0"/>
+                                          </p:stCondLst>
+                                        </p:cTn>
+                                        <p:tgtEl>
+                                          <p:spTgt spid="7"/>
+                                        </p:tgtEl>
+                                        <p:attrNameLst>
+                                          <p:attrName>style.visibility</p:attrName>
+                                        </p:attrNameLst>
+                                      </p:cBhvr>
+                                      <p:to>
+                                        <p:strVal val="visible"/>
+                                      </p:to>
+                                    </p:set>
+                                  </p:childTnLst>
+                                </p:cTn>
+                              </p:par>
+                            </p:childTnLst>
+                          </p:cTn>
+                        </p:par>
+                      </p:childTnLst>
+                    </p:cTn>
+                  </p:par>
+                </p:childTnLst>
+              </p:cTn>
+              <p:prevCondLst>
+                <p:cond evt="onPrev" delay="0">
+                  <p:tgtEl>
+                    <p:sldTgt/>
+                  </p:tgtEl>
+                </p:cond>
+              </p:prevCondLst>
+              <p:nextCondLst>
+                <p:cond evt="onNext" delay="0">
+                  <p:tgtEl>
+                    <p:sldTgt/>
+                  </p:tgtEl>
+                </p:cond>
+              </p:nextCondLst>
+            </p:seq>
+          </p:childTnLst>
+        </p:cTn>
+      </p:par>
+    </p:tnLst>
+    <p:bldLst>
+      <p:bldP spid="7" grpId="0" animBg="1"/>
+    </p:bldLst>
+  </p:timing>
 </p:sld>
 </file>
 
